--- a/Дипломная работа/Презентация диплома.pptx
+++ b/Дипломная работа/Презентация диплома.pptx
@@ -1,33 +1,564 @@
 
 <file path=ppt/presentation.xml><?xml version="1.0" encoding="utf-8"?>
-<p:presentation xmlns:a="http://schemas.openxmlformats.org/drawingml/2006/main" xmlns:p="http://schemas.openxmlformats.org/presentationml/2006/main" xmlns:r="http://schemas.openxmlformats.org/officeDocument/2006/relationships" xmlns:p14="http://schemas.microsoft.com/office/powerpoint/2010/main" xmlns:p15="http://schemas.microsoft.com/office/powerpoint/2012/main" xmlns:mc="http://schemas.openxmlformats.org/markup-compatibility/2006">
+<p:presentation xmlns:a="http://schemas.openxmlformats.org/drawingml/2006/main" xmlns:r="http://schemas.openxmlformats.org/officeDocument/2006/relationships" xmlns:p="http://schemas.openxmlformats.org/presentationml/2006/main">
   <p:sldMasterIdLst>
-    <p:sldMasterId id="2147483648" r:id="rId2"/>
-    <p:sldMasterId id="2147483651" r:id="rId3"/>
-    <p:sldMasterId id="2147483653" r:id="rId4"/>
+    <p:sldMasterId id="2147483648" r:id="rId1"/>
+    <p:sldMasterId id="2147483651" r:id="rId2"/>
   </p:sldMasterIdLst>
   <p:notesMasterIdLst>
-    <p:notesMasterId r:id="rId5"/>
+    <p:notesMasterId r:id="rId14"/>
   </p:notesMasterIdLst>
   <p:sldIdLst>
-    <p:sldId id="256" r:id="rId6"/>
-    <p:sldId id="257" r:id="rId7"/>
-    <p:sldId id="258" r:id="rId8"/>
-    <p:sldId id="259" r:id="rId9"/>
-    <p:sldId id="260" r:id="rId10"/>
-    <p:sldId id="261" r:id="rId11"/>
-    <p:sldId id="262" r:id="rId12"/>
-    <p:sldId id="263" r:id="rId13"/>
-    <p:sldId id="264" r:id="rId14"/>
-    <p:sldId id="265" r:id="rId15"/>
+    <p:sldId id="256" r:id="rId3"/>
+    <p:sldId id="257" r:id="rId4"/>
+    <p:sldId id="258" r:id="rId5"/>
+    <p:sldId id="259" r:id="rId6"/>
+    <p:sldId id="260" r:id="rId7"/>
+    <p:sldId id="261" r:id="rId8"/>
+    <p:sldId id="262" r:id="rId9"/>
+    <p:sldId id="263" r:id="rId10"/>
+    <p:sldId id="264" r:id="rId11"/>
+    <p:sldId id="266" r:id="rId12"/>
+    <p:sldId id="265" r:id="rId13"/>
   </p:sldIdLst>
   <p:sldSz cx="10080625" cy="5670550"/>
   <p:notesSz cx="7559675" cy="10691813"/>
+  <p:defaultTextStyle>
+    <a:defPPr>
+      <a:defRPr lang="ru-RU"/>
+    </a:defPPr>
+    <a:lvl1pPr marL="0" algn="l" defTabSz="914400" rtl="0" eaLnBrk="1" latinLnBrk="0" hangingPunct="1">
+      <a:defRPr sz="1800" kern="1200">
+        <a:solidFill>
+          <a:schemeClr val="tx1"/>
+        </a:solidFill>
+        <a:latin typeface="+mn-lt"/>
+        <a:ea typeface="+mn-ea"/>
+        <a:cs typeface="+mn-cs"/>
+      </a:defRPr>
+    </a:lvl1pPr>
+    <a:lvl2pPr marL="457200" algn="l" defTabSz="914400" rtl="0" eaLnBrk="1" latinLnBrk="0" hangingPunct="1">
+      <a:defRPr sz="1800" kern="1200">
+        <a:solidFill>
+          <a:schemeClr val="tx1"/>
+        </a:solidFill>
+        <a:latin typeface="+mn-lt"/>
+        <a:ea typeface="+mn-ea"/>
+        <a:cs typeface="+mn-cs"/>
+      </a:defRPr>
+    </a:lvl2pPr>
+    <a:lvl3pPr marL="914400" algn="l" defTabSz="914400" rtl="0" eaLnBrk="1" latinLnBrk="0" hangingPunct="1">
+      <a:defRPr sz="1800" kern="1200">
+        <a:solidFill>
+          <a:schemeClr val="tx1"/>
+        </a:solidFill>
+        <a:latin typeface="+mn-lt"/>
+        <a:ea typeface="+mn-ea"/>
+        <a:cs typeface="+mn-cs"/>
+      </a:defRPr>
+    </a:lvl3pPr>
+    <a:lvl4pPr marL="1371600" algn="l" defTabSz="914400" rtl="0" eaLnBrk="1" latinLnBrk="0" hangingPunct="1">
+      <a:defRPr sz="1800" kern="1200">
+        <a:solidFill>
+          <a:schemeClr val="tx1"/>
+        </a:solidFill>
+        <a:latin typeface="+mn-lt"/>
+        <a:ea typeface="+mn-ea"/>
+        <a:cs typeface="+mn-cs"/>
+      </a:defRPr>
+    </a:lvl4pPr>
+    <a:lvl5pPr marL="1828800" algn="l" defTabSz="914400" rtl="0" eaLnBrk="1" latinLnBrk="0" hangingPunct="1">
+      <a:defRPr sz="1800" kern="1200">
+        <a:solidFill>
+          <a:schemeClr val="tx1"/>
+        </a:solidFill>
+        <a:latin typeface="+mn-lt"/>
+        <a:ea typeface="+mn-ea"/>
+        <a:cs typeface="+mn-cs"/>
+      </a:defRPr>
+    </a:lvl5pPr>
+    <a:lvl6pPr marL="2286000" algn="l" defTabSz="914400" rtl="0" eaLnBrk="1" latinLnBrk="0" hangingPunct="1">
+      <a:defRPr sz="1800" kern="1200">
+        <a:solidFill>
+          <a:schemeClr val="tx1"/>
+        </a:solidFill>
+        <a:latin typeface="+mn-lt"/>
+        <a:ea typeface="+mn-ea"/>
+        <a:cs typeface="+mn-cs"/>
+      </a:defRPr>
+    </a:lvl6pPr>
+    <a:lvl7pPr marL="2743200" algn="l" defTabSz="914400" rtl="0" eaLnBrk="1" latinLnBrk="0" hangingPunct="1">
+      <a:defRPr sz="1800" kern="1200">
+        <a:solidFill>
+          <a:schemeClr val="tx1"/>
+        </a:solidFill>
+        <a:latin typeface="+mn-lt"/>
+        <a:ea typeface="+mn-ea"/>
+        <a:cs typeface="+mn-cs"/>
+      </a:defRPr>
+    </a:lvl7pPr>
+    <a:lvl8pPr marL="3200400" algn="l" defTabSz="914400" rtl="0" eaLnBrk="1" latinLnBrk="0" hangingPunct="1">
+      <a:defRPr sz="1800" kern="1200">
+        <a:solidFill>
+          <a:schemeClr val="tx1"/>
+        </a:solidFill>
+        <a:latin typeface="+mn-lt"/>
+        <a:ea typeface="+mn-ea"/>
+        <a:cs typeface="+mn-cs"/>
+      </a:defRPr>
+    </a:lvl8pPr>
+    <a:lvl9pPr marL="3657600" algn="l" defTabSz="914400" rtl="0" eaLnBrk="1" latinLnBrk="0" hangingPunct="1">
+      <a:defRPr sz="1800" kern="1200">
+        <a:solidFill>
+          <a:schemeClr val="tx1"/>
+        </a:solidFill>
+        <a:latin typeface="+mn-lt"/>
+        <a:ea typeface="+mn-ea"/>
+        <a:cs typeface="+mn-cs"/>
+      </a:defRPr>
+    </a:lvl9pPr>
+  </p:defaultTextStyle>
+  <p:extLst>
+    <p:ext uri="{EFAFB233-063F-42B5-8137-9DF3F51BA10A}">
+      <p15:sldGuideLst xmlns:p15="http://schemas.microsoft.com/office/powerpoint/2012/main">
+        <p15:guide id="1" orient="horz" pos="1786">
+          <p15:clr>
+            <a:srgbClr val="A4A3A4"/>
+          </p15:clr>
+        </p15:guide>
+        <p15:guide id="2" pos="3175">
+          <p15:clr>
+            <a:srgbClr val="A4A3A4"/>
+          </p15:clr>
+        </p15:guide>
+      </p15:sldGuideLst>
+    </p:ext>
+  </p:extLst>
 </p:presentation>
 </file>
 
 <file path=ppt/notesMasters/notesMaster1.xml><?xml version="1.0" encoding="utf-8"?>
-<p:notesMaster xmlns:a="http://schemas.openxmlformats.org/drawingml/2006/main" xmlns:p="http://schemas.openxmlformats.org/presentationml/2006/main" xmlns:r="http://schemas.openxmlformats.org/officeDocument/2006/relationships" xmlns:p14="http://schemas.microsoft.com/office/powerpoint/2010/main" xmlns:p15="http://schemas.microsoft.com/office/powerpoint/2012/main" xmlns:mc="http://schemas.openxmlformats.org/markup-compatibility/2006">
+<p:notesMaster xmlns:a="http://schemas.openxmlformats.org/drawingml/2006/main" xmlns:r="http://schemas.openxmlformats.org/officeDocument/2006/relationships" xmlns:p="http://schemas.openxmlformats.org/presentationml/2006/main">
+  <p:cSld>
+    <p:bg>
+      <p:bgRef idx="1001">
+        <a:schemeClr val="bg1"/>
+      </p:bgRef>
+    </p:bg>
+    <p:spTree>
+      <p:nvGrpSpPr>
+        <p:cNvPr id="1" name=""/>
+        <p:cNvGrpSpPr/>
+        <p:nvPr/>
+      </p:nvGrpSpPr>
+      <p:grpSpPr>
+        <a:xfrm>
+          <a:off x="0" y="0"/>
+          <a:ext cx="0" cy="0"/>
+          <a:chOff x="0" y="0"/>
+          <a:chExt cx="0" cy="0"/>
+        </a:xfrm>
+      </p:grpSpPr>
+      <p:sp>
+        <p:nvSpPr>
+          <p:cNvPr id="23" name="PlaceHolder 1"/>
+          <p:cNvSpPr>
+            <a:spLocks noGrp="1" noRot="1" noChangeAspect="1"/>
+          </p:cNvSpPr>
+          <p:nvPr>
+            <p:ph type="sldImg"/>
+          </p:nvPr>
+        </p:nvSpPr>
+        <p:spPr>
+          <a:xfrm>
+            <a:off x="0" y="812520"/>
+            <a:ext cx="0" cy="0"/>
+          </a:xfrm>
+          <a:prstGeom prst="rect">
+            <a:avLst/>
+          </a:prstGeom>
+          <a:noFill/>
+          <a:ln w="0">
+            <a:noFill/>
+          </a:ln>
+        </p:spPr>
+        <p:txBody>
+          <a:bodyPr lIns="0" tIns="0" rIns="0" bIns="0" anchor="ctr">
+            <a:noAutofit/>
+          </a:bodyPr>
+          <a:lstStyle/>
+          <a:p>
+            <a:r>
+              <a:rPr lang="ru-RU" sz="1800" b="0" strike="noStrike" spc="-1">
+                <a:solidFill>
+                  <a:schemeClr val="dk1"/>
+                </a:solidFill>
+                <a:latin typeface="Arial"/>
+              </a:rPr>
+              <a:t>Для перемещения страницы щёлкните мышью</a:t>
+            </a:r>
+          </a:p>
+        </p:txBody>
+      </p:sp>
+      <p:sp>
+        <p:nvSpPr>
+          <p:cNvPr id="24" name="PlaceHolder 2"/>
+          <p:cNvSpPr>
+            <a:spLocks noGrp="1"/>
+          </p:cNvSpPr>
+          <p:nvPr>
+            <p:ph type="body"/>
+          </p:nvPr>
+        </p:nvSpPr>
+        <p:spPr>
+          <a:xfrm>
+            <a:off x="756000" y="5078520"/>
+            <a:ext cx="6047640" cy="4811040"/>
+          </a:xfrm>
+          <a:prstGeom prst="rect">
+            <a:avLst/>
+          </a:prstGeom>
+          <a:noFill/>
+          <a:ln w="0">
+            <a:noFill/>
+          </a:ln>
+        </p:spPr>
+        <p:txBody>
+          <a:bodyPr lIns="0" tIns="0" rIns="0" bIns="0" anchor="t">
+            <a:noAutofit/>
+          </a:bodyPr>
+          <a:lstStyle/>
+          <a:p>
+            <a:pPr marL="216000" indent="-216000">
+              <a:buNone/>
+            </a:pPr>
+            <a:r>
+              <a:rPr lang="ru-RU" sz="2000" b="0" strike="noStrike" spc="-1">
+                <a:solidFill>
+                  <a:srgbClr val="000000"/>
+                </a:solidFill>
+                <a:latin typeface="Arial"/>
+              </a:rPr>
+              <a:t>Для правки формата примечаний щёлкните мышью</a:t>
+            </a:r>
+          </a:p>
+        </p:txBody>
+      </p:sp>
+      <p:sp>
+        <p:nvSpPr>
+          <p:cNvPr id="25" name="PlaceHolder 3"/>
+          <p:cNvSpPr>
+            <a:spLocks noGrp="1"/>
+          </p:cNvSpPr>
+          <p:nvPr>
+            <p:ph type="hdr"/>
+          </p:nvPr>
+        </p:nvSpPr>
+        <p:spPr>
+          <a:xfrm>
+            <a:off x="0" y="0"/>
+            <a:ext cx="3280680" cy="534240"/>
+          </a:xfrm>
+          <a:prstGeom prst="rect">
+            <a:avLst/>
+          </a:prstGeom>
+          <a:noFill/>
+          <a:ln w="0">
+            <a:noFill/>
+          </a:ln>
+        </p:spPr>
+        <p:txBody>
+          <a:bodyPr lIns="0" tIns="0" rIns="0" bIns="0" anchor="t">
+            <a:noAutofit/>
+          </a:bodyPr>
+          <a:lstStyle/>
+          <a:p>
+            <a:pPr indent="0">
+              <a:buNone/>
+            </a:pPr>
+            <a:r>
+              <a:rPr lang="ru-RU" sz="1400" b="0" strike="noStrike" spc="-1">
+                <a:solidFill>
+                  <a:srgbClr val="000000"/>
+                </a:solidFill>
+                <a:latin typeface="Times New Roman"/>
+              </a:rPr>
+              <a:t>&lt;верхний колонтитул&gt;</a:t>
+            </a:r>
+          </a:p>
+        </p:txBody>
+      </p:sp>
+      <p:sp>
+        <p:nvSpPr>
+          <p:cNvPr id="26" name="PlaceHolder 4"/>
+          <p:cNvSpPr>
+            <a:spLocks noGrp="1"/>
+          </p:cNvSpPr>
+          <p:nvPr>
+            <p:ph type="dt" idx="10"/>
+          </p:nvPr>
+        </p:nvSpPr>
+        <p:spPr>
+          <a:xfrm>
+            <a:off x="4278960" y="0"/>
+            <a:ext cx="3280680" cy="534240"/>
+          </a:xfrm>
+          <a:prstGeom prst="rect">
+            <a:avLst/>
+          </a:prstGeom>
+          <a:noFill/>
+          <a:ln w="0">
+            <a:noFill/>
+          </a:ln>
+        </p:spPr>
+        <p:txBody>
+          <a:bodyPr lIns="0" tIns="0" rIns="0" bIns="0" anchor="t">
+            <a:noAutofit/>
+          </a:bodyPr>
+          <a:lstStyle>
+            <a:lvl1pPr indent="0" algn="r">
+              <a:buNone/>
+              <a:defRPr lang="ru-RU" sz="1400" b="0" strike="noStrike" spc="-1">
+                <a:solidFill>
+                  <a:srgbClr val="000000"/>
+                </a:solidFill>
+                <a:latin typeface="Times New Roman"/>
+              </a:defRPr>
+            </a:lvl1pPr>
+          </a:lstStyle>
+          <a:p>
+            <a:pPr indent="0" algn="r">
+              <a:buNone/>
+            </a:pPr>
+            <a:r>
+              <a:rPr lang="ru-RU" sz="1400" b="0" strike="noStrike" spc="-1">
+                <a:solidFill>
+                  <a:srgbClr val="000000"/>
+                </a:solidFill>
+                <a:latin typeface="Times New Roman"/>
+              </a:rPr>
+              <a:t>&lt;дата/время&gt;</a:t>
+            </a:r>
+          </a:p>
+        </p:txBody>
+      </p:sp>
+      <p:sp>
+        <p:nvSpPr>
+          <p:cNvPr id="27" name="PlaceHolder 5"/>
+          <p:cNvSpPr>
+            <a:spLocks noGrp="1"/>
+          </p:cNvSpPr>
+          <p:nvPr>
+            <p:ph type="ftr" idx="11"/>
+          </p:nvPr>
+        </p:nvSpPr>
+        <p:spPr>
+          <a:xfrm>
+            <a:off x="0" y="10157400"/>
+            <a:ext cx="3280680" cy="534240"/>
+          </a:xfrm>
+          <a:prstGeom prst="rect">
+            <a:avLst/>
+          </a:prstGeom>
+          <a:noFill/>
+          <a:ln w="0">
+            <a:noFill/>
+          </a:ln>
+        </p:spPr>
+        <p:txBody>
+          <a:bodyPr lIns="0" tIns="0" rIns="0" bIns="0" anchor="b">
+            <a:noAutofit/>
+          </a:bodyPr>
+          <a:lstStyle>
+            <a:lvl1pPr indent="0">
+              <a:buNone/>
+              <a:defRPr lang="ru-RU" sz="1400" b="0" strike="noStrike" spc="-1">
+                <a:solidFill>
+                  <a:srgbClr val="000000"/>
+                </a:solidFill>
+                <a:latin typeface="Times New Roman"/>
+              </a:defRPr>
+            </a:lvl1pPr>
+          </a:lstStyle>
+          <a:p>
+            <a:pPr indent="0">
+              <a:buNone/>
+            </a:pPr>
+            <a:r>
+              <a:rPr lang="ru-RU" sz="1400" b="0" strike="noStrike" spc="-1">
+                <a:solidFill>
+                  <a:srgbClr val="000000"/>
+                </a:solidFill>
+                <a:latin typeface="Times New Roman"/>
+              </a:rPr>
+              <a:t>&lt;нижний колонтитул&gt;</a:t>
+            </a:r>
+          </a:p>
+        </p:txBody>
+      </p:sp>
+      <p:sp>
+        <p:nvSpPr>
+          <p:cNvPr id="28" name="PlaceHolder 6"/>
+          <p:cNvSpPr>
+            <a:spLocks noGrp="1"/>
+          </p:cNvSpPr>
+          <p:nvPr>
+            <p:ph type="sldNum" idx="12"/>
+          </p:nvPr>
+        </p:nvSpPr>
+        <p:spPr>
+          <a:xfrm>
+            <a:off x="4278960" y="10157400"/>
+            <a:ext cx="3280680" cy="534240"/>
+          </a:xfrm>
+          <a:prstGeom prst="rect">
+            <a:avLst/>
+          </a:prstGeom>
+          <a:noFill/>
+          <a:ln w="0">
+            <a:noFill/>
+          </a:ln>
+        </p:spPr>
+        <p:txBody>
+          <a:bodyPr lIns="0" tIns="0" rIns="0" bIns="0" anchor="b">
+            <a:noAutofit/>
+          </a:bodyPr>
+          <a:lstStyle>
+            <a:lvl1pPr indent="0" algn="r">
+              <a:buNone/>
+              <a:defRPr lang="ru-RU" sz="1400" b="0" strike="noStrike" spc="-1">
+                <a:solidFill>
+                  <a:srgbClr val="000000"/>
+                </a:solidFill>
+                <a:latin typeface="Times New Roman"/>
+              </a:defRPr>
+            </a:lvl1pPr>
+          </a:lstStyle>
+          <a:p>
+            <a:pPr indent="0" algn="r">
+              <a:buNone/>
+            </a:pPr>
+            <a:fld id="{CC183639-7EEA-499F-AEE8-3E3BB9049584}" type="slidenum">
+              <a:rPr lang="ru-RU" sz="1400" b="0" strike="noStrike" spc="-1">
+                <a:solidFill>
+                  <a:srgbClr val="000000"/>
+                </a:solidFill>
+                <a:latin typeface="Times New Roman"/>
+              </a:rPr>
+              <a:pPr indent="0" algn="r">
+                <a:buNone/>
+              </a:pPr>
+              <a:t>‹#›</a:t>
+            </a:fld>
+            <a:endParaRPr lang="ru-RU" sz="1400" b="0" strike="noStrike" spc="-1">
+              <a:solidFill>
+                <a:srgbClr val="000000"/>
+              </a:solidFill>
+              <a:latin typeface="Times New Roman"/>
+            </a:endParaRPr>
+          </a:p>
+        </p:txBody>
+      </p:sp>
+    </p:spTree>
+  </p:cSld>
+  <p:clrMap bg1="lt1" tx1="dk1" bg2="lt2" tx2="dk2" accent1="accent1" accent2="accent2" accent3="accent3" accent4="accent4" accent5="accent5" accent6="accent6" hlink="hlink" folHlink="folHlink"/>
+  <p:notesStyle>
+    <a:lvl1pPr marL="0" algn="l" defTabSz="914400" rtl="0" eaLnBrk="1" latinLnBrk="0" hangingPunct="1">
+      <a:defRPr sz="1200" kern="1200">
+        <a:solidFill>
+          <a:schemeClr val="tx1"/>
+        </a:solidFill>
+        <a:latin typeface="+mn-lt"/>
+        <a:ea typeface="+mn-ea"/>
+        <a:cs typeface="+mn-cs"/>
+      </a:defRPr>
+    </a:lvl1pPr>
+    <a:lvl2pPr marL="457200" algn="l" defTabSz="914400" rtl="0" eaLnBrk="1" latinLnBrk="0" hangingPunct="1">
+      <a:defRPr sz="1200" kern="1200">
+        <a:solidFill>
+          <a:schemeClr val="tx1"/>
+        </a:solidFill>
+        <a:latin typeface="+mn-lt"/>
+        <a:ea typeface="+mn-ea"/>
+        <a:cs typeface="+mn-cs"/>
+      </a:defRPr>
+    </a:lvl2pPr>
+    <a:lvl3pPr marL="914400" algn="l" defTabSz="914400" rtl="0" eaLnBrk="1" latinLnBrk="0" hangingPunct="1">
+      <a:defRPr sz="1200" kern="1200">
+        <a:solidFill>
+          <a:schemeClr val="tx1"/>
+        </a:solidFill>
+        <a:latin typeface="+mn-lt"/>
+        <a:ea typeface="+mn-ea"/>
+        <a:cs typeface="+mn-cs"/>
+      </a:defRPr>
+    </a:lvl3pPr>
+    <a:lvl4pPr marL="1371600" algn="l" defTabSz="914400" rtl="0" eaLnBrk="1" latinLnBrk="0" hangingPunct="1">
+      <a:defRPr sz="1200" kern="1200">
+        <a:solidFill>
+          <a:schemeClr val="tx1"/>
+        </a:solidFill>
+        <a:latin typeface="+mn-lt"/>
+        <a:ea typeface="+mn-ea"/>
+        <a:cs typeface="+mn-cs"/>
+      </a:defRPr>
+    </a:lvl4pPr>
+    <a:lvl5pPr marL="1828800" algn="l" defTabSz="914400" rtl="0" eaLnBrk="1" latinLnBrk="0" hangingPunct="1">
+      <a:defRPr sz="1200" kern="1200">
+        <a:solidFill>
+          <a:schemeClr val="tx1"/>
+        </a:solidFill>
+        <a:latin typeface="+mn-lt"/>
+        <a:ea typeface="+mn-ea"/>
+        <a:cs typeface="+mn-cs"/>
+      </a:defRPr>
+    </a:lvl5pPr>
+    <a:lvl6pPr marL="2286000" algn="l" defTabSz="914400" rtl="0" eaLnBrk="1" latinLnBrk="0" hangingPunct="1">
+      <a:defRPr sz="1200" kern="1200">
+        <a:solidFill>
+          <a:schemeClr val="tx1"/>
+        </a:solidFill>
+        <a:latin typeface="+mn-lt"/>
+        <a:ea typeface="+mn-ea"/>
+        <a:cs typeface="+mn-cs"/>
+      </a:defRPr>
+    </a:lvl6pPr>
+    <a:lvl7pPr marL="2743200" algn="l" defTabSz="914400" rtl="0" eaLnBrk="1" latinLnBrk="0" hangingPunct="1">
+      <a:defRPr sz="1200" kern="1200">
+        <a:solidFill>
+          <a:schemeClr val="tx1"/>
+        </a:solidFill>
+        <a:latin typeface="+mn-lt"/>
+        <a:ea typeface="+mn-ea"/>
+        <a:cs typeface="+mn-cs"/>
+      </a:defRPr>
+    </a:lvl7pPr>
+    <a:lvl8pPr marL="3200400" algn="l" defTabSz="914400" rtl="0" eaLnBrk="1" latinLnBrk="0" hangingPunct="1">
+      <a:defRPr sz="1200" kern="1200">
+        <a:solidFill>
+          <a:schemeClr val="tx1"/>
+        </a:solidFill>
+        <a:latin typeface="+mn-lt"/>
+        <a:ea typeface="+mn-ea"/>
+        <a:cs typeface="+mn-cs"/>
+      </a:defRPr>
+    </a:lvl8pPr>
+    <a:lvl9pPr marL="3657600" algn="l" defTabSz="914400" rtl="0" eaLnBrk="1" latinLnBrk="0" hangingPunct="1">
+      <a:defRPr sz="1200" kern="1200">
+        <a:solidFill>
+          <a:schemeClr val="tx1"/>
+        </a:solidFill>
+        <a:latin typeface="+mn-lt"/>
+        <a:ea typeface="+mn-ea"/>
+        <a:cs typeface="+mn-cs"/>
+      </a:defRPr>
+    </a:lvl9pPr>
+  </p:notesStyle>
+</p:notesMaster>
+</file>
+
+<file path=ppt/notesSlides/notesSlide1.xml><?xml version="1.0" encoding="utf-8"?>
+<p:notes xmlns:a="http://schemas.openxmlformats.org/drawingml/2006/main" xmlns:r="http://schemas.openxmlformats.org/officeDocument/2006/relationships" xmlns:p="http://schemas.openxmlformats.org/presentationml/2006/main">
   <p:cSld>
     <p:spTree>
       <p:nvGrpSpPr>
@@ -45,9 +576,9 @@
       </p:grpSpPr>
       <p:sp>
         <p:nvSpPr>
-          <p:cNvPr id="23" name="PlaceHolder 1"/>
+          <p:cNvPr id="60" name="PlaceHolder 1"/>
           <p:cNvSpPr>
-            <a:spLocks noGrp="1"/>
+            <a:spLocks noGrp="1" noRot="1" noChangeAspect="1"/>
           </p:cNvSpPr>
           <p:nvPr>
             <p:ph type="sldImg"/>
@@ -55,355 +586,8 @@
         </p:nvSpPr>
         <p:spPr>
           <a:xfrm>
-            <a:off x="0" y="812520"/>
-            <a:ext cx="0" cy="0"/>
-          </a:xfrm>
-          <a:prstGeom prst="rect">
-            <a:avLst/>
-          </a:prstGeom>
-          <a:noFill/>
-          <a:ln w="0">
-            <a:noFill/>
-          </a:ln>
-        </p:spPr>
-        <p:txBody>
-          <a:bodyPr lIns="0" rIns="0" tIns="0" bIns="0" anchor="ctr">
-            <a:noAutofit/>
-          </a:bodyPr>
-          <a:p>
-            <a:r>
-              <a:rPr b="0" lang="ru-RU" sz="1800" spc="-1" strike="noStrike">
-                <a:solidFill>
-                  <a:schemeClr val="dk1"/>
-                </a:solidFill>
-                <a:latin typeface="Arial"/>
-              </a:rPr>
-              <a:t>Для перемещения страницы щёлкните мышью</a:t>
-            </a:r>
-            <a:endParaRPr b="0" lang="ru-RU" sz="1800" spc="-1" strike="noStrike">
-              <a:solidFill>
-                <a:schemeClr val="dk1"/>
-              </a:solidFill>
-              <a:latin typeface="Arial"/>
-            </a:endParaRPr>
-          </a:p>
-        </p:txBody>
-      </p:sp>
-      <p:sp>
-        <p:nvSpPr>
-          <p:cNvPr id="24" name="PlaceHolder 2"/>
-          <p:cNvSpPr>
-            <a:spLocks noGrp="1"/>
-          </p:cNvSpPr>
-          <p:nvPr>
-            <p:ph type="body"/>
-          </p:nvPr>
-        </p:nvSpPr>
-        <p:spPr>
-          <a:xfrm>
-            <a:off x="756000" y="5078520"/>
-            <a:ext cx="6047640" cy="4811040"/>
-          </a:xfrm>
-          <a:prstGeom prst="rect">
-            <a:avLst/>
-          </a:prstGeom>
-          <a:noFill/>
-          <a:ln w="0">
-            <a:noFill/>
-          </a:ln>
-        </p:spPr>
-        <p:txBody>
-          <a:bodyPr lIns="0" rIns="0" tIns="0" bIns="0" anchor="t">
-            <a:noAutofit/>
-          </a:bodyPr>
-          <a:p>
-            <a:pPr marL="216000" indent="-216000">
-              <a:buNone/>
-            </a:pPr>
-            <a:r>
-              <a:rPr b="0" lang="ru-RU" sz="2000" spc="-1" strike="noStrike">
-                <a:solidFill>
-                  <a:srgbClr val="000000"/>
-                </a:solidFill>
-                <a:latin typeface="Arial"/>
-              </a:rPr>
-              <a:t>Для правки формата примечаний щёлкните мышью</a:t>
-            </a:r>
-            <a:endParaRPr b="0" lang="ru-RU" sz="2000" spc="-1" strike="noStrike">
-              <a:solidFill>
-                <a:srgbClr val="000000"/>
-              </a:solidFill>
-              <a:latin typeface="Arial"/>
-            </a:endParaRPr>
-          </a:p>
-        </p:txBody>
-      </p:sp>
-      <p:sp>
-        <p:nvSpPr>
-          <p:cNvPr id="25" name="PlaceHolder 3"/>
-          <p:cNvSpPr>
-            <a:spLocks noGrp="1"/>
-          </p:cNvSpPr>
-          <p:nvPr>
-            <p:ph type="hdr"/>
-          </p:nvPr>
-        </p:nvSpPr>
-        <p:spPr>
-          <a:xfrm>
-            <a:off x="0" y="0"/>
-            <a:ext cx="3280680" cy="534240"/>
-          </a:xfrm>
-          <a:prstGeom prst="rect">
-            <a:avLst/>
-          </a:prstGeom>
-          <a:noFill/>
-          <a:ln w="0">
-            <a:noFill/>
-          </a:ln>
-        </p:spPr>
-        <p:txBody>
-          <a:bodyPr lIns="0" rIns="0" tIns="0" bIns="0" anchor="t">
-            <a:noAutofit/>
-          </a:bodyPr>
-          <a:p>
-            <a:pPr indent="0">
-              <a:buNone/>
-            </a:pPr>
-            <a:r>
-              <a:rPr b="0" lang="ru-RU" sz="1400" spc="-1" strike="noStrike">
-                <a:solidFill>
-                  <a:srgbClr val="000000"/>
-                </a:solidFill>
-                <a:latin typeface="Times New Roman"/>
-              </a:rPr>
-              <a:t>&lt;верхний колонтитул&gt;</a:t>
-            </a:r>
-            <a:endParaRPr b="0" lang="ru-RU" sz="1400" spc="-1" strike="noStrike">
-              <a:solidFill>
-                <a:srgbClr val="000000"/>
-              </a:solidFill>
-              <a:latin typeface="Times New Roman"/>
-            </a:endParaRPr>
-          </a:p>
-        </p:txBody>
-      </p:sp>
-      <p:sp>
-        <p:nvSpPr>
-          <p:cNvPr id="26" name="PlaceHolder 4"/>
-          <p:cNvSpPr>
-            <a:spLocks noGrp="1"/>
-          </p:cNvSpPr>
-          <p:nvPr>
-            <p:ph type="dt" idx="10"/>
-          </p:nvPr>
-        </p:nvSpPr>
-        <p:spPr>
-          <a:xfrm>
-            <a:off x="4278960" y="0"/>
-            <a:ext cx="3280680" cy="534240"/>
-          </a:xfrm>
-          <a:prstGeom prst="rect">
-            <a:avLst/>
-          </a:prstGeom>
-          <a:noFill/>
-          <a:ln w="0">
-            <a:noFill/>
-          </a:ln>
-        </p:spPr>
-        <p:txBody>
-          <a:bodyPr lIns="0" rIns="0" tIns="0" bIns="0" anchor="t">
-            <a:noAutofit/>
-          </a:bodyPr>
-          <a:lstStyle>
-            <a:lvl1pPr indent="0" algn="r">
-              <a:buNone/>
-              <a:defRPr b="0" lang="ru-RU" sz="1400" spc="-1" strike="noStrike">
-                <a:solidFill>
-                  <a:srgbClr val="000000"/>
-                </a:solidFill>
-                <a:latin typeface="Times New Roman"/>
-              </a:defRPr>
-            </a:lvl1pPr>
-          </a:lstStyle>
-          <a:p>
-            <a:pPr indent="0" algn="r">
-              <a:buNone/>
-            </a:pPr>
-            <a:r>
-              <a:rPr b="0" lang="ru-RU" sz="1400" spc="-1" strike="noStrike">
-                <a:solidFill>
-                  <a:srgbClr val="000000"/>
-                </a:solidFill>
-                <a:latin typeface="Times New Roman"/>
-              </a:rPr>
-              <a:t>&lt;дата/время&gt;</a:t>
-            </a:r>
-            <a:endParaRPr b="0" lang="ru-RU" sz="1400" spc="-1" strike="noStrike">
-              <a:solidFill>
-                <a:srgbClr val="000000"/>
-              </a:solidFill>
-              <a:latin typeface="Times New Roman"/>
-            </a:endParaRPr>
-          </a:p>
-        </p:txBody>
-      </p:sp>
-      <p:sp>
-        <p:nvSpPr>
-          <p:cNvPr id="27" name="PlaceHolder 5"/>
-          <p:cNvSpPr>
-            <a:spLocks noGrp="1"/>
-          </p:cNvSpPr>
-          <p:nvPr>
-            <p:ph type="ftr" idx="11"/>
-          </p:nvPr>
-        </p:nvSpPr>
-        <p:spPr>
-          <a:xfrm>
-            <a:off x="0" y="10157400"/>
-            <a:ext cx="3280680" cy="534240"/>
-          </a:xfrm>
-          <a:prstGeom prst="rect">
-            <a:avLst/>
-          </a:prstGeom>
-          <a:noFill/>
-          <a:ln w="0">
-            <a:noFill/>
-          </a:ln>
-        </p:spPr>
-        <p:txBody>
-          <a:bodyPr lIns="0" rIns="0" tIns="0" bIns="0" anchor="b">
-            <a:noAutofit/>
-          </a:bodyPr>
-          <a:lstStyle>
-            <a:lvl1pPr indent="0">
-              <a:buNone/>
-              <a:defRPr b="0" lang="ru-RU" sz="1400" spc="-1" strike="noStrike">
-                <a:solidFill>
-                  <a:srgbClr val="000000"/>
-                </a:solidFill>
-                <a:latin typeface="Times New Roman"/>
-              </a:defRPr>
-            </a:lvl1pPr>
-          </a:lstStyle>
-          <a:p>
-            <a:pPr indent="0">
-              <a:buNone/>
-            </a:pPr>
-            <a:r>
-              <a:rPr b="0" lang="ru-RU" sz="1400" spc="-1" strike="noStrike">
-                <a:solidFill>
-                  <a:srgbClr val="000000"/>
-                </a:solidFill>
-                <a:latin typeface="Times New Roman"/>
-              </a:rPr>
-              <a:t>&lt;нижний колонтитул&gt;</a:t>
-            </a:r>
-            <a:endParaRPr b="0" lang="ru-RU" sz="1400" spc="-1" strike="noStrike">
-              <a:solidFill>
-                <a:srgbClr val="000000"/>
-              </a:solidFill>
-              <a:latin typeface="Times New Roman"/>
-            </a:endParaRPr>
-          </a:p>
-        </p:txBody>
-      </p:sp>
-      <p:sp>
-        <p:nvSpPr>
-          <p:cNvPr id="28" name="PlaceHolder 6"/>
-          <p:cNvSpPr>
-            <a:spLocks noGrp="1"/>
-          </p:cNvSpPr>
-          <p:nvPr>
-            <p:ph type="sldNum" idx="12"/>
-          </p:nvPr>
-        </p:nvSpPr>
-        <p:spPr>
-          <a:xfrm>
-            <a:off x="4278960" y="10157400"/>
-            <a:ext cx="3280680" cy="534240"/>
-          </a:xfrm>
-          <a:prstGeom prst="rect">
-            <a:avLst/>
-          </a:prstGeom>
-          <a:noFill/>
-          <a:ln w="0">
-            <a:noFill/>
-          </a:ln>
-        </p:spPr>
-        <p:txBody>
-          <a:bodyPr lIns="0" rIns="0" tIns="0" bIns="0" anchor="b">
-            <a:noAutofit/>
-          </a:bodyPr>
-          <a:lstStyle>
-            <a:lvl1pPr indent="0" algn="r">
-              <a:buNone/>
-              <a:defRPr b="0" lang="ru-RU" sz="1400" spc="-1" strike="noStrike">
-                <a:solidFill>
-                  <a:srgbClr val="000000"/>
-                </a:solidFill>
-                <a:latin typeface="Times New Roman"/>
-              </a:defRPr>
-            </a:lvl1pPr>
-          </a:lstStyle>
-          <a:p>
-            <a:pPr indent="0" algn="r">
-              <a:buNone/>
-            </a:pPr>
-            <a:fld id="{CC183639-7EEA-499F-AEE8-3E3BB9049584}" type="slidenum">
-              <a:rPr b="0" lang="ru-RU" sz="1400" spc="-1" strike="noStrike">
-                <a:solidFill>
-                  <a:srgbClr val="000000"/>
-                </a:solidFill>
-                <a:latin typeface="Times New Roman"/>
-              </a:rPr>
-              <a:t>&lt;номер&gt;</a:t>
-            </a:fld>
-            <a:endParaRPr b="0" lang="ru-RU" sz="1400" spc="-1" strike="noStrike">
-              <a:solidFill>
-                <a:srgbClr val="000000"/>
-              </a:solidFill>
-              <a:latin typeface="Times New Roman"/>
-            </a:endParaRPr>
-          </a:p>
-        </p:txBody>
-      </p:sp>
-    </p:spTree>
-  </p:cSld>
-  <p:clrMap bg1="lt1" bg2="lt2" tx1="dk1" tx2="dk2" accent1="accent1" accent2="accent2" accent3="accent3" accent4="accent4" accent5="accent5" accent6="accent6" hlink="hlink" folHlink="folHlink"/>
-</p:notesMaster>
-</file>
-
-<file path=ppt/notesSlides/notesSlide1.xml><?xml version="1.0" encoding="utf-8"?>
-<p:notes xmlns:a="http://schemas.openxmlformats.org/drawingml/2006/main" xmlns:p="http://schemas.openxmlformats.org/presentationml/2006/main" xmlns:r="http://schemas.openxmlformats.org/officeDocument/2006/relationships" xmlns:p14="http://schemas.microsoft.com/office/powerpoint/2010/main" xmlns:p15="http://schemas.microsoft.com/office/powerpoint/2012/main" xmlns:mc="http://schemas.openxmlformats.org/markup-compatibility/2006">
-  <p:cSld>
-    <p:spTree>
-      <p:nvGrpSpPr>
-        <p:cNvPr id="1" name=""/>
-        <p:cNvGrpSpPr/>
-        <p:nvPr/>
-      </p:nvGrpSpPr>
-      <p:grpSpPr>
-        <a:xfrm>
-          <a:off x="0" y="0"/>
-          <a:ext cx="0" cy="0"/>
-          <a:chOff x="0" y="0"/>
-          <a:chExt cx="0" cy="0"/>
-        </a:xfrm>
-      </p:grpSpPr>
-      <p:sp>
-        <p:nvSpPr>
-          <p:cNvPr id="60" name="PlaceHolder 1"/>
-          <p:cNvSpPr>
-            <a:spLocks noGrp="1"/>
-          </p:cNvSpPr>
-          <p:nvPr>
-            <p:ph type="sldImg"/>
-          </p:nvPr>
-        </p:nvSpPr>
-        <p:spPr>
-          <a:xfrm>
-            <a:off x="573120" y="1336680"/>
-            <a:ext cx="6413040" cy="3607920"/>
+            <a:off x="573088" y="1336675"/>
+            <a:ext cx="6413500" cy="3608388"/>
           </a:xfrm>
           <a:prstGeom prst="rect">
             <a:avLst/>
@@ -437,14 +621,15 @@
           </a:ln>
         </p:spPr>
         <p:txBody>
-          <a:bodyPr lIns="91440" rIns="91440" tIns="45720" bIns="45720" anchor="t">
+          <a:bodyPr lIns="91440" tIns="45720" rIns="91440" bIns="45720" anchor="t">
             <a:noAutofit/>
           </a:bodyPr>
+          <a:lstStyle/>
           <a:p>
             <a:pPr marL="216000" indent="-216000">
               <a:buNone/>
             </a:pPr>
-            <a:endParaRPr b="0" lang="ru-RU" sz="1800" spc="-1" strike="noStrike">
+            <a:endParaRPr lang="ru-RU" sz="1800" b="0" strike="noStrike" spc="-1">
               <a:solidFill>
                 <a:srgbClr val="000000"/>
               </a:solidFill>
@@ -477,7 +662,7 @@
           </a:ln>
         </p:spPr>
         <p:txBody>
-          <a:bodyPr lIns="91440" rIns="91440" tIns="45720" bIns="45720" anchor="b">
+          <a:bodyPr lIns="91440" tIns="45720" rIns="91440" bIns="45720" anchor="b">
             <a:noAutofit/>
           </a:bodyPr>
           <a:lstStyle>
@@ -486,7 +671,7 @@
                 <a:spcPct val="100000"/>
               </a:lnSpc>
               <a:buNone/>
-              <a:defRPr b="0" lang="ru-RU" sz="1200" spc="-1" strike="noStrike">
+              <a:defRPr lang="ru-RU" sz="1200" b="0" strike="noStrike" spc="-1">
                 <a:solidFill>
                   <a:srgbClr val="000000"/>
                 </a:solidFill>
@@ -502,15 +687,21 @@
               <a:buNone/>
             </a:pPr>
             <a:fld id="{DF507E4F-3CD2-4550-963F-69D98F6F53B3}" type="slidenum">
-              <a:rPr b="0" lang="ru-RU" sz="1200" spc="-1" strike="noStrike">
+              <a:rPr lang="ru-RU" sz="1200" b="0" strike="noStrike" spc="-1">
                 <a:solidFill>
                   <a:srgbClr val="000000"/>
                 </a:solidFill>
                 <a:latin typeface="Times New Roman"/>
               </a:rPr>
-              <a:t>&lt;номер&gt;</a:t>
+              <a:pPr indent="0" algn="r">
+                <a:lnSpc>
+                  <a:spcPct val="100000"/>
+                </a:lnSpc>
+                <a:buNone/>
+              </a:pPr>
+              <a:t>1</a:t>
             </a:fld>
-            <a:endParaRPr b="0" lang="ru-RU" sz="1200" spc="-1" strike="noStrike">
+            <a:endParaRPr lang="ru-RU" sz="1200" b="0" strike="noStrike" spc="-1">
               <a:solidFill>
                 <a:srgbClr val="000000"/>
               </a:solidFill>
@@ -521,11 +712,14 @@
       </p:sp>
     </p:spTree>
   </p:cSld>
+  <p:clrMapOvr>
+    <a:masterClrMapping/>
+  </p:clrMapOvr>
 </p:notes>
 </file>
 
 <file path=ppt/slideLayouts/slideLayout1.xml><?xml version="1.0" encoding="utf-8"?>
-<p:sldLayout xmlns:a="http://schemas.openxmlformats.org/drawingml/2006/main" xmlns:p="http://schemas.openxmlformats.org/presentationml/2006/main" xmlns:r="http://schemas.openxmlformats.org/officeDocument/2006/relationships" xmlns:p14="http://schemas.microsoft.com/office/powerpoint/2010/main" xmlns:p15="http://schemas.microsoft.com/office/powerpoint/2012/main" xmlns:mc="http://schemas.openxmlformats.org/markup-compatibility/2006" type="title" preserve="1">
+<p:sldLayout xmlns:a="http://schemas.openxmlformats.org/drawingml/2006/main" xmlns:r="http://schemas.openxmlformats.org/officeDocument/2006/relationships" xmlns:p="http://schemas.openxmlformats.org/presentationml/2006/main" type="title" preserve="1">
   <p:cSld name="Обычный">
     <p:spTree>
       <p:nvGrpSpPr>
@@ -565,14 +759,15 @@
           </a:ln>
         </p:spPr>
         <p:txBody>
-          <a:bodyPr lIns="0" rIns="0" tIns="0" bIns="0" anchor="ctr">
+          <a:bodyPr lIns="0" tIns="0" rIns="0" bIns="0" anchor="ctr">
             <a:noAutofit/>
           </a:bodyPr>
+          <a:lstStyle/>
           <a:p>
             <a:pPr indent="0">
               <a:buNone/>
             </a:pPr>
-            <a:endParaRPr b="0" lang="ru-RU" sz="1800" spc="-1" strike="noStrike">
+            <a:endParaRPr lang="ru-RU" sz="1800" b="0" strike="noStrike" spc="-1">
               <a:solidFill>
                 <a:schemeClr val="dk1"/>
               </a:solidFill>
@@ -605,14 +800,15 @@
           </a:ln>
         </p:spPr>
         <p:txBody>
-          <a:bodyPr lIns="0" rIns="0" tIns="0" bIns="0" anchor="ctr">
+          <a:bodyPr lIns="0" tIns="0" rIns="0" bIns="0" anchor="ctr">
             <a:noAutofit/>
           </a:bodyPr>
+          <a:lstStyle/>
           <a:p>
             <a:pPr indent="0" algn="ctr">
               <a:buNone/>
             </a:pPr>
-            <a:endParaRPr b="0" lang="ru-RU" sz="3200" spc="-1" strike="noStrike">
+            <a:endParaRPr lang="ru-RU" sz="3200" b="0" strike="noStrike" spc="-1">
               <a:solidFill>
                 <a:srgbClr val="000000"/>
               </a:solidFill>
@@ -634,6 +830,7 @@
         <p:spPr/>
         <p:txBody>
           <a:bodyPr/>
+          <a:lstStyle/>
           <a:p>
             <a:r>
               <a:t>Footer</a:t>
@@ -643,7 +840,7 @@
       </p:sp>
       <p:sp>
         <p:nvSpPr>
-          <p:cNvPr id="5" name="PlaceHolder 4"/>
+          <p:cNvPr id="2" name="PlaceHolder 4"/>
           <p:cNvSpPr>
             <a:spLocks noGrp="1"/>
           </p:cNvSpPr>
@@ -654,16 +851,20 @@
         <p:spPr/>
         <p:txBody>
           <a:bodyPr/>
+          <a:lstStyle/>
           <a:p>
             <a:fld id="{1E63815F-F8CF-46D6-955D-57DDA488B899}" type="slidenum">
-              <a:t>&lt;#&gt;</a:t>
+              <a:rPr/>
+              <a:pPr/>
+              <a:t>‹#›</a:t>
             </a:fld>
-          </a:p>
-        </p:txBody>
-      </p:sp>
-      <p:sp>
-        <p:nvSpPr>
-          <p:cNvPr id="6" name="PlaceHolder 5"/>
+            <a:endParaRPr/>
+          </a:p>
+        </p:txBody>
+      </p:sp>
+      <p:sp>
+        <p:nvSpPr>
+          <p:cNvPr id="3" name="PlaceHolder 5"/>
           <p:cNvSpPr>
             <a:spLocks noGrp="1"/>
           </p:cNvSpPr>
@@ -674,21 +875,22 @@
         <p:spPr/>
         <p:txBody>
           <a:bodyPr/>
-          <a:p>
-            <a:r>
-              <a:rPr lang="ru-RU"/>
-              <a:t/>
-            </a:r>
+          <a:lstStyle/>
+          <a:p>
+            <a:endParaRPr/>
           </a:p>
         </p:txBody>
       </p:sp>
     </p:spTree>
   </p:cSld>
+  <p:clrMapOvr>
+    <a:masterClrMapping/>
+  </p:clrMapOvr>
 </p:sldLayout>
 </file>
 
 <file path=ppt/slideLayouts/slideLayout2.xml><?xml version="1.0" encoding="utf-8"?>
-<p:sldLayout xmlns:a="http://schemas.openxmlformats.org/drawingml/2006/main" xmlns:p="http://schemas.openxmlformats.org/presentationml/2006/main" xmlns:r="http://schemas.openxmlformats.org/officeDocument/2006/relationships" xmlns:p14="http://schemas.microsoft.com/office/powerpoint/2010/main" xmlns:p15="http://schemas.microsoft.com/office/powerpoint/2012/main" xmlns:mc="http://schemas.openxmlformats.org/markup-compatibility/2006" type="tx" preserve="1">
+<p:sldLayout xmlns:a="http://schemas.openxmlformats.org/drawingml/2006/main" xmlns:r="http://schemas.openxmlformats.org/officeDocument/2006/relationships" xmlns:p="http://schemas.openxmlformats.org/presentationml/2006/main" type="tx" preserve="1">
   <p:cSld name="Обычный">
     <p:spTree>
       <p:nvGrpSpPr>
@@ -728,14 +930,15 @@
           </a:ln>
         </p:spPr>
         <p:txBody>
-          <a:bodyPr lIns="0" rIns="0" tIns="0" bIns="0" anchor="ctr">
+          <a:bodyPr lIns="0" tIns="0" rIns="0" bIns="0" anchor="ctr">
             <a:noAutofit/>
           </a:bodyPr>
+          <a:lstStyle/>
           <a:p>
             <a:pPr indent="0">
               <a:buNone/>
             </a:pPr>
-            <a:endParaRPr b="0" lang="ru-RU" sz="1800" spc="-1" strike="noStrike">
+            <a:endParaRPr lang="ru-RU" sz="1800" b="0" strike="noStrike" spc="-1">
               <a:solidFill>
                 <a:schemeClr val="dk1"/>
               </a:solidFill>
@@ -768,9 +971,10 @@
           </a:ln>
         </p:spPr>
         <p:txBody>
-          <a:bodyPr lIns="0" rIns="0" tIns="0" bIns="0" anchor="t">
+          <a:bodyPr lIns="0" tIns="0" rIns="0" bIns="0" anchor="t">
             <a:normAutofit/>
           </a:bodyPr>
+          <a:lstStyle/>
           <a:p>
             <a:pPr indent="0">
               <a:lnSpc>
@@ -781,7 +985,7 @@
               </a:spcBef>
               <a:buNone/>
             </a:pPr>
-            <a:endParaRPr b="0" lang="ru-RU" sz="2800" spc="-1" strike="noStrike">
+            <a:endParaRPr lang="ru-RU" sz="2800" b="0" strike="noStrike" spc="-1">
               <a:solidFill>
                 <a:schemeClr val="dk1"/>
               </a:solidFill>
@@ -803,6 +1007,7 @@
         <p:spPr/>
         <p:txBody>
           <a:bodyPr/>
+          <a:lstStyle/>
           <a:p>
             <a:r>
               <a:t>Footer</a:t>
@@ -823,10 +1028,14 @@
         <p:spPr/>
         <p:txBody>
           <a:bodyPr/>
+          <a:lstStyle/>
           <a:p>
             <a:fld id="{97A3AD41-D32F-4E96-986E-127745C32523}" type="slidenum">
-              <a:t>&lt;#&gt;</a:t>
+              <a:rPr/>
+              <a:pPr/>
+              <a:t>‹#›</a:t>
             </a:fld>
+            <a:endParaRPr/>
           </a:p>
         </p:txBody>
       </p:sp>
@@ -843,21 +1052,22 @@
         <p:spPr/>
         <p:txBody>
           <a:bodyPr/>
-          <a:p>
-            <a:r>
-              <a:rPr lang="ru-RU"/>
-              <a:t/>
-            </a:r>
+          <a:lstStyle/>
+          <a:p>
+            <a:endParaRPr/>
           </a:p>
         </p:txBody>
       </p:sp>
     </p:spTree>
   </p:cSld>
+  <p:clrMapOvr>
+    <a:masterClrMapping/>
+  </p:clrMapOvr>
 </p:sldLayout>
 </file>
 
 <file path=ppt/slideLayouts/slideLayout3.xml><?xml version="1.0" encoding="utf-8"?>
-<p:sldLayout xmlns:a="http://schemas.openxmlformats.org/drawingml/2006/main" xmlns:p="http://schemas.openxmlformats.org/presentationml/2006/main" xmlns:r="http://schemas.openxmlformats.org/officeDocument/2006/relationships" xmlns:p14="http://schemas.microsoft.com/office/powerpoint/2010/main" xmlns:p15="http://schemas.microsoft.com/office/powerpoint/2012/main" xmlns:mc="http://schemas.openxmlformats.org/markup-compatibility/2006" type="tx" preserve="1">
+<p:sldLayout xmlns:a="http://schemas.openxmlformats.org/drawingml/2006/main" xmlns:r="http://schemas.openxmlformats.org/officeDocument/2006/relationships" xmlns:p="http://schemas.openxmlformats.org/presentationml/2006/main" type="tx" preserve="1">
   <p:cSld name="Обычный 1">
     <p:spTree>
       <p:nvGrpSpPr>
@@ -897,14 +1107,15 @@
           </a:ln>
         </p:spPr>
         <p:txBody>
-          <a:bodyPr lIns="0" rIns="0" tIns="0" bIns="0" anchor="ctr">
+          <a:bodyPr lIns="0" tIns="0" rIns="0" bIns="0" anchor="ctr">
             <a:noAutofit/>
           </a:bodyPr>
+          <a:lstStyle/>
           <a:p>
             <a:pPr indent="0">
               <a:buNone/>
             </a:pPr>
-            <a:endParaRPr b="0" lang="ru-RU" sz="1800" spc="-1" strike="noStrike">
+            <a:endParaRPr lang="ru-RU" sz="1800" b="0" strike="noStrike" spc="-1">
               <a:solidFill>
                 <a:schemeClr val="dk1"/>
               </a:solidFill>
@@ -937,9 +1148,10 @@
           </a:ln>
         </p:spPr>
         <p:txBody>
-          <a:bodyPr lIns="0" rIns="0" tIns="0" bIns="0" anchor="t">
+          <a:bodyPr lIns="0" tIns="0" rIns="0" bIns="0" anchor="t">
             <a:normAutofit/>
           </a:bodyPr>
+          <a:lstStyle/>
           <a:p>
             <a:pPr indent="0">
               <a:lnSpc>
@@ -950,7 +1162,7 @@
               </a:spcBef>
               <a:buNone/>
             </a:pPr>
-            <a:endParaRPr b="0" lang="ru-RU" sz="2800" spc="-1" strike="noStrike">
+            <a:endParaRPr lang="ru-RU" sz="2800" b="0" strike="noStrike" spc="-1">
               <a:solidFill>
                 <a:schemeClr val="dk1"/>
               </a:solidFill>
@@ -972,6 +1184,7 @@
         <p:spPr/>
         <p:txBody>
           <a:bodyPr/>
+          <a:lstStyle/>
           <a:p>
             <a:r>
               <a:t>Footer</a:t>
@@ -992,10 +1205,14 @@
         <p:spPr/>
         <p:txBody>
           <a:bodyPr/>
+          <a:lstStyle/>
           <a:p>
             <a:fld id="{FAF2328B-F26B-4009-ACDB-7EC264753E4A}" type="slidenum">
-              <a:t>&lt;#&gt;</a:t>
+              <a:rPr/>
+              <a:pPr/>
+              <a:t>‹#›</a:t>
             </a:fld>
+            <a:endParaRPr/>
           </a:p>
         </p:txBody>
       </p:sp>
@@ -1012,21 +1229,22 @@
         <p:spPr/>
         <p:txBody>
           <a:bodyPr/>
-          <a:p>
-            <a:r>
-              <a:rPr lang="ru-RU"/>
-              <a:t/>
-            </a:r>
+          <a:lstStyle/>
+          <a:p>
+            <a:endParaRPr/>
           </a:p>
         </p:txBody>
       </p:sp>
     </p:spTree>
   </p:cSld>
+  <p:clrMapOvr>
+    <a:masterClrMapping/>
+  </p:clrMapOvr>
 </p:sldLayout>
 </file>
 
 <file path=ppt/slideLayouts/slideLayout4.xml><?xml version="1.0" encoding="utf-8"?>
-<p:sldLayout xmlns:a="http://schemas.openxmlformats.org/drawingml/2006/main" xmlns:p="http://schemas.openxmlformats.org/presentationml/2006/main" xmlns:r="http://schemas.openxmlformats.org/officeDocument/2006/relationships" xmlns:p14="http://schemas.microsoft.com/office/powerpoint/2010/main" xmlns:p15="http://schemas.microsoft.com/office/powerpoint/2012/main" xmlns:mc="http://schemas.openxmlformats.org/markup-compatibility/2006" type="title" preserve="1">
+<p:sldLayout xmlns:a="http://schemas.openxmlformats.org/drawingml/2006/main" xmlns:r="http://schemas.openxmlformats.org/officeDocument/2006/relationships" xmlns:p="http://schemas.openxmlformats.org/presentationml/2006/main" type="title">
   <p:cSld name="Титульный слайд">
     <p:spTree>
       <p:nvGrpSpPr>
@@ -1044,99 +1262,117 @@
       </p:grpSpPr>
       <p:sp>
         <p:nvSpPr>
-          <p:cNvPr id="21" name="PlaceHolder 1"/>
+          <p:cNvPr id="8" name="Заголовок 7"/>
           <p:cNvSpPr>
             <a:spLocks noGrp="1"/>
           </p:cNvSpPr>
           <p:nvPr>
-            <p:ph type="title"/>
+            <p:ph type="ctrTitle"/>
           </p:nvPr>
         </p:nvSpPr>
         <p:spPr>
           <a:xfrm>
-            <a:off x="504000" y="74160"/>
-            <a:ext cx="9071280" cy="1249920"/>
+            <a:off x="465259" y="1134110"/>
+            <a:ext cx="9072563" cy="1512147"/>
           </a:xfrm>
-          <a:prstGeom prst="rect">
-            <a:avLst/>
-          </a:prstGeom>
-          <a:noFill/>
-          <a:ln w="0">
-            <a:noFill/>
-          </a:ln>
         </p:spPr>
         <p:txBody>
-          <a:bodyPr lIns="0" rIns="0" tIns="0" bIns="0" anchor="ctr">
-            <a:noAutofit/>
+          <a:bodyPr vert="horz" lIns="45720" tIns="0" rIns="45720" bIns="0" anchor="b">
+            <a:normAutofit/>
+            <a:scene3d>
+              <a:camera prst="orthographicFront"/>
+              <a:lightRig rig="soft" dir="t">
+                <a:rot lat="0" lon="0" rev="17220000"/>
+              </a:lightRig>
+            </a:scene3d>
+            <a:sp3d prstMaterial="softEdge">
+              <a:bevelT w="38100" h="38100"/>
+            </a:sp3d>
           </a:bodyPr>
-          <a:p>
-            <a:pPr indent="0">
-              <a:buNone/>
-            </a:pPr>
-            <a:endParaRPr b="0" lang="ru-RU" sz="1800" spc="-1" strike="noStrike">
-              <a:solidFill>
-                <a:schemeClr val="dk1"/>
-              </a:solidFill>
-              <a:latin typeface="Arial"/>
-            </a:endParaRPr>
-          </a:p>
-        </p:txBody>
-      </p:sp>
-      <p:sp>
-        <p:nvSpPr>
-          <p:cNvPr id="22" name="PlaceHolder 2"/>
+          <a:lstStyle>
+            <a:lvl1pPr>
+              <a:defRPr sz="4800" b="1" cap="all" baseline="0">
+                <a:ln w="6350">
+                  <a:noFill/>
+                </a:ln>
+                <a:gradFill>
+                  <a:gsLst>
+                    <a:gs pos="0">
+                      <a:schemeClr val="accent1">
+                        <a:tint val="73000"/>
+                        <a:satMod val="145000"/>
+                      </a:schemeClr>
+                    </a:gs>
+                    <a:gs pos="73000">
+                      <a:schemeClr val="accent1">
+                        <a:tint val="73000"/>
+                        <a:satMod val="145000"/>
+                      </a:schemeClr>
+                    </a:gs>
+                    <a:gs pos="100000">
+                      <a:schemeClr val="accent1">
+                        <a:tint val="83000"/>
+                        <a:satMod val="143000"/>
+                      </a:schemeClr>
+                    </a:gs>
+                  </a:gsLst>
+                  <a:lin ang="4800000" scaled="1"/>
+                </a:gradFill>
+                <a:effectLst>
+                  <a:outerShdw blurRad="127000" dist="200000" dir="2700000" algn="tl" rotWithShape="0">
+                    <a:srgbClr val="000000">
+                      <a:alpha val="30000"/>
+                    </a:srgbClr>
+                  </a:outerShdw>
+                </a:effectLst>
+              </a:defRPr>
+            </a:lvl1pPr>
+          </a:lstStyle>
+          <a:p>
+            <a:r>
+              <a:rPr kumimoji="0" lang="ru-RU"/>
+              <a:t>Образец заголовка</a:t>
+            </a:r>
+            <a:endParaRPr kumimoji="0" lang="en-US"/>
+          </a:p>
+        </p:txBody>
+      </p:sp>
+      <p:sp>
+        <p:nvSpPr>
+          <p:cNvPr id="28" name="Дата 27"/>
           <p:cNvSpPr>
             <a:spLocks noGrp="1"/>
           </p:cNvSpPr>
           <p:nvPr>
-            <p:ph type="subTitle"/>
-          </p:nvPr>
-        </p:nvSpPr>
-        <p:spPr>
-          <a:xfrm>
-            <a:off x="504000" y="1326600"/>
-            <a:ext cx="9071280" cy="3287880"/>
-          </a:xfrm>
-          <a:prstGeom prst="rect">
-            <a:avLst/>
-          </a:prstGeom>
-          <a:noFill/>
-          <a:ln w="0">
-            <a:noFill/>
-          </a:ln>
-        </p:spPr>
-        <p:txBody>
-          <a:bodyPr lIns="0" rIns="0" tIns="0" bIns="0" anchor="ctr">
-            <a:noAutofit/>
-          </a:bodyPr>
-          <a:p>
-            <a:pPr indent="0" algn="ctr">
-              <a:buNone/>
-            </a:pPr>
-            <a:endParaRPr b="0" lang="ru-RU" sz="3200" spc="-1" strike="noStrike">
-              <a:solidFill>
-                <a:srgbClr val="000000"/>
-              </a:solidFill>
-              <a:latin typeface="Arial"/>
-            </a:endParaRPr>
-          </a:p>
-        </p:txBody>
-      </p:sp>
-      <p:sp>
-        <p:nvSpPr>
-          <p:cNvPr id="4" name="PlaceHolder 3"/>
+            <p:ph type="dt" sz="half" idx="10"/>
+          </p:nvPr>
+        </p:nvSpPr>
+        <p:spPr/>
+        <p:txBody>
+          <a:bodyPr/>
+          <a:lstStyle/>
+          <a:p>
+            <a:endParaRPr lang="ru-RU"/>
+          </a:p>
+        </p:txBody>
+      </p:sp>
+      <p:sp>
+        <p:nvSpPr>
+          <p:cNvPr id="17" name="Нижний колонтитул 16"/>
           <p:cNvSpPr>
             <a:spLocks noGrp="1"/>
           </p:cNvSpPr>
           <p:nvPr>
-            <p:ph type="ftr" idx="8"/>
+            <p:ph type="ftr" sz="quarter" idx="11"/>
           </p:nvPr>
         </p:nvSpPr>
         <p:spPr/>
         <p:txBody>
           <a:bodyPr/>
-          <a:p>
-            <a:r>
+          <a:lstStyle/>
+          <a:p>
+            <a:r>
+              <a:rPr lang="en-US"/>
               <a:t>Footer</a:t>
             </a:r>
           </a:p>
@@ -1144,58 +1380,106 @@
       </p:sp>
       <p:sp>
         <p:nvSpPr>
-          <p:cNvPr id="5" name="PlaceHolder 4"/>
+          <p:cNvPr id="29" name="Номер слайда 28"/>
           <p:cNvSpPr>
             <a:spLocks noGrp="1"/>
           </p:cNvSpPr>
           <p:nvPr>
-            <p:ph type="sldNum" idx="9"/>
+            <p:ph type="sldNum" sz="quarter" idx="12"/>
           </p:nvPr>
         </p:nvSpPr>
         <p:spPr/>
         <p:txBody>
           <a:bodyPr/>
+          <a:lstStyle/>
           <a:p>
             <a:fld id="{3A3C9956-3ACE-482A-842E-2A9865412187}" type="slidenum">
-              <a:t>&lt;#&gt;</a:t>
+              <a:rPr lang="ru-RU" smtClean="0"/>
+              <a:pPr/>
+              <a:t>‹#›</a:t>
             </a:fld>
-          </a:p>
-        </p:txBody>
-      </p:sp>
-      <p:sp>
-        <p:nvSpPr>
-          <p:cNvPr id="6" name="PlaceHolder 5"/>
+            <a:endParaRPr lang="ru-RU"/>
+          </a:p>
+        </p:txBody>
+      </p:sp>
+      <p:sp>
+        <p:nvSpPr>
+          <p:cNvPr id="9" name="Подзаголовок 8"/>
           <p:cNvSpPr>
             <a:spLocks noGrp="1"/>
           </p:cNvSpPr>
           <p:nvPr>
-            <p:ph type="dt" idx="7"/>
-          </p:nvPr>
-        </p:nvSpPr>
-        <p:spPr/>
+            <p:ph type="subTitle" idx="1"/>
+          </p:nvPr>
+        </p:nvSpPr>
+        <p:spPr>
+          <a:xfrm>
+            <a:off x="1512094" y="2754820"/>
+            <a:ext cx="7056438" cy="1449141"/>
+          </a:xfrm>
+        </p:spPr>
         <p:txBody>
           <a:bodyPr/>
-          <a:p>
-            <a:r>
-              <a:rPr lang="ru-RU"/>
-              <a:t/>
-            </a:r>
+          <a:lstStyle>
+            <a:lvl1pPr marL="0" indent="0" algn="ctr">
+              <a:buNone/>
+              <a:defRPr>
+                <a:solidFill>
+                  <a:schemeClr val="tx1"/>
+                </a:solidFill>
+              </a:defRPr>
+            </a:lvl1pPr>
+            <a:lvl2pPr marL="457200" indent="0" algn="ctr">
+              <a:buNone/>
+            </a:lvl2pPr>
+            <a:lvl3pPr marL="914400" indent="0" algn="ctr">
+              <a:buNone/>
+            </a:lvl3pPr>
+            <a:lvl4pPr marL="1371600" indent="0" algn="ctr">
+              <a:buNone/>
+            </a:lvl4pPr>
+            <a:lvl5pPr marL="1828800" indent="0" algn="ctr">
+              <a:buNone/>
+            </a:lvl5pPr>
+            <a:lvl6pPr marL="2286000" indent="0" algn="ctr">
+              <a:buNone/>
+            </a:lvl6pPr>
+            <a:lvl7pPr marL="2743200" indent="0" algn="ctr">
+              <a:buNone/>
+            </a:lvl7pPr>
+            <a:lvl8pPr marL="3200400" indent="0" algn="ctr">
+              <a:buNone/>
+            </a:lvl8pPr>
+            <a:lvl9pPr marL="3657600" indent="0" algn="ctr">
+              <a:buNone/>
+            </a:lvl9pPr>
+          </a:lstStyle>
+          <a:p>
+            <a:r>
+              <a:rPr kumimoji="0" lang="ru-RU"/>
+              <a:t>Образец подзаголовка</a:t>
+            </a:r>
+            <a:endParaRPr kumimoji="0" lang="en-US"/>
           </a:p>
         </p:txBody>
       </p:sp>
     </p:spTree>
   </p:cSld>
+  <p:clrMapOvr>
+    <a:masterClrMapping/>
+  </p:clrMapOvr>
 </p:sldLayout>
 </file>
 
 <file path=ppt/slideMasters/slideMaster1.xml><?xml version="1.0" encoding="utf-8"?>
-<p:sldMaster xmlns:a="http://schemas.openxmlformats.org/drawingml/2006/main" xmlns:p="http://schemas.openxmlformats.org/presentationml/2006/main" xmlns:r="http://schemas.openxmlformats.org/officeDocument/2006/relationships" xmlns:p14="http://schemas.microsoft.com/office/powerpoint/2010/main" xmlns:p15="http://schemas.microsoft.com/office/powerpoint/2012/main" xmlns:mc="http://schemas.openxmlformats.org/markup-compatibility/2006">
+<p:sldMaster xmlns:a="http://schemas.openxmlformats.org/drawingml/2006/main" xmlns:r="http://schemas.openxmlformats.org/officeDocument/2006/relationships" xmlns:p="http://schemas.openxmlformats.org/presentationml/2006/main">
   <p:cSld>
     <p:bg>
       <p:bgPr>
         <a:solidFill>
-          <a:srgbClr val="ffffff"/>
+          <a:srgbClr val="FFFFFF"/>
         </a:solidFill>
+        <a:effectLst/>
       </p:bgPr>
     </p:bg>
     <p:spTree>
@@ -1214,7 +1498,7 @@
       </p:grpSpPr>
       <p:sp>
         <p:nvSpPr>
-          <p:cNvPr id="0" name="PlaceHolder 1"/>
+          <p:cNvPr id="5" name="PlaceHolder 1"/>
           <p:cNvSpPr>
             <a:spLocks noGrp="1"/>
           </p:cNvSpPr>
@@ -1236,15 +1520,16 @@
           </a:ln>
         </p:spPr>
         <p:txBody>
-          <a:bodyPr lIns="0" rIns="0" tIns="0" bIns="0" anchor="ctr">
+          <a:bodyPr lIns="0" tIns="0" rIns="0" bIns="0" anchor="ctr">
             <a:noAutofit/>
           </a:bodyPr>
+          <a:lstStyle/>
           <a:p>
             <a:pPr indent="0">
               <a:buNone/>
             </a:pPr>
             <a:r>
-              <a:rPr b="0" lang="ru-RU" sz="4400" spc="-1" strike="noStrike">
+              <a:rPr lang="ru-RU" sz="4400" b="0" strike="noStrike" spc="-1">
                 <a:solidFill>
                   <a:schemeClr val="dk1"/>
                 </a:solidFill>
@@ -1252,18 +1537,12 @@
               </a:rPr>
               <a:t>Для правки текста заглавия щёлкните мышью</a:t>
             </a:r>
-            <a:endParaRPr b="0" lang="ru-RU" sz="4400" spc="-1" strike="noStrike">
-              <a:solidFill>
-                <a:schemeClr val="dk1"/>
-              </a:solidFill>
-              <a:latin typeface="Arial"/>
-            </a:endParaRPr>
-          </a:p>
-        </p:txBody>
-      </p:sp>
-      <p:sp>
-        <p:nvSpPr>
-          <p:cNvPr id="1" name="PlaceHolder 2"/>
+          </a:p>
+        </p:txBody>
+      </p:sp>
+      <p:sp>
+        <p:nvSpPr>
+          <p:cNvPr id="6" name="PlaceHolder 2"/>
           <p:cNvSpPr>
             <a:spLocks noGrp="1"/>
           </p:cNvSpPr>
@@ -1285,7 +1564,7 @@
           </a:ln>
         </p:spPr>
         <p:txBody>
-          <a:bodyPr lIns="0" rIns="0" tIns="0" bIns="0" anchor="t">
+          <a:bodyPr lIns="0" tIns="0" rIns="0" bIns="0" anchor="t">
             <a:noAutofit/>
           </a:bodyPr>
           <a:lstStyle>
@@ -1295,9 +1574,9 @@
               </a:lnSpc>
               <a:buNone/>
               <a:tabLst>
-                <a:tab algn="l" pos="0"/>
+                <a:tab pos="0" algn="l"/>
               </a:tabLst>
-              <a:defRPr b="0" lang="ru-RU" sz="1400" spc="-1" strike="noStrike">
+              <a:defRPr lang="ru-RU" sz="1400" b="0" strike="noStrike" spc="-1">
                 <a:solidFill>
                   <a:srgbClr val="000000"/>
                 </a:solidFill>
@@ -1313,11 +1592,11 @@
               </a:lnSpc>
               <a:buNone/>
               <a:tabLst>
-                <a:tab algn="l" pos="0"/>
+                <a:tab pos="0" algn="l"/>
               </a:tabLst>
             </a:pPr>
             <a:r>
-              <a:rPr b="0" lang="ru-RU" sz="1400" spc="-1" strike="noStrike">
+              <a:rPr lang="ru-RU" sz="1400" b="0" strike="noStrike" spc="-1">
                 <a:solidFill>
                   <a:srgbClr val="000000"/>
                 </a:solidFill>
@@ -1326,7 +1605,7 @@
               </a:rPr>
               <a:t>&lt;нижний колонтитул&gt;</a:t>
             </a:r>
-            <a:endParaRPr b="0" lang="ru-RU" sz="1400" spc="-1" strike="noStrike">
+            <a:endParaRPr lang="ru-RU" sz="1400" b="0" strike="noStrike" spc="-1">
               <a:solidFill>
                 <a:srgbClr val="000000"/>
               </a:solidFill>
@@ -1359,7 +1638,7 @@
           </a:ln>
         </p:spPr>
         <p:txBody>
-          <a:bodyPr lIns="0" rIns="0" tIns="0" bIns="0" anchor="t">
+          <a:bodyPr lIns="0" tIns="0" rIns="0" bIns="0" anchor="t">
             <a:noAutofit/>
           </a:bodyPr>
           <a:lstStyle>
@@ -1369,9 +1648,9 @@
               </a:lnSpc>
               <a:buNone/>
               <a:tabLst>
-                <a:tab algn="l" pos="0"/>
+                <a:tab pos="0" algn="l"/>
               </a:tabLst>
-              <a:defRPr b="0" lang="ru-RU" sz="1400" spc="-1" strike="noStrike">
+              <a:defRPr lang="ru-RU" sz="1400" b="0" strike="noStrike" spc="-1">
                 <a:solidFill>
                   <a:srgbClr val="000000"/>
                 </a:solidFill>
@@ -1387,20 +1666,29 @@
               </a:lnSpc>
               <a:buNone/>
               <a:tabLst>
-                <a:tab algn="l" pos="0"/>
+                <a:tab pos="0" algn="l"/>
               </a:tabLst>
             </a:pPr>
             <a:fld id="{DCA17379-4FCA-435C-B32F-343CA16E8C1B}" type="slidenum">
-              <a:rPr b="0" lang="ru-RU" sz="1400" spc="-1" strike="noStrike">
+              <a:rPr lang="ru-RU" sz="1400" b="0" strike="noStrike" spc="-1">
                 <a:solidFill>
                   <a:srgbClr val="000000"/>
                 </a:solidFill>
                 <a:latin typeface="Times New Roman"/>
                 <a:ea typeface="DejaVu Sans"/>
               </a:rPr>
-              <a:t>&lt;номер&gt;</a:t>
+              <a:pPr indent="0" algn="r" defTabSz="914400">
+                <a:lnSpc>
+                  <a:spcPct val="100000"/>
+                </a:lnSpc>
+                <a:buNone/>
+                <a:tabLst>
+                  <a:tab pos="0" algn="l"/>
+                </a:tabLst>
+              </a:pPr>
+              <a:t>‹#›</a:t>
             </a:fld>
-            <a:endParaRPr b="0" lang="ru-RU" sz="1400" spc="-1" strike="noStrike">
+            <a:endParaRPr lang="ru-RU" sz="1400" b="0" strike="noStrike" spc="-1">
               <a:solidFill>
                 <a:srgbClr val="000000"/>
               </a:solidFill>
@@ -1433,13 +1721,13 @@
           </a:ln>
         </p:spPr>
         <p:txBody>
-          <a:bodyPr lIns="0" rIns="0" tIns="0" bIns="0" anchor="t">
+          <a:bodyPr lIns="0" tIns="0" rIns="0" bIns="0" anchor="t">
             <a:noAutofit/>
           </a:bodyPr>
           <a:lstStyle>
             <a:lvl1pPr indent="0">
               <a:buNone/>
-              <a:defRPr b="0" lang="ru-RU" sz="1400" spc="-1" strike="noStrike">
+              <a:defRPr lang="ru-RU" sz="1400" b="0" strike="noStrike" spc="-1">
                 <a:solidFill>
                   <a:srgbClr val="000000"/>
                 </a:solidFill>
@@ -1452,7 +1740,7 @@
               <a:buNone/>
             </a:pPr>
             <a:r>
-              <a:rPr b="0" lang="ru-RU" sz="1400" spc="-1" strike="noStrike">
+              <a:rPr lang="ru-RU" sz="1400" b="0" strike="noStrike" spc="-1">
                 <a:solidFill>
                   <a:srgbClr val="000000"/>
                 </a:solidFill>
@@ -1460,12 +1748,6 @@
               </a:rPr>
               <a:t>&lt;дата/время&gt;</a:t>
             </a:r>
-            <a:endParaRPr b="0" lang="ru-RU" sz="1400" spc="-1" strike="noStrike">
-              <a:solidFill>
-                <a:srgbClr val="000000"/>
-              </a:solidFill>
-              <a:latin typeface="Times New Roman"/>
-            </a:endParaRPr>
           </a:p>
         </p:txBody>
       </p:sp>
@@ -1493,9 +1775,10 @@
           </a:ln>
         </p:spPr>
         <p:txBody>
-          <a:bodyPr lIns="0" rIns="0" tIns="0" bIns="0" anchor="t">
+          <a:bodyPr lIns="0" tIns="0" rIns="0" bIns="0" anchor="t">
             <a:normAutofit/>
           </a:bodyPr>
+          <a:lstStyle/>
           <a:p>
             <a:pPr marL="432000" indent="-324000">
               <a:lnSpc>
@@ -1512,7 +1795,7 @@
               <a:buChar char=""/>
             </a:pPr>
             <a:r>
-              <a:rPr b="0" lang="ru-RU" sz="2800" spc="-1" strike="noStrike">
+              <a:rPr lang="ru-RU" sz="2800" b="0" strike="noStrike" spc="-1">
                 <a:solidFill>
                   <a:schemeClr val="dk1"/>
                 </a:solidFill>
@@ -1520,15 +1803,9 @@
               </a:rPr>
               <a:t>Для правки структуры щёлкните мышью</a:t>
             </a:r>
-            <a:endParaRPr b="0" lang="ru-RU" sz="2800" spc="-1" strike="noStrike">
-              <a:solidFill>
-                <a:schemeClr val="dk1"/>
-              </a:solidFill>
-              <a:latin typeface="Arial"/>
-            </a:endParaRPr>
-          </a:p>
-          <a:p>
-            <a:pPr lvl="1" marL="864000" indent="-324000">
+          </a:p>
+          <a:p>
+            <a:pPr marL="864000" lvl="1" indent="-324000">
               <a:lnSpc>
                 <a:spcPct val="90000"/>
               </a:lnSpc>
@@ -1543,7 +1820,7 @@
               <a:buChar char=""/>
             </a:pPr>
             <a:r>
-              <a:rPr b="0" lang="ru-RU" sz="2000" spc="-1" strike="noStrike">
+              <a:rPr lang="ru-RU" sz="2000" b="0" strike="noStrike" spc="-1">
                 <a:solidFill>
                   <a:schemeClr val="dk1"/>
                 </a:solidFill>
@@ -1551,15 +1828,9 @@
               </a:rPr>
               <a:t>Второй уровень структуры</a:t>
             </a:r>
-            <a:endParaRPr b="0" lang="ru-RU" sz="2000" spc="-1" strike="noStrike">
-              <a:solidFill>
-                <a:schemeClr val="dk1"/>
-              </a:solidFill>
-              <a:latin typeface="Arial"/>
-            </a:endParaRPr>
-          </a:p>
-          <a:p>
-            <a:pPr lvl="2" marL="1296000" indent="-288000">
+          </a:p>
+          <a:p>
+            <a:pPr marL="1296000" lvl="2" indent="-288000">
               <a:lnSpc>
                 <a:spcPct val="90000"/>
               </a:lnSpc>
@@ -1574,7 +1845,7 @@
               <a:buChar char=""/>
             </a:pPr>
             <a:r>
-              <a:rPr b="0" lang="ru-RU" sz="1800" spc="-1" strike="noStrike">
+              <a:rPr lang="ru-RU" sz="1800" b="0" strike="noStrike" spc="-1">
                 <a:solidFill>
                   <a:schemeClr val="dk1"/>
                 </a:solidFill>
@@ -1582,15 +1853,9 @@
               </a:rPr>
               <a:t>Третий уровень структуры</a:t>
             </a:r>
-            <a:endParaRPr b="0" lang="ru-RU" sz="1800" spc="-1" strike="noStrike">
-              <a:solidFill>
-                <a:schemeClr val="dk1"/>
-              </a:solidFill>
-              <a:latin typeface="Arial"/>
-            </a:endParaRPr>
-          </a:p>
-          <a:p>
-            <a:pPr lvl="3" marL="1728000" indent="-216000">
+          </a:p>
+          <a:p>
+            <a:pPr marL="1728000" lvl="3" indent="-216000">
               <a:lnSpc>
                 <a:spcPct val="90000"/>
               </a:lnSpc>
@@ -1605,7 +1870,7 @@
               <a:buChar char=""/>
             </a:pPr>
             <a:r>
-              <a:rPr b="0" lang="ru-RU" sz="1800" spc="-1" strike="noStrike">
+              <a:rPr lang="ru-RU" sz="1800" b="0" strike="noStrike" spc="-1">
                 <a:solidFill>
                   <a:schemeClr val="dk1"/>
                 </a:solidFill>
@@ -1613,15 +1878,9 @@
               </a:rPr>
               <a:t>Четвёртый уровень структуры</a:t>
             </a:r>
-            <a:endParaRPr b="0" lang="ru-RU" sz="1800" spc="-1" strike="noStrike">
-              <a:solidFill>
-                <a:schemeClr val="dk1"/>
-              </a:solidFill>
-              <a:latin typeface="Arial"/>
-            </a:endParaRPr>
-          </a:p>
-          <a:p>
-            <a:pPr lvl="4" marL="2160000" indent="-216000">
+          </a:p>
+          <a:p>
+            <a:pPr marL="2160000" lvl="4" indent="-216000">
               <a:lnSpc>
                 <a:spcPct val="90000"/>
               </a:lnSpc>
@@ -1636,7 +1895,7 @@
               <a:buChar char=""/>
             </a:pPr>
             <a:r>
-              <a:rPr b="0" lang="ru-RU" sz="2000" spc="-1" strike="noStrike">
+              <a:rPr lang="ru-RU" sz="2000" b="0" strike="noStrike" spc="-1">
                 <a:solidFill>
                   <a:schemeClr val="dk1"/>
                 </a:solidFill>
@@ -1644,15 +1903,9 @@
               </a:rPr>
               <a:t>Пятый уровень структуры</a:t>
             </a:r>
-            <a:endParaRPr b="0" lang="ru-RU" sz="2000" spc="-1" strike="noStrike">
-              <a:solidFill>
-                <a:schemeClr val="dk1"/>
-              </a:solidFill>
-              <a:latin typeface="Arial"/>
-            </a:endParaRPr>
-          </a:p>
-          <a:p>
-            <a:pPr lvl="5" marL="2592000" indent="-216000">
+          </a:p>
+          <a:p>
+            <a:pPr marL="2592000" lvl="5" indent="-216000">
               <a:lnSpc>
                 <a:spcPct val="90000"/>
               </a:lnSpc>
@@ -1667,7 +1920,7 @@
               <a:buChar char=""/>
             </a:pPr>
             <a:r>
-              <a:rPr b="0" lang="ru-RU" sz="2000" spc="-1" strike="noStrike">
+              <a:rPr lang="ru-RU" sz="2000" b="0" strike="noStrike" spc="-1">
                 <a:solidFill>
                   <a:schemeClr val="dk1"/>
                 </a:solidFill>
@@ -1675,15 +1928,9 @@
               </a:rPr>
               <a:t>Шестой уровень структуры</a:t>
             </a:r>
-            <a:endParaRPr b="0" lang="ru-RU" sz="2000" spc="-1" strike="noStrike">
-              <a:solidFill>
-                <a:schemeClr val="dk1"/>
-              </a:solidFill>
-              <a:latin typeface="Arial"/>
-            </a:endParaRPr>
-          </a:p>
-          <a:p>
-            <a:pPr lvl="6" marL="3024000" indent="-216000">
+          </a:p>
+          <a:p>
+            <a:pPr marL="3024000" lvl="6" indent="-216000">
               <a:lnSpc>
                 <a:spcPct val="90000"/>
               </a:lnSpc>
@@ -1698,7 +1945,7 @@
               <a:buChar char=""/>
             </a:pPr>
             <a:r>
-              <a:rPr b="0" lang="ru-RU" sz="2000" spc="-1" strike="noStrike">
+              <a:rPr lang="ru-RU" sz="2000" b="0" strike="noStrike" spc="-1">
                 <a:solidFill>
                   <a:schemeClr val="dk1"/>
                 </a:solidFill>
@@ -1706,33 +1953,33 @@
               </a:rPr>
               <a:t>Седьмой уровень структуры</a:t>
             </a:r>
-            <a:endParaRPr b="0" lang="ru-RU" sz="2000" spc="-1" strike="noStrike">
-              <a:solidFill>
-                <a:schemeClr val="dk1"/>
-              </a:solidFill>
-              <a:latin typeface="Arial"/>
-            </a:endParaRPr>
           </a:p>
         </p:txBody>
       </p:sp>
     </p:spTree>
   </p:cSld>
-  <p:clrMap bg1="lt1" bg2="lt2" tx1="dk1" tx2="dk2" accent1="accent1" accent2="accent2" accent3="accent3" accent4="accent4" accent5="accent5" accent6="accent6" hlink="hlink" folHlink="folHlink"/>
+  <p:clrMap bg1="lt1" tx1="dk1" bg2="lt2" tx2="dk2" accent1="accent1" accent2="accent2" accent3="accent3" accent4="accent4" accent5="accent5" accent6="accent6" hlink="hlink" folHlink="folHlink"/>
   <p:sldLayoutIdLst>
-    <p:sldLayoutId id="2147483649" r:id="rId2"/>
-    <p:sldLayoutId id="2147483650" r:id="rId3"/>
+    <p:sldLayoutId id="2147483649" r:id="rId1"/>
+    <p:sldLayoutId id="2147483650" r:id="rId2"/>
   </p:sldLayoutIdLst>
+  <p:txStyles>
+    <p:titleStyle/>
+    <p:bodyStyle/>
+    <p:otherStyle/>
+  </p:txStyles>
 </p:sldMaster>
 </file>
 
 <file path=ppt/slideMasters/slideMaster2.xml><?xml version="1.0" encoding="utf-8"?>
-<p:sldMaster xmlns:a="http://schemas.openxmlformats.org/drawingml/2006/main" xmlns:p="http://schemas.openxmlformats.org/presentationml/2006/main" xmlns:r="http://schemas.openxmlformats.org/officeDocument/2006/relationships" xmlns:p14="http://schemas.microsoft.com/office/powerpoint/2010/main" xmlns:p15="http://schemas.microsoft.com/office/powerpoint/2012/main" xmlns:mc="http://schemas.openxmlformats.org/markup-compatibility/2006">
+<p:sldMaster xmlns:a="http://schemas.openxmlformats.org/drawingml/2006/main" xmlns:r="http://schemas.openxmlformats.org/officeDocument/2006/relationships" xmlns:p="http://schemas.openxmlformats.org/presentationml/2006/main">
   <p:cSld>
     <p:bg>
       <p:bgPr>
         <a:solidFill>
-          <a:srgbClr val="ffffff"/>
+          <a:srgbClr val="FFFFFF"/>
         </a:solidFill>
+        <a:effectLst/>
       </p:bgPr>
     </p:bg>
     <p:spTree>
@@ -1773,15 +2020,16 @@
           </a:ln>
         </p:spPr>
         <p:txBody>
-          <a:bodyPr lIns="0" rIns="0" tIns="0" bIns="0" anchor="ctr">
+          <a:bodyPr lIns="0" tIns="0" rIns="0" bIns="0" anchor="ctr">
             <a:noAutofit/>
           </a:bodyPr>
+          <a:lstStyle/>
           <a:p>
             <a:pPr indent="0">
               <a:buNone/>
             </a:pPr>
             <a:r>
-              <a:rPr b="0" lang="ru-RU" sz="4400" spc="-1" strike="noStrike">
+              <a:rPr lang="ru-RU" sz="4400" b="0" strike="noStrike" spc="-1">
                 <a:solidFill>
                   <a:schemeClr val="dk1"/>
                 </a:solidFill>
@@ -1789,12 +2037,6 @@
               </a:rPr>
               <a:t>Для правки текста заглавия щёлкните мышью</a:t>
             </a:r>
-            <a:endParaRPr b="0" lang="ru-RU" sz="4400" spc="-1" strike="noStrike">
-              <a:solidFill>
-                <a:schemeClr val="dk1"/>
-              </a:solidFill>
-              <a:latin typeface="Arial"/>
-            </a:endParaRPr>
           </a:p>
         </p:txBody>
       </p:sp>
@@ -1822,9 +2064,10 @@
           </a:ln>
         </p:spPr>
         <p:txBody>
-          <a:bodyPr lIns="0" rIns="0" tIns="0" bIns="0" anchor="t">
+          <a:bodyPr lIns="0" tIns="0" rIns="0" bIns="0" anchor="t">
             <a:normAutofit/>
           </a:bodyPr>
+          <a:lstStyle/>
           <a:p>
             <a:pPr marL="432000" indent="-324000">
               <a:lnSpc>
@@ -1841,7 +2084,7 @@
               <a:buChar char=""/>
             </a:pPr>
             <a:r>
-              <a:rPr b="0" lang="ru-RU" sz="1800" spc="-1" strike="noStrike">
+              <a:rPr lang="ru-RU" sz="1800" b="0" strike="noStrike" spc="-1">
                 <a:solidFill>
                   <a:schemeClr val="dk1"/>
                 </a:solidFill>
@@ -1849,15 +2092,9 @@
               </a:rPr>
               <a:t>Для правки структуры щёлкните мышью</a:t>
             </a:r>
-            <a:endParaRPr b="0" lang="ru-RU" sz="1800" spc="-1" strike="noStrike">
-              <a:solidFill>
-                <a:schemeClr val="dk1"/>
-              </a:solidFill>
-              <a:latin typeface="Arial"/>
-            </a:endParaRPr>
-          </a:p>
-          <a:p>
-            <a:pPr lvl="1" marL="864000" indent="-324000">
+          </a:p>
+          <a:p>
+            <a:pPr marL="864000" lvl="1" indent="-324000">
               <a:lnSpc>
                 <a:spcPct val="90000"/>
               </a:lnSpc>
@@ -1872,7 +2109,7 @@
               <a:buChar char=""/>
             </a:pPr>
             <a:r>
-              <a:rPr b="0" lang="ru-RU" sz="1800" spc="-1" strike="noStrike">
+              <a:rPr lang="ru-RU" sz="1800" b="0" strike="noStrike" spc="-1">
                 <a:solidFill>
                   <a:schemeClr val="dk1"/>
                 </a:solidFill>
@@ -1880,15 +2117,9 @@
               </a:rPr>
               <a:t>Второй уровень структуры</a:t>
             </a:r>
-            <a:endParaRPr b="0" lang="ru-RU" sz="1800" spc="-1" strike="noStrike">
-              <a:solidFill>
-                <a:schemeClr val="dk1"/>
-              </a:solidFill>
-              <a:latin typeface="Arial"/>
-            </a:endParaRPr>
-          </a:p>
-          <a:p>
-            <a:pPr lvl="2" marL="1296000" indent="-288000">
+          </a:p>
+          <a:p>
+            <a:pPr marL="1296000" lvl="2" indent="-288000">
               <a:lnSpc>
                 <a:spcPct val="90000"/>
               </a:lnSpc>
@@ -1903,7 +2134,7 @@
               <a:buChar char=""/>
             </a:pPr>
             <a:r>
-              <a:rPr b="0" lang="ru-RU" sz="1800" spc="-1" strike="noStrike">
+              <a:rPr lang="ru-RU" sz="1800" b="0" strike="noStrike" spc="-1">
                 <a:solidFill>
                   <a:schemeClr val="dk1"/>
                 </a:solidFill>
@@ -1911,15 +2142,9 @@
               </a:rPr>
               <a:t>Третий уровень структуры</a:t>
             </a:r>
-            <a:endParaRPr b="0" lang="ru-RU" sz="1800" spc="-1" strike="noStrike">
-              <a:solidFill>
-                <a:schemeClr val="dk1"/>
-              </a:solidFill>
-              <a:latin typeface="Arial"/>
-            </a:endParaRPr>
-          </a:p>
-          <a:p>
-            <a:pPr lvl="3" marL="1728000" indent="-216000">
+          </a:p>
+          <a:p>
+            <a:pPr marL="1728000" lvl="3" indent="-216000">
               <a:lnSpc>
                 <a:spcPct val="90000"/>
               </a:lnSpc>
@@ -1934,7 +2159,7 @@
               <a:buChar char=""/>
             </a:pPr>
             <a:r>
-              <a:rPr b="0" lang="ru-RU" sz="1800" spc="-1" strike="noStrike">
+              <a:rPr lang="ru-RU" sz="1800" b="0" strike="noStrike" spc="-1">
                 <a:solidFill>
                   <a:schemeClr val="dk1"/>
                 </a:solidFill>
@@ -1942,15 +2167,9 @@
               </a:rPr>
               <a:t>Четвёртый уровень структуры</a:t>
             </a:r>
-            <a:endParaRPr b="0" lang="ru-RU" sz="1800" spc="-1" strike="noStrike">
-              <a:solidFill>
-                <a:schemeClr val="dk1"/>
-              </a:solidFill>
-              <a:latin typeface="Arial"/>
-            </a:endParaRPr>
-          </a:p>
-          <a:p>
-            <a:pPr lvl="4" marL="2160000" indent="-216000">
+          </a:p>
+          <a:p>
+            <a:pPr marL="2160000" lvl="4" indent="-216000">
               <a:lnSpc>
                 <a:spcPct val="90000"/>
               </a:lnSpc>
@@ -1965,7 +2184,7 @@
               <a:buChar char=""/>
             </a:pPr>
             <a:r>
-              <a:rPr b="0" lang="ru-RU" sz="1800" spc="-1" strike="noStrike">
+              <a:rPr lang="ru-RU" sz="1800" b="0" strike="noStrike" spc="-1">
                 <a:solidFill>
                   <a:schemeClr val="dk1"/>
                 </a:solidFill>
@@ -1973,15 +2192,9 @@
               </a:rPr>
               <a:t>Пятый уровень структуры</a:t>
             </a:r>
-            <a:endParaRPr b="0" lang="ru-RU" sz="1800" spc="-1" strike="noStrike">
-              <a:solidFill>
-                <a:schemeClr val="dk1"/>
-              </a:solidFill>
-              <a:latin typeface="Arial"/>
-            </a:endParaRPr>
-          </a:p>
-          <a:p>
-            <a:pPr lvl="5" marL="2592000" indent="-216000">
+          </a:p>
+          <a:p>
+            <a:pPr marL="2592000" lvl="5" indent="-216000">
               <a:lnSpc>
                 <a:spcPct val="90000"/>
               </a:lnSpc>
@@ -1996,7 +2209,7 @@
               <a:buChar char=""/>
             </a:pPr>
             <a:r>
-              <a:rPr b="0" lang="ru-RU" sz="1800" spc="-1" strike="noStrike">
+              <a:rPr lang="ru-RU" sz="1800" b="0" strike="noStrike" spc="-1">
                 <a:solidFill>
                   <a:schemeClr val="dk1"/>
                 </a:solidFill>
@@ -2004,15 +2217,9 @@
               </a:rPr>
               <a:t>Шестой уровень структуры</a:t>
             </a:r>
-            <a:endParaRPr b="0" lang="ru-RU" sz="1800" spc="-1" strike="noStrike">
-              <a:solidFill>
-                <a:schemeClr val="dk1"/>
-              </a:solidFill>
-              <a:latin typeface="Arial"/>
-            </a:endParaRPr>
-          </a:p>
-          <a:p>
-            <a:pPr lvl="6" marL="3024000" indent="-216000">
+          </a:p>
+          <a:p>
+            <a:pPr marL="3024000" lvl="6" indent="-216000">
               <a:lnSpc>
                 <a:spcPct val="90000"/>
               </a:lnSpc>
@@ -2027,7 +2234,7 @@
               <a:buChar char=""/>
             </a:pPr>
             <a:r>
-              <a:rPr b="0" lang="ru-RU" sz="1800" spc="-1" strike="noStrike">
+              <a:rPr lang="ru-RU" sz="1800" b="0" strike="noStrike" spc="-1">
                 <a:solidFill>
                   <a:schemeClr val="dk1"/>
                 </a:solidFill>
@@ -2035,12 +2242,6 @@
               </a:rPr>
               <a:t>Седьмой уровень структуры</a:t>
             </a:r>
-            <a:endParaRPr b="0" lang="ru-RU" sz="1800" spc="-1" strike="noStrike">
-              <a:solidFill>
-                <a:schemeClr val="dk1"/>
-              </a:solidFill>
-              <a:latin typeface="Arial"/>
-            </a:endParaRPr>
           </a:p>
         </p:txBody>
       </p:sp>
@@ -2068,7 +2269,7 @@
           </a:ln>
         </p:spPr>
         <p:txBody>
-          <a:bodyPr lIns="0" rIns="0" tIns="0" bIns="0" anchor="t">
+          <a:bodyPr lIns="0" tIns="0" rIns="0" bIns="0" anchor="t">
             <a:noAutofit/>
           </a:bodyPr>
           <a:lstStyle>
@@ -2078,9 +2279,9 @@
               </a:lnSpc>
               <a:buNone/>
               <a:tabLst>
-                <a:tab algn="l" pos="0"/>
+                <a:tab pos="0" algn="l"/>
               </a:tabLst>
-              <a:defRPr b="0" lang="ru-RU" sz="1400" spc="-1" strike="noStrike">
+              <a:defRPr lang="ru-RU" sz="1400" b="0" strike="noStrike" spc="-1">
                 <a:solidFill>
                   <a:srgbClr val="000000"/>
                 </a:solidFill>
@@ -2096,11 +2297,11 @@
               </a:lnSpc>
               <a:buNone/>
               <a:tabLst>
-                <a:tab algn="l" pos="0"/>
+                <a:tab pos="0" algn="l"/>
               </a:tabLst>
             </a:pPr>
             <a:r>
-              <a:rPr b="0" lang="ru-RU" sz="1400" spc="-1" strike="noStrike">
+              <a:rPr lang="ru-RU" sz="1400" b="0" strike="noStrike" spc="-1">
                 <a:solidFill>
                   <a:srgbClr val="000000"/>
                 </a:solidFill>
@@ -2109,7 +2310,7 @@
               </a:rPr>
               <a:t>&lt;нижний колонтитул&gt;</a:t>
             </a:r>
-            <a:endParaRPr b="0" lang="ru-RU" sz="1400" spc="-1" strike="noStrike">
+            <a:endParaRPr lang="ru-RU" sz="1400" b="0" strike="noStrike" spc="-1">
               <a:solidFill>
                 <a:srgbClr val="000000"/>
               </a:solidFill>
@@ -2142,7 +2343,7 @@
           </a:ln>
         </p:spPr>
         <p:txBody>
-          <a:bodyPr lIns="0" rIns="0" tIns="0" bIns="0" anchor="t">
+          <a:bodyPr lIns="0" tIns="0" rIns="0" bIns="0" anchor="t">
             <a:noAutofit/>
           </a:bodyPr>
           <a:lstStyle>
@@ -2152,9 +2353,9 @@
               </a:lnSpc>
               <a:buNone/>
               <a:tabLst>
-                <a:tab algn="l" pos="0"/>
+                <a:tab pos="0" algn="l"/>
               </a:tabLst>
-              <a:defRPr b="0" lang="ru-RU" sz="1400" spc="-1" strike="noStrike">
+              <a:defRPr lang="ru-RU" sz="1400" b="0" strike="noStrike" spc="-1">
                 <a:solidFill>
                   <a:srgbClr val="000000"/>
                 </a:solidFill>
@@ -2170,20 +2371,29 @@
               </a:lnSpc>
               <a:buNone/>
               <a:tabLst>
-                <a:tab algn="l" pos="0"/>
+                <a:tab pos="0" algn="l"/>
               </a:tabLst>
             </a:pPr>
             <a:fld id="{6556E175-05EA-473A-B1D1-E57D4309F7D5}" type="slidenum">
-              <a:rPr b="0" lang="ru-RU" sz="1400" spc="-1" strike="noStrike">
+              <a:rPr lang="ru-RU" sz="1400" b="0" strike="noStrike" spc="-1">
                 <a:solidFill>
                   <a:srgbClr val="000000"/>
                 </a:solidFill>
                 <a:latin typeface="Times New Roman"/>
                 <a:ea typeface="DejaVu Sans"/>
               </a:rPr>
-              <a:t>&lt;номер&gt;</a:t>
+              <a:pPr indent="0" algn="r" defTabSz="914400">
+                <a:lnSpc>
+                  <a:spcPct val="100000"/>
+                </a:lnSpc>
+                <a:buNone/>
+                <a:tabLst>
+                  <a:tab pos="0" algn="l"/>
+                </a:tabLst>
+              </a:pPr>
+              <a:t>‹#›</a:t>
             </a:fld>
-            <a:endParaRPr b="0" lang="ru-RU" sz="1400" spc="-1" strike="noStrike">
+            <a:endParaRPr lang="ru-RU" sz="1400" b="0" strike="noStrike" spc="-1">
               <a:solidFill>
                 <a:srgbClr val="000000"/>
               </a:solidFill>
@@ -2216,13 +2426,13 @@
           </a:ln>
         </p:spPr>
         <p:txBody>
-          <a:bodyPr lIns="0" rIns="0" tIns="0" bIns="0" anchor="t">
+          <a:bodyPr lIns="0" tIns="0" rIns="0" bIns="0" anchor="t">
             <a:noAutofit/>
           </a:bodyPr>
           <a:lstStyle>
             <a:lvl1pPr indent="0">
               <a:buNone/>
-              <a:defRPr b="0" lang="ru-RU" sz="1400" spc="-1" strike="noStrike">
+              <a:defRPr lang="ru-RU" sz="1400" b="0" strike="noStrike" spc="-1">
                 <a:solidFill>
                   <a:srgbClr val="000000"/>
                 </a:solidFill>
@@ -2235,7 +2445,7 @@
               <a:buNone/>
             </a:pPr>
             <a:r>
-              <a:rPr b="0" lang="ru-RU" sz="1400" spc="-1" strike="noStrike">
+              <a:rPr lang="ru-RU" sz="1400" b="0" strike="noStrike" spc="-1">
                 <a:solidFill>
                   <a:srgbClr val="000000"/>
                 </a:solidFill>
@@ -2243,566 +2453,26 @@
               </a:rPr>
               <a:t>&lt;дата/время&gt;</a:t>
             </a:r>
-            <a:endParaRPr b="0" lang="ru-RU" sz="1400" spc="-1" strike="noStrike">
-              <a:solidFill>
-                <a:srgbClr val="000000"/>
-              </a:solidFill>
-              <a:latin typeface="Times New Roman"/>
-            </a:endParaRPr>
           </a:p>
         </p:txBody>
       </p:sp>
     </p:spTree>
   </p:cSld>
-  <p:clrMap bg1="lt1" bg2="lt2" tx1="dk1" tx2="dk2" accent1="accent1" accent2="accent2" accent3="accent3" accent4="accent4" accent5="accent5" accent6="accent6" hlink="hlink" folHlink="folHlink"/>
+  <p:clrMap bg1="lt1" tx1="dk1" bg2="lt2" tx2="dk2" accent1="accent1" accent2="accent2" accent3="accent3" accent4="accent4" accent5="accent5" accent6="accent6" hlink="hlink" folHlink="folHlink"/>
   <p:sldLayoutIdLst>
-    <p:sldLayoutId id="2147483652" r:id="rId2"/>
+    <p:sldLayoutId id="2147483652" r:id="rId1"/>
+    <p:sldLayoutId id="2147483679" r:id="rId2"/>
   </p:sldLayoutIdLst>
-</p:sldMaster>
-</file>
-
-<file path=ppt/slideMasters/slideMaster3.xml><?xml version="1.0" encoding="utf-8"?>
-<p:sldMaster xmlns:a="http://schemas.openxmlformats.org/drawingml/2006/main" xmlns:p="http://schemas.openxmlformats.org/presentationml/2006/main" xmlns:r="http://schemas.openxmlformats.org/officeDocument/2006/relationships" xmlns:p14="http://schemas.microsoft.com/office/powerpoint/2010/main" xmlns:p15="http://schemas.microsoft.com/office/powerpoint/2012/main" xmlns:mc="http://schemas.openxmlformats.org/markup-compatibility/2006">
-  <p:cSld>
-    <p:bg>
-      <p:bgPr>
-        <a:solidFill>
-          <a:srgbClr val="ffffff"/>
-        </a:solidFill>
-      </p:bgPr>
-    </p:bg>
-    <p:spTree>
-      <p:nvGrpSpPr>
-        <p:cNvPr id="1" name=""/>
-        <p:cNvGrpSpPr/>
-        <p:nvPr/>
-      </p:nvGrpSpPr>
-      <p:grpSpPr>
-        <a:xfrm>
-          <a:off x="0" y="0"/>
-          <a:ext cx="0" cy="0"/>
-          <a:chOff x="0" y="0"/>
-          <a:chExt cx="0" cy="0"/>
-        </a:xfrm>
-      </p:grpSpPr>
-      <p:sp>
-        <p:nvSpPr>
-          <p:cNvPr id="16" name="PlaceHolder 1"/>
-          <p:cNvSpPr>
-            <a:spLocks noGrp="1"/>
-          </p:cNvSpPr>
-          <p:nvPr>
-            <p:ph type="title"/>
-          </p:nvPr>
-        </p:nvSpPr>
-        <p:spPr>
-          <a:xfrm>
-            <a:off x="1260000" y="928080"/>
-            <a:ext cx="7560000" cy="1973880"/>
-          </a:xfrm>
-          <a:prstGeom prst="rect">
-            <a:avLst/>
-          </a:prstGeom>
-          <a:noFill/>
-          <a:ln w="0">
-            <a:noFill/>
-          </a:ln>
-        </p:spPr>
-        <p:txBody>
-          <a:bodyPr lIns="0" rIns="0" tIns="0" bIns="0" anchor="b">
-            <a:noAutofit/>
-          </a:bodyPr>
-          <a:p>
-            <a:pPr indent="0" algn="ctr" defTabSz="914400">
-              <a:lnSpc>
-                <a:spcPct val="90000"/>
-              </a:lnSpc>
-              <a:buNone/>
-            </a:pPr>
-            <a:r>
-              <a:rPr b="0" lang="ru-RU" sz="4960" spc="-1" strike="noStrike">
-                <a:solidFill>
-                  <a:schemeClr val="dk1"/>
-                </a:solidFill>
-                <a:latin typeface="Arial"/>
-                <a:ea typeface="DejaVu Sans"/>
-              </a:rPr>
-              <a:t>Образец заголовка</a:t>
-            </a:r>
-            <a:endParaRPr b="0" lang="ru-RU" sz="4960" spc="-1" strike="noStrike">
-              <a:solidFill>
-                <a:schemeClr val="dk1"/>
-              </a:solidFill>
-              <a:latin typeface="Arial"/>
-            </a:endParaRPr>
-          </a:p>
-        </p:txBody>
-      </p:sp>
-      <p:sp>
-        <p:nvSpPr>
-          <p:cNvPr id="17" name="PlaceHolder 2"/>
-          <p:cNvSpPr>
-            <a:spLocks noGrp="1"/>
-          </p:cNvSpPr>
-          <p:nvPr>
-            <p:ph type="dt" idx="7"/>
-          </p:nvPr>
-        </p:nvSpPr>
-        <p:spPr>
-          <a:xfrm>
-            <a:off x="504000" y="5165280"/>
-            <a:ext cx="2347920" cy="390240"/>
-          </a:xfrm>
-          <a:prstGeom prst="rect">
-            <a:avLst/>
-          </a:prstGeom>
-          <a:noFill/>
-          <a:ln w="0">
-            <a:noFill/>
-          </a:ln>
-        </p:spPr>
-        <p:txBody>
-          <a:bodyPr lIns="0" rIns="0" tIns="0" bIns="0" anchor="t">
-            <a:noAutofit/>
-          </a:bodyPr>
-          <a:lstStyle>
-            <a:lvl1pPr indent="0" defTabSz="914400">
-              <a:lnSpc>
-                <a:spcPct val="100000"/>
-              </a:lnSpc>
-              <a:buNone/>
-              <a:tabLst>
-                <a:tab algn="l" pos="0"/>
-              </a:tabLst>
-              <a:defRPr b="0" lang="ru-RU" sz="1400" spc="-1" strike="noStrike">
-                <a:solidFill>
-                  <a:srgbClr val="000000"/>
-                </a:solidFill>
-                <a:latin typeface="Times New Roman"/>
-                <a:ea typeface="DejaVu Sans"/>
-              </a:defRPr>
-            </a:lvl1pPr>
-          </a:lstStyle>
-          <a:p>
-            <a:pPr indent="0" defTabSz="914400">
-              <a:lnSpc>
-                <a:spcPct val="100000"/>
-              </a:lnSpc>
-              <a:buNone/>
-              <a:tabLst>
-                <a:tab algn="l" pos="0"/>
-              </a:tabLst>
-            </a:pPr>
-            <a:r>
-              <a:rPr b="0" lang="ru-RU" sz="1400" spc="-1" strike="noStrike">
-                <a:solidFill>
-                  <a:srgbClr val="000000"/>
-                </a:solidFill>
-                <a:latin typeface="Times New Roman"/>
-                <a:ea typeface="DejaVu Sans"/>
-              </a:rPr>
-              <a:t>&lt;дата/время&gt;</a:t>
-            </a:r>
-            <a:endParaRPr b="0" lang="ru-RU" sz="1400" spc="-1" strike="noStrike">
-              <a:solidFill>
-                <a:srgbClr val="000000"/>
-              </a:solidFill>
-              <a:latin typeface="Times New Roman"/>
-            </a:endParaRPr>
-          </a:p>
-        </p:txBody>
-      </p:sp>
-      <p:sp>
-        <p:nvSpPr>
-          <p:cNvPr id="18" name="PlaceHolder 3"/>
-          <p:cNvSpPr>
-            <a:spLocks noGrp="1"/>
-          </p:cNvSpPr>
-          <p:nvPr>
-            <p:ph type="ftr" idx="8"/>
-          </p:nvPr>
-        </p:nvSpPr>
-        <p:spPr>
-          <a:xfrm>
-            <a:off x="3447360" y="5165280"/>
-            <a:ext cx="3194640" cy="390240"/>
-          </a:xfrm>
-          <a:prstGeom prst="rect">
-            <a:avLst/>
-          </a:prstGeom>
-          <a:noFill/>
-          <a:ln w="0">
-            <a:noFill/>
-          </a:ln>
-        </p:spPr>
-        <p:txBody>
-          <a:bodyPr lIns="0" rIns="0" tIns="0" bIns="0" anchor="t">
-            <a:noAutofit/>
-          </a:bodyPr>
-          <a:lstStyle>
-            <a:lvl1pPr indent="0" algn="ctr">
-              <a:buNone/>
-              <a:defRPr b="0" lang="ru-RU" sz="1400" spc="-1" strike="noStrike">
-                <a:solidFill>
-                  <a:srgbClr val="000000"/>
-                </a:solidFill>
-                <a:latin typeface="Times New Roman"/>
-              </a:defRPr>
-            </a:lvl1pPr>
-          </a:lstStyle>
-          <a:p>
-            <a:pPr indent="0" algn="ctr">
-              <a:buNone/>
-            </a:pPr>
-            <a:r>
-              <a:rPr b="0" lang="ru-RU" sz="1400" spc="-1" strike="noStrike">
-                <a:solidFill>
-                  <a:srgbClr val="000000"/>
-                </a:solidFill>
-                <a:latin typeface="Times New Roman"/>
-              </a:rPr>
-              <a:t>&lt;нижний колонтитул&gt;</a:t>
-            </a:r>
-            <a:endParaRPr b="0" lang="ru-RU" sz="1400" spc="-1" strike="noStrike">
-              <a:solidFill>
-                <a:srgbClr val="000000"/>
-              </a:solidFill>
-              <a:latin typeface="Times New Roman"/>
-            </a:endParaRPr>
-          </a:p>
-        </p:txBody>
-      </p:sp>
-      <p:sp>
-        <p:nvSpPr>
-          <p:cNvPr id="19" name="PlaceHolder 4"/>
-          <p:cNvSpPr>
-            <a:spLocks noGrp="1"/>
-          </p:cNvSpPr>
-          <p:nvPr>
-            <p:ph type="sldNum" idx="9"/>
-          </p:nvPr>
-        </p:nvSpPr>
-        <p:spPr>
-          <a:xfrm>
-            <a:off x="7227360" y="5165280"/>
-            <a:ext cx="2347920" cy="390240"/>
-          </a:xfrm>
-          <a:prstGeom prst="rect">
-            <a:avLst/>
-          </a:prstGeom>
-          <a:noFill/>
-          <a:ln w="0">
-            <a:noFill/>
-          </a:ln>
-        </p:spPr>
-        <p:txBody>
-          <a:bodyPr lIns="0" rIns="0" tIns="0" bIns="0" anchor="t">
-            <a:noAutofit/>
-          </a:bodyPr>
-          <a:lstStyle>
-            <a:lvl1pPr indent="0" algn="r" defTabSz="914400">
-              <a:lnSpc>
-                <a:spcPct val="100000"/>
-              </a:lnSpc>
-              <a:buNone/>
-              <a:tabLst>
-                <a:tab algn="l" pos="0"/>
-              </a:tabLst>
-              <a:defRPr b="0" lang="ru-RU" sz="1400" spc="-1" strike="noStrike">
-                <a:solidFill>
-                  <a:srgbClr val="000000"/>
-                </a:solidFill>
-                <a:latin typeface="Times New Roman"/>
-                <a:ea typeface="DejaVu Sans"/>
-              </a:defRPr>
-            </a:lvl1pPr>
-          </a:lstStyle>
-          <a:p>
-            <a:pPr indent="0" algn="r" defTabSz="914400">
-              <a:lnSpc>
-                <a:spcPct val="100000"/>
-              </a:lnSpc>
-              <a:buNone/>
-              <a:tabLst>
-                <a:tab algn="l" pos="0"/>
-              </a:tabLst>
-            </a:pPr>
-            <a:fld id="{DC3B29B3-2265-4F83-8A31-33E99A7A4059}" type="slidenum">
-              <a:rPr b="0" lang="ru-RU" sz="1400" spc="-1" strike="noStrike">
-                <a:solidFill>
-                  <a:srgbClr val="000000"/>
-                </a:solidFill>
-                <a:latin typeface="Times New Roman"/>
-                <a:ea typeface="DejaVu Sans"/>
-              </a:rPr>
-              <a:t>&lt;номер&gt;</a:t>
-            </a:fld>
-            <a:endParaRPr b="0" lang="ru-RU" sz="1400" spc="-1" strike="noStrike">
-              <a:solidFill>
-                <a:srgbClr val="000000"/>
-              </a:solidFill>
-              <a:latin typeface="Times New Roman"/>
-            </a:endParaRPr>
-          </a:p>
-        </p:txBody>
-      </p:sp>
-      <p:sp>
-        <p:nvSpPr>
-          <p:cNvPr id="20" name="PlaceHolder 5"/>
-          <p:cNvSpPr>
-            <a:spLocks noGrp="1"/>
-          </p:cNvSpPr>
-          <p:nvPr>
-            <p:ph type="body"/>
-          </p:nvPr>
-        </p:nvSpPr>
-        <p:spPr>
-          <a:xfrm>
-            <a:off x="504000" y="1326600"/>
-            <a:ext cx="9072000" cy="3288600"/>
-          </a:xfrm>
-          <a:prstGeom prst="rect">
-            <a:avLst/>
-          </a:prstGeom>
-          <a:noFill/>
-          <a:ln w="0">
-            <a:noFill/>
-          </a:ln>
-        </p:spPr>
-        <p:txBody>
-          <a:bodyPr lIns="0" rIns="0" tIns="0" bIns="0" anchor="t">
-            <a:normAutofit/>
-          </a:bodyPr>
-          <a:p>
-            <a:pPr marL="432000" indent="-324000">
-              <a:lnSpc>
-                <a:spcPct val="90000"/>
-              </a:lnSpc>
-              <a:spcBef>
-                <a:spcPts val="1417"/>
-              </a:spcBef>
-              <a:buClr>
-                <a:srgbClr val="000000"/>
-              </a:buClr>
-              <a:buSzPct val="45000"/>
-              <a:buFont typeface="Wingdings" charset="2"/>
-              <a:buChar char=""/>
-            </a:pPr>
-            <a:r>
-              <a:rPr b="0" lang="ru-RU" sz="2800" spc="-1" strike="noStrike">
-                <a:solidFill>
-                  <a:schemeClr val="dk1"/>
-                </a:solidFill>
-                <a:latin typeface="Arial"/>
-              </a:rPr>
-              <a:t>Для правки структуры щёлкните мышью</a:t>
-            </a:r>
-            <a:endParaRPr b="0" lang="ru-RU" sz="2800" spc="-1" strike="noStrike">
-              <a:solidFill>
-                <a:schemeClr val="dk1"/>
-              </a:solidFill>
-              <a:latin typeface="Arial"/>
-            </a:endParaRPr>
-          </a:p>
-          <a:p>
-            <a:pPr lvl="1" marL="864000" indent="-324000">
-              <a:lnSpc>
-                <a:spcPct val="90000"/>
-              </a:lnSpc>
-              <a:spcBef>
-                <a:spcPts val="1134"/>
-              </a:spcBef>
-              <a:buClr>
-                <a:srgbClr val="000000"/>
-              </a:buClr>
-              <a:buSzPct val="75000"/>
-              <a:buFont typeface="Symbol" charset="2"/>
-              <a:buChar char=""/>
-            </a:pPr>
-            <a:r>
-              <a:rPr b="0" lang="ru-RU" sz="2000" spc="-1" strike="noStrike">
-                <a:solidFill>
-                  <a:schemeClr val="dk1"/>
-                </a:solidFill>
-                <a:latin typeface="Arial"/>
-              </a:rPr>
-              <a:t>Второй уровень структуры</a:t>
-            </a:r>
-            <a:endParaRPr b="0" lang="ru-RU" sz="2000" spc="-1" strike="noStrike">
-              <a:solidFill>
-                <a:schemeClr val="dk1"/>
-              </a:solidFill>
-              <a:latin typeface="Arial"/>
-            </a:endParaRPr>
-          </a:p>
-          <a:p>
-            <a:pPr lvl="2" marL="1296000" indent="-288000">
-              <a:lnSpc>
-                <a:spcPct val="90000"/>
-              </a:lnSpc>
-              <a:spcBef>
-                <a:spcPts val="850"/>
-              </a:spcBef>
-              <a:buClr>
-                <a:srgbClr val="000000"/>
-              </a:buClr>
-              <a:buSzPct val="45000"/>
-              <a:buFont typeface="Wingdings" charset="2"/>
-              <a:buChar char=""/>
-            </a:pPr>
-            <a:r>
-              <a:rPr b="0" lang="ru-RU" sz="1800" spc="-1" strike="noStrike">
-                <a:solidFill>
-                  <a:schemeClr val="dk1"/>
-                </a:solidFill>
-                <a:latin typeface="Arial"/>
-              </a:rPr>
-              <a:t>Третий уровень структуры</a:t>
-            </a:r>
-            <a:endParaRPr b="0" lang="ru-RU" sz="1800" spc="-1" strike="noStrike">
-              <a:solidFill>
-                <a:schemeClr val="dk1"/>
-              </a:solidFill>
-              <a:latin typeface="Arial"/>
-            </a:endParaRPr>
-          </a:p>
-          <a:p>
-            <a:pPr lvl="3" marL="1728000" indent="-216000">
-              <a:lnSpc>
-                <a:spcPct val="90000"/>
-              </a:lnSpc>
-              <a:spcBef>
-                <a:spcPts val="567"/>
-              </a:spcBef>
-              <a:buClr>
-                <a:srgbClr val="000000"/>
-              </a:buClr>
-              <a:buSzPct val="75000"/>
-              <a:buFont typeface="Symbol" charset="2"/>
-              <a:buChar char=""/>
-            </a:pPr>
-            <a:r>
-              <a:rPr b="0" lang="ru-RU" sz="1800" spc="-1" strike="noStrike">
-                <a:solidFill>
-                  <a:schemeClr val="dk1"/>
-                </a:solidFill>
-                <a:latin typeface="Arial"/>
-              </a:rPr>
-              <a:t>Четвёртый уровень структуры</a:t>
-            </a:r>
-            <a:endParaRPr b="0" lang="ru-RU" sz="1800" spc="-1" strike="noStrike">
-              <a:solidFill>
-                <a:schemeClr val="dk1"/>
-              </a:solidFill>
-              <a:latin typeface="Arial"/>
-            </a:endParaRPr>
-          </a:p>
-          <a:p>
-            <a:pPr lvl="4" marL="2160000" indent="-216000">
-              <a:lnSpc>
-                <a:spcPct val="90000"/>
-              </a:lnSpc>
-              <a:spcBef>
-                <a:spcPts val="283"/>
-              </a:spcBef>
-              <a:buClr>
-                <a:srgbClr val="000000"/>
-              </a:buClr>
-              <a:buSzPct val="45000"/>
-              <a:buFont typeface="Wingdings" charset="2"/>
-              <a:buChar char=""/>
-            </a:pPr>
-            <a:r>
-              <a:rPr b="0" lang="ru-RU" sz="2000" spc="-1" strike="noStrike">
-                <a:solidFill>
-                  <a:schemeClr val="dk1"/>
-                </a:solidFill>
-                <a:latin typeface="Arial"/>
-              </a:rPr>
-              <a:t>Пятый уровень структуры</a:t>
-            </a:r>
-            <a:endParaRPr b="0" lang="ru-RU" sz="2000" spc="-1" strike="noStrike">
-              <a:solidFill>
-                <a:schemeClr val="dk1"/>
-              </a:solidFill>
-              <a:latin typeface="Arial"/>
-            </a:endParaRPr>
-          </a:p>
-          <a:p>
-            <a:pPr lvl="5" marL="2592000" indent="-216000">
-              <a:lnSpc>
-                <a:spcPct val="90000"/>
-              </a:lnSpc>
-              <a:spcBef>
-                <a:spcPts val="283"/>
-              </a:spcBef>
-              <a:buClr>
-                <a:srgbClr val="000000"/>
-              </a:buClr>
-              <a:buSzPct val="45000"/>
-              <a:buFont typeface="Wingdings" charset="2"/>
-              <a:buChar char=""/>
-            </a:pPr>
-            <a:r>
-              <a:rPr b="0" lang="ru-RU" sz="2000" spc="-1" strike="noStrike">
-                <a:solidFill>
-                  <a:schemeClr val="dk1"/>
-                </a:solidFill>
-                <a:latin typeface="Arial"/>
-              </a:rPr>
-              <a:t>Шестой уровень структуры</a:t>
-            </a:r>
-            <a:endParaRPr b="0" lang="ru-RU" sz="2000" spc="-1" strike="noStrike">
-              <a:solidFill>
-                <a:schemeClr val="dk1"/>
-              </a:solidFill>
-              <a:latin typeface="Arial"/>
-            </a:endParaRPr>
-          </a:p>
-          <a:p>
-            <a:pPr lvl="6" marL="3024000" indent="-216000">
-              <a:lnSpc>
-                <a:spcPct val="90000"/>
-              </a:lnSpc>
-              <a:spcBef>
-                <a:spcPts val="283"/>
-              </a:spcBef>
-              <a:buClr>
-                <a:srgbClr val="000000"/>
-              </a:buClr>
-              <a:buSzPct val="45000"/>
-              <a:buFont typeface="Wingdings" charset="2"/>
-              <a:buChar char=""/>
-            </a:pPr>
-            <a:r>
-              <a:rPr b="0" lang="ru-RU" sz="2000" spc="-1" strike="noStrike">
-                <a:solidFill>
-                  <a:schemeClr val="dk1"/>
-                </a:solidFill>
-                <a:latin typeface="Arial"/>
-              </a:rPr>
-              <a:t>Седьмой уровень структуры</a:t>
-            </a:r>
-            <a:endParaRPr b="0" lang="ru-RU" sz="2000" spc="-1" strike="noStrike">
-              <a:solidFill>
-                <a:schemeClr val="dk1"/>
-              </a:solidFill>
-              <a:latin typeface="Arial"/>
-            </a:endParaRPr>
-          </a:p>
-        </p:txBody>
-      </p:sp>
-    </p:spTree>
-  </p:cSld>
-  <p:clrMap bg1="lt1" bg2="lt2" tx1="dk1" tx2="dk2" accent1="accent1" accent2="accent2" accent3="accent3" accent4="accent4" accent5="accent5" accent6="accent6" hlink="hlink" folHlink="folHlink"/>
-  <p:sldLayoutIdLst>
-    <p:sldLayoutId id="2147483654" r:id="rId2"/>
-  </p:sldLayoutIdLst>
+  <p:txStyles>
+    <p:titleStyle/>
+    <p:bodyStyle/>
+    <p:otherStyle/>
+  </p:txStyles>
 </p:sldMaster>
 </file>
 
 <file path=ppt/slides/slide1.xml><?xml version="1.0" encoding="utf-8"?>
-<p:sld xmlns:a="http://schemas.openxmlformats.org/drawingml/2006/main" xmlns:p="http://schemas.openxmlformats.org/presentationml/2006/main" xmlns:r="http://schemas.openxmlformats.org/officeDocument/2006/relationships" xmlns:p14="http://schemas.microsoft.com/office/powerpoint/2010/main" xmlns:p15="http://schemas.microsoft.com/office/powerpoint/2012/main" xmlns:mc="http://schemas.openxmlformats.org/markup-compatibility/2006">
+<p:sld xmlns:a="http://schemas.openxmlformats.org/drawingml/2006/main" xmlns:r="http://schemas.openxmlformats.org/officeDocument/2006/relationships" xmlns:p="http://schemas.openxmlformats.org/presentationml/2006/main">
   <p:cSld>
     <p:spTree>
       <p:nvGrpSpPr>
@@ -2818,29 +2488,6 @@
           <a:chExt cx="0" cy="0"/>
         </a:xfrm>
       </p:grpSpPr>
-      <p:pic>
-        <p:nvPicPr>
-          <p:cNvPr id="29" name="Рисунок 2" descr="лого для документов 2022"/>
-          <p:cNvPicPr/>
-          <p:nvPr/>
-        </p:nvPicPr>
-        <p:blipFill>
-          <a:blip r:embed="rId1"/>
-          <a:stretch/>
-        </p:blipFill>
-        <p:spPr>
-          <a:xfrm>
-            <a:off x="324000" y="189000"/>
-            <a:ext cx="1492920" cy="1441800"/>
-          </a:xfrm>
-          <a:prstGeom prst="rect">
-            <a:avLst/>
-          </a:prstGeom>
-          <a:ln w="0">
-            <a:noFill/>
-          </a:ln>
-        </p:spPr>
-      </p:pic>
       <p:sp>
         <p:nvSpPr>
           <p:cNvPr id="30" name="Rectangle 8"/>
@@ -2861,22 +2508,29 @@
           </a:ln>
         </p:spPr>
         <p:style>
-          <a:lnRef idx="0"/>
-          <a:fillRef idx="0"/>
-          <a:effectRef idx="0"/>
+          <a:lnRef idx="0">
+            <a:scrgbClr r="0" g="0" b="0"/>
+          </a:lnRef>
+          <a:fillRef idx="0">
+            <a:scrgbClr r="0" g="0" b="0"/>
+          </a:fillRef>
+          <a:effectRef idx="0">
+            <a:scrgbClr r="0" g="0" b="0"/>
+          </a:effectRef>
           <a:fontRef idx="minor"/>
         </p:style>
         <p:txBody>
-          <a:bodyPr numCol="1" spcCol="0" wrap="none" lIns="75600" rIns="75600" tIns="37800" bIns="37800" anchor="ctr">
+          <a:bodyPr wrap="none" lIns="75600" tIns="37800" rIns="75600" bIns="37800" numCol="1" spcCol="0" anchor="ctr">
             <a:spAutoFit/>
           </a:bodyPr>
+          <a:lstStyle/>
           <a:p>
             <a:pPr defTabSz="914400">
               <a:lnSpc>
                 <a:spcPct val="100000"/>
               </a:lnSpc>
             </a:pPr>
-            <a:endParaRPr b="0" lang="ru-RU" sz="1490" spc="-1" strike="noStrike">
+            <a:endParaRPr lang="ru-RU" sz="1490" b="0" strike="noStrike" spc="-1">
               <a:solidFill>
                 <a:schemeClr val="dk1"/>
               </a:solidFill>
@@ -2894,8 +2548,8 @@
         </p:nvSpPr>
         <p:spPr>
           <a:xfrm>
-            <a:off x="3210480" y="0"/>
-            <a:ext cx="6870240" cy="829440"/>
+            <a:off x="1254098" y="0"/>
+            <a:ext cx="6870240" cy="261004"/>
           </a:xfrm>
           <a:prstGeom prst="rect">
             <a:avLst/>
@@ -2906,15 +2560,22 @@
           </a:ln>
         </p:spPr>
         <p:style>
-          <a:lnRef idx="0"/>
-          <a:fillRef idx="0"/>
-          <a:effectRef idx="0"/>
+          <a:lnRef idx="0">
+            <a:scrgbClr r="0" g="0" b="0"/>
+          </a:lnRef>
+          <a:fillRef idx="0">
+            <a:scrgbClr r="0" g="0" b="0"/>
+          </a:fillRef>
+          <a:effectRef idx="0">
+            <a:scrgbClr r="0" g="0" b="0"/>
+          </a:effectRef>
           <a:fontRef idx="minor"/>
         </p:style>
         <p:txBody>
-          <a:bodyPr numCol="1" spcCol="0" lIns="75600" rIns="75600" tIns="37800" bIns="37800" anchor="ctr">
+          <a:bodyPr lIns="75600" tIns="37800" rIns="75600" bIns="37800" numCol="1" spcCol="0" anchor="ctr">
             <a:spAutoFit/>
           </a:bodyPr>
+          <a:lstStyle/>
           <a:p>
             <a:pPr algn="ctr" defTabSz="756000">
               <a:lnSpc>
@@ -2922,307 +2583,16 @@
               </a:lnSpc>
             </a:pPr>
             <a:r>
-              <a:rPr b="1" i="1" lang="ru-RU" sz="989" spc="-1" strike="noStrike">
+              <a:rPr lang="ru-RU" sz="1200" b="1" strike="noStrike" spc="-1" dirty="0">
                 <a:solidFill>
                   <a:schemeClr val="dk1"/>
                 </a:solidFill>
                 <a:latin typeface="Times New Roman"/>
                 <a:ea typeface="Calibri"/>
               </a:rPr>
-              <a:t>Федеральное агентство по рыболовству</a:t>
-            </a:r>
-            <a:endParaRPr b="0" lang="ru-RU" sz="989" spc="-1" strike="noStrike">
-              <a:solidFill>
-                <a:srgbClr val="000000"/>
-              </a:solidFill>
-              <a:latin typeface="Arial"/>
-            </a:endParaRPr>
-          </a:p>
-          <a:p>
-            <a:pPr algn="ctr" defTabSz="756000">
-              <a:lnSpc>
-                <a:spcPct val="100000"/>
-              </a:lnSpc>
-            </a:pPr>
-            <a:r>
-              <a:rPr b="1" i="1" lang="ru-RU" sz="989" spc="-1" strike="noStrike">
-                <a:solidFill>
-                  <a:schemeClr val="dk1"/>
-                </a:solidFill>
-                <a:latin typeface="Times New Roman"/>
-                <a:ea typeface="Calibri"/>
-              </a:rPr>
-              <a:t>Федеральное государственное бюджетное образовательное </a:t>
-            </a:r>
-            <a:endParaRPr b="0" lang="ru-RU" sz="989" spc="-1" strike="noStrike">
-              <a:solidFill>
-                <a:srgbClr val="000000"/>
-              </a:solidFill>
-              <a:latin typeface="Arial"/>
-            </a:endParaRPr>
-          </a:p>
-          <a:p>
-            <a:pPr algn="ctr" defTabSz="756000">
-              <a:lnSpc>
-                <a:spcPct val="100000"/>
-              </a:lnSpc>
-            </a:pPr>
-            <a:r>
-              <a:rPr b="1" i="1" lang="ru-RU" sz="989" spc="-1" strike="noStrike">
-                <a:solidFill>
-                  <a:schemeClr val="dk1"/>
-                </a:solidFill>
-                <a:latin typeface="Times New Roman"/>
-                <a:ea typeface="Calibri"/>
-              </a:rPr>
-              <a:t>учреждение высшего образования</a:t>
-            </a:r>
-            <a:endParaRPr b="0" lang="ru-RU" sz="989" spc="-1" strike="noStrike">
-              <a:solidFill>
-                <a:srgbClr val="000000"/>
-              </a:solidFill>
-              <a:latin typeface="Arial"/>
-            </a:endParaRPr>
-          </a:p>
-          <a:p>
-            <a:pPr algn="ctr" defTabSz="756000">
-              <a:lnSpc>
-                <a:spcPct val="100000"/>
-              </a:lnSpc>
-            </a:pPr>
-            <a:r>
-              <a:rPr b="1" i="1" lang="ru-RU" sz="989" spc="-1" strike="noStrike">
-                <a:solidFill>
-                  <a:schemeClr val="dk1"/>
-                </a:solidFill>
-                <a:latin typeface="Times New Roman"/>
-                <a:ea typeface="Calibri"/>
-              </a:rPr>
-              <a:t> </a:t>
-            </a:r>
-            <a:r>
-              <a:rPr b="1" i="1" lang="ru-RU" sz="989" spc="-1" strike="noStrike">
-                <a:solidFill>
-                  <a:schemeClr val="dk1"/>
-                </a:solidFill>
-                <a:latin typeface="Times New Roman"/>
-                <a:ea typeface="Calibri"/>
-              </a:rPr>
-              <a:t>«Астраханский государственный технический университет»</a:t>
-            </a:r>
-            <a:endParaRPr b="0" lang="ru-RU" sz="989" spc="-1" strike="noStrike">
-              <a:solidFill>
-                <a:srgbClr val="000000"/>
-              </a:solidFill>
-              <a:latin typeface="Arial"/>
-            </a:endParaRPr>
-          </a:p>
-          <a:p>
-            <a:pPr algn="ctr" defTabSz="756000">
-              <a:lnSpc>
-                <a:spcPct val="100000"/>
-              </a:lnSpc>
-            </a:pPr>
-            <a:r>
-              <a:rPr b="1" lang="ru-RU" sz="500" spc="-1" strike="noStrike">
-                <a:solidFill>
-                  <a:schemeClr val="dk1"/>
-                </a:solidFill>
-                <a:latin typeface="Times New Roman"/>
-                <a:ea typeface="Calibri"/>
-              </a:rPr>
-              <a:t>Система менеджмента качества в области образования, воспитания, науки и инноваций сертифицирована DQS</a:t>
-            </a:r>
-            <a:endParaRPr b="0" lang="ru-RU" sz="500" spc="-1" strike="noStrike">
-              <a:solidFill>
-                <a:srgbClr val="000000"/>
-              </a:solidFill>
-              <a:latin typeface="Arial"/>
-            </a:endParaRPr>
-          </a:p>
-          <a:p>
-            <a:pPr algn="ctr" defTabSz="756000">
-              <a:lnSpc>
-                <a:spcPct val="100000"/>
-              </a:lnSpc>
-            </a:pPr>
-            <a:r>
-              <a:rPr b="1" lang="ru-RU" sz="500" spc="-1" strike="noStrike">
-                <a:solidFill>
-                  <a:schemeClr val="dk1"/>
-                </a:solidFill>
-                <a:latin typeface="Times New Roman"/>
-                <a:ea typeface="Calibri"/>
-              </a:rPr>
-              <a:t> </a:t>
-            </a:r>
-            <a:r>
-              <a:rPr b="1" lang="ru-RU" sz="500" spc="-1" strike="noStrike">
-                <a:solidFill>
-                  <a:schemeClr val="dk1"/>
-                </a:solidFill>
-                <a:latin typeface="Times New Roman"/>
-                <a:ea typeface="Calibri"/>
-              </a:rPr>
-              <a:t>по международному стандарту ISO 9001:2015</a:t>
-            </a:r>
-            <a:endParaRPr b="0" lang="ru-RU" sz="500" spc="-1" strike="noStrike">
-              <a:solidFill>
-                <a:srgbClr val="000000"/>
-              </a:solidFill>
-              <a:latin typeface="Arial"/>
-            </a:endParaRPr>
-          </a:p>
-        </p:txBody>
-      </p:sp>
-      <p:sp>
-        <p:nvSpPr>
-          <p:cNvPr id="32" name="Прямоугольник 9"/>
-          <p:cNvSpPr/>
-          <p:nvPr/>
-        </p:nvSpPr>
-        <p:spPr>
-          <a:xfrm>
-            <a:off x="4680000" y="900000"/>
-            <a:ext cx="5040000" cy="1327680"/>
-          </a:xfrm>
-          <a:prstGeom prst="rect">
-            <a:avLst/>
-          </a:prstGeom>
-          <a:noFill/>
-          <a:ln w="0">
-            <a:noFill/>
-          </a:ln>
-        </p:spPr>
-        <p:style>
-          <a:lnRef idx="0"/>
-          <a:fillRef idx="0"/>
-          <a:effectRef idx="0"/>
-          <a:fontRef idx="minor"/>
-        </p:style>
-        <p:txBody>
-          <a:bodyPr lIns="90000" rIns="90000" tIns="45000" bIns="45000" anchor="t">
-            <a:spAutoFit/>
-          </a:bodyPr>
-          <a:p>
-            <a:pPr defTabSz="914400">
-              <a:lnSpc>
-                <a:spcPct val="100000"/>
-              </a:lnSpc>
-            </a:pPr>
-            <a:r>
-              <a:rPr b="0" lang="ru-RU" sz="1160" spc="-1" strike="noStrike">
-                <a:solidFill>
-                  <a:schemeClr val="dk1"/>
-                </a:solidFill>
-                <a:latin typeface="Times New Roman"/>
-                <a:ea typeface="Calibri"/>
-              </a:rPr>
-              <a:t>Институт </a:t>
-            </a:r>
-            <a:r>
-              <a:rPr b="0" lang="ru-RU" sz="1160" spc="-1" strike="noStrike" u="sng">
-                <a:solidFill>
-                  <a:schemeClr val="dk1"/>
-                </a:solidFill>
-                <a:uFillTx/>
-                <a:latin typeface="Times New Roman"/>
-                <a:ea typeface="Calibri"/>
-              </a:rPr>
-              <a:t>Информационных технологий и коммуникаций_________________</a:t>
-            </a:r>
-            <a:endParaRPr b="0" lang="ru-RU" sz="1160" spc="-1" strike="noStrike">
-              <a:solidFill>
-                <a:srgbClr val="000000"/>
-              </a:solidFill>
-              <a:latin typeface="Arial"/>
-            </a:endParaRPr>
-          </a:p>
-          <a:p>
-            <a:pPr defTabSz="914400">
-              <a:lnSpc>
-                <a:spcPct val="100000"/>
-              </a:lnSpc>
-            </a:pPr>
-            <a:r>
-              <a:rPr b="0" lang="ru-RU" sz="1160" spc="-1" strike="noStrike">
-                <a:solidFill>
-                  <a:schemeClr val="dk1"/>
-                </a:solidFill>
-                <a:latin typeface="Times New Roman"/>
-                <a:ea typeface="Calibri"/>
-              </a:rPr>
-              <a:t>Направление подготовки ____________________________________________</a:t>
-            </a:r>
-            <a:endParaRPr b="0" lang="ru-RU" sz="1160" spc="-1" strike="noStrike">
-              <a:solidFill>
-                <a:srgbClr val="000000"/>
-              </a:solidFill>
-              <a:latin typeface="Arial"/>
-            </a:endParaRPr>
-          </a:p>
-          <a:p>
-            <a:pPr defTabSz="914400">
-              <a:lnSpc>
-                <a:spcPct val="100000"/>
-              </a:lnSpc>
-            </a:pPr>
-            <a:r>
-              <a:rPr b="0" lang="ru-RU" sz="1160" spc="-1" strike="noStrike">
-                <a:solidFill>
-                  <a:schemeClr val="dk1"/>
-                </a:solidFill>
-                <a:latin typeface="Times New Roman"/>
-                <a:ea typeface="Calibri"/>
-              </a:rPr>
-              <a:t>Профиль </a:t>
-            </a:r>
-            <a:r>
-              <a:rPr b="0" lang="ru-RU" sz="1160" spc="-1" strike="noStrike" u="sng">
-                <a:solidFill>
-                  <a:schemeClr val="dk1"/>
-                </a:solidFill>
-                <a:uFillTx/>
-                <a:latin typeface="Times New Roman"/>
-                <a:ea typeface="Calibri"/>
-              </a:rPr>
-              <a:t>Автоматизированные системы обработки информации и управления</a:t>
-            </a:r>
-            <a:endParaRPr b="0" lang="ru-RU" sz="1160" spc="-1" strike="noStrike">
-              <a:solidFill>
-                <a:srgbClr val="000000"/>
-              </a:solidFill>
-              <a:latin typeface="Arial"/>
-            </a:endParaRPr>
-          </a:p>
-          <a:p>
-            <a:pPr defTabSz="914400">
-              <a:lnSpc>
-                <a:spcPct val="100000"/>
-              </a:lnSpc>
-            </a:pPr>
-            <a:r>
-              <a:rPr b="0" lang="ru-RU" sz="1160" spc="-1" strike="noStrike">
-                <a:solidFill>
-                  <a:schemeClr val="dk1"/>
-                </a:solidFill>
-                <a:latin typeface="Times New Roman"/>
-                <a:ea typeface="Calibri"/>
-              </a:rPr>
-              <a:t>Кафедра </a:t>
-            </a:r>
-            <a:r>
-              <a:rPr b="0" lang="ru-RU" sz="1160" spc="-1" strike="noStrike" u="sng">
-                <a:solidFill>
-                  <a:schemeClr val="dk1"/>
-                </a:solidFill>
-                <a:uFillTx/>
-                <a:latin typeface="Times New Roman"/>
-                <a:ea typeface="Calibri"/>
-              </a:rPr>
-              <a:t>Автоматизированные системы обработки информации и управления</a:t>
-            </a:r>
-            <a:endParaRPr b="0" lang="ru-RU" sz="1160" spc="-1" strike="noStrike">
+              <a:t> «Астраханский государственный технический университет»</a:t>
+            </a:r>
+            <a:endParaRPr lang="ru-RU" sz="1200" b="1" strike="noStrike" spc="-1" dirty="0">
               <a:solidFill>
                 <a:srgbClr val="000000"/>
               </a:solidFill>
@@ -3251,18 +2621,25 @@
           </a:ln>
         </p:spPr>
         <p:style>
-          <a:lnRef idx="0"/>
-          <a:fillRef idx="0"/>
-          <a:effectRef idx="0"/>
+          <a:lnRef idx="0">
+            <a:scrgbClr r="0" g="0" b="0"/>
+          </a:lnRef>
+          <a:fillRef idx="0">
+            <a:scrgbClr r="0" g="0" b="0"/>
+          </a:fillRef>
+          <a:effectRef idx="0">
+            <a:scrgbClr r="0" g="0" b="0"/>
+          </a:effectRef>
           <a:fontRef idx="minor"/>
         </p:style>
         <p:txBody>
-          <a:bodyPr lIns="90000" rIns="90000" tIns="45000" bIns="45000" anchor="t">
+          <a:bodyPr lIns="90000" tIns="45000" rIns="90000" bIns="45000" anchor="t">
             <a:spAutoFit/>
           </a:bodyPr>
-          <a:p>
-            <a:r>
-              <a:rPr b="1" lang="ru-RU" sz="1660" spc="-1" strike="noStrike">
+          <a:lstStyle/>
+          <a:p>
+            <a:r>
+              <a:rPr lang="ru-RU" sz="1660" b="1" strike="noStrike" spc="-1">
                 <a:solidFill>
                   <a:srgbClr val="000000"/>
                 </a:solidFill>
@@ -3275,7 +2652,7 @@
               <a:rPr sz="1660"/>
             </a:br>
             <a:r>
-              <a:rPr b="0" lang="ru-RU" sz="1320" spc="-1" strike="noStrike">
+              <a:rPr lang="ru-RU" sz="1320" b="0" strike="noStrike" spc="-1">
                 <a:solidFill>
                   <a:srgbClr val="000000"/>
                 </a:solidFill>
@@ -3288,7 +2665,7 @@
               <a:rPr sz="1660"/>
             </a:br>
             <a:r>
-              <a:rPr b="1" lang="ru-RU" sz="1660" spc="-1" strike="noStrike" u="sng">
+              <a:rPr lang="ru-RU" sz="1660" b="1" u="sng" strike="noStrike" spc="-1">
                 <a:solidFill>
                   <a:srgbClr val="000000"/>
                 </a:solidFill>
@@ -3298,7 +2675,7 @@
               </a:rPr>
               <a:t>«АВТОМАТИЗАЦИЯ УПРАВЛЕНИЯ ОБРАЗОВАТЕЛЬНЫМ ПРОЦЕССОМ В «РШТ»»</a:t>
             </a:r>
-            <a:endParaRPr b="0" lang="ru-RU" sz="1660" spc="-1" strike="noStrike">
+            <a:endParaRPr lang="ru-RU" sz="1660" b="0" strike="noStrike" spc="-1">
               <a:solidFill>
                 <a:srgbClr val="000000"/>
               </a:solidFill>
@@ -3327,15 +2704,22 @@
           </a:ln>
         </p:spPr>
         <p:style>
-          <a:lnRef idx="0"/>
-          <a:fillRef idx="0"/>
-          <a:effectRef idx="0"/>
+          <a:lnRef idx="0">
+            <a:scrgbClr r="0" g="0" b="0"/>
+          </a:lnRef>
+          <a:fillRef idx="0">
+            <a:scrgbClr r="0" g="0" b="0"/>
+          </a:fillRef>
+          <a:effectRef idx="0">
+            <a:scrgbClr r="0" g="0" b="0"/>
+          </a:effectRef>
           <a:fontRef idx="minor"/>
         </p:style>
         <p:txBody>
-          <a:bodyPr lIns="90000" rIns="90000" tIns="45000" bIns="45000" anchor="t">
+          <a:bodyPr lIns="90000" tIns="45000" rIns="90000" bIns="45000" anchor="t">
             <a:spAutoFit/>
           </a:bodyPr>
+          <a:lstStyle/>
           <a:p>
             <a:pPr defTabSz="914400">
               <a:lnSpc>
@@ -3346,7 +2730,7 @@
               </a:spcBef>
             </a:pPr>
             <a:r>
-              <a:rPr b="0" lang="ru-RU" sz="1490" spc="-1" strike="noStrike">
+              <a:rPr lang="ru-RU" sz="1490" b="0" strike="noStrike" spc="-1">
                 <a:solidFill>
                   <a:srgbClr val="000000"/>
                 </a:solidFill>
@@ -3355,7 +2739,7 @@
               </a:rPr>
               <a:t>Выполнил: обучающийся гр. ДИНРБ-41      Кузургалиев Радмир Алексеевич</a:t>
             </a:r>
-            <a:endParaRPr b="0" lang="ru-RU" sz="1490" spc="-1" strike="noStrike">
+            <a:endParaRPr lang="ru-RU" sz="1490" b="0" strike="noStrike" spc="-1">
               <a:solidFill>
                 <a:srgbClr val="000000"/>
               </a:solidFill>
@@ -3372,7 +2756,7 @@
               </a:spcBef>
             </a:pPr>
             <a:r>
-              <a:rPr b="0" lang="ru-RU" sz="1490" spc="-1" strike="noStrike">
+              <a:rPr lang="ru-RU" sz="1490" b="0" strike="noStrike" spc="-1">
                 <a:solidFill>
                   <a:srgbClr val="000000"/>
                 </a:solidFill>
@@ -3381,7 +2765,7 @@
               </a:rPr>
               <a:t>Руководитель: к.т.н., доцент Лаптев Валерий Викторович</a:t>
             </a:r>
-            <a:endParaRPr b="0" lang="ru-RU" sz="1490" spc="-1" strike="noStrike">
+            <a:endParaRPr lang="ru-RU" sz="1490" b="0" strike="noStrike" spc="-1">
               <a:solidFill>
                 <a:srgbClr val="000000"/>
               </a:solidFill>
@@ -3392,19 +2776,14 @@
       </p:sp>
     </p:spTree>
   </p:cSld>
-  <mc:AlternateContent>
-    <mc:Choice Requires="p14">
-      <p:transition spd="slow" p14:dur="2000"/>
-    </mc:Choice>
-    <mc:Fallback>
-      <p:transition spd="slow"/>
-    </mc:Fallback>
-  </mc:AlternateContent>
+  <p:clrMapOvr>
+    <a:masterClrMapping/>
+  </p:clrMapOvr>
 </p:sld>
 </file>
 
 <file path=ppt/slides/slide10.xml><?xml version="1.0" encoding="utf-8"?>
-<p:sld xmlns:a="http://schemas.openxmlformats.org/drawingml/2006/main" xmlns:p="http://schemas.openxmlformats.org/presentationml/2006/main" xmlns:r="http://schemas.openxmlformats.org/officeDocument/2006/relationships" xmlns:p14="http://schemas.microsoft.com/office/powerpoint/2010/main" xmlns:p15="http://schemas.microsoft.com/office/powerpoint/2012/main" xmlns:mc="http://schemas.openxmlformats.org/markup-compatibility/2006">
+<p:sld xmlns:a="http://schemas.openxmlformats.org/drawingml/2006/main" xmlns:r="http://schemas.openxmlformats.org/officeDocument/2006/relationships" xmlns:p="http://schemas.openxmlformats.org/presentationml/2006/main">
   <p:cSld>
     <p:spTree>
       <p:nvGrpSpPr>
@@ -3422,7 +2801,7 @@
       </p:grpSpPr>
       <p:sp>
         <p:nvSpPr>
-          <p:cNvPr id="59" name="PlaceHolder 1"/>
+          <p:cNvPr id="2" name="Заголовок 1"/>
           <p:cNvSpPr>
             <a:spLocks noGrp="1"/>
           </p:cNvSpPr>
@@ -3430,60 +2809,487 @@
             <p:ph type="title"/>
           </p:nvPr>
         </p:nvSpPr>
-        <p:spPr>
-          <a:xfrm>
-            <a:off x="504000" y="1990080"/>
-            <a:ext cx="9071280" cy="1249920"/>
-          </a:xfrm>
-          <a:prstGeom prst="rect">
-            <a:avLst/>
-          </a:prstGeom>
-          <a:noFill/>
-          <a:ln w="0">
-            <a:noFill/>
-          </a:ln>
-        </p:spPr>
-        <p:txBody>
-          <a:bodyPr lIns="0" rIns="0" tIns="0" bIns="0" anchor="ctr">
-            <a:noAutofit/>
-          </a:bodyPr>
-          <a:p>
-            <a:pPr indent="0" algn="ctr">
-              <a:buNone/>
-            </a:pPr>
-            <a:r>
-              <a:rPr b="0" lang="ru-RU" sz="4400" spc="-1" strike="noStrike">
-                <a:solidFill>
-                  <a:schemeClr val="dk1"/>
-                </a:solidFill>
-                <a:latin typeface="Arial"/>
-              </a:rPr>
-              <a:t>Спасибо за внимание!</a:t>
-            </a:r>
-            <a:endParaRPr b="0" lang="ru-RU" sz="4400" spc="-1" strike="noStrike">
-              <a:solidFill>
-                <a:schemeClr val="dk1"/>
-              </a:solidFill>
-              <a:latin typeface="Arial"/>
-            </a:endParaRPr>
-          </a:p>
-        </p:txBody>
-      </p:sp>
+        <p:spPr/>
+        <p:txBody>
+          <a:bodyPr/>
+          <a:lstStyle/>
+          <a:p>
+            <a:r>
+              <a:rPr lang="ru-RU" sz="4400" dirty="0">
+                <a:latin typeface="+mj-lt"/>
+              </a:rPr>
+              <a:t>Обзор аналогов</a:t>
+            </a:r>
+          </a:p>
+        </p:txBody>
+      </p:sp>
+      <p:graphicFrame>
+        <p:nvGraphicFramePr>
+          <p:cNvPr id="4" name="Содержимое 3"/>
+          <p:cNvGraphicFramePr>
+            <a:graphicFrameLocks noGrp="1"/>
+          </p:cNvGraphicFramePr>
+          <p:nvPr>
+            <p:ph/>
+          </p:nvPr>
+        </p:nvGraphicFramePr>
+        <p:xfrm>
+          <a:off x="396842" y="1120763"/>
+          <a:ext cx="9180544" cy="4389120"/>
+        </p:xfrm>
+        <a:graphic>
+          <a:graphicData uri="http://schemas.openxmlformats.org/drawingml/2006/table">
+            <a:tbl>
+              <a:tblPr firstRow="1" bandRow="1">
+                <a:tableStyleId>{5C22544A-7EE6-4342-B048-85BDC9FD1C3A}</a:tableStyleId>
+              </a:tblPr>
+              <a:tblGrid>
+                <a:gridCol w="3308344">
+                  <a:extLst>
+                    <a:ext uri="{9D8B030D-6E8A-4147-A177-3AD203B41FA5}">
+                      <a16:colId xmlns:a16="http://schemas.microsoft.com/office/drawing/2014/main" val="20000"/>
+                    </a:ext>
+                  </a:extLst>
+                </a:gridCol>
+                <a:gridCol w="1800234">
+                  <a:extLst>
+                    <a:ext uri="{9D8B030D-6E8A-4147-A177-3AD203B41FA5}">
+                      <a16:colId xmlns:a16="http://schemas.microsoft.com/office/drawing/2014/main" val="20001"/>
+                    </a:ext>
+                  </a:extLst>
+                </a:gridCol>
+                <a:gridCol w="1500198">
+                  <a:extLst>
+                    <a:ext uri="{9D8B030D-6E8A-4147-A177-3AD203B41FA5}">
+                      <a16:colId xmlns:a16="http://schemas.microsoft.com/office/drawing/2014/main" val="20002"/>
+                    </a:ext>
+                  </a:extLst>
+                </a:gridCol>
+                <a:gridCol w="2571768">
+                  <a:extLst>
+                    <a:ext uri="{9D8B030D-6E8A-4147-A177-3AD203B41FA5}">
+                      <a16:colId xmlns:a16="http://schemas.microsoft.com/office/drawing/2014/main" val="20003"/>
+                    </a:ext>
+                  </a:extLst>
+                </a:gridCol>
+              </a:tblGrid>
+              <a:tr h="370840">
+                <a:tc>
+                  <a:txBody>
+                    <a:bodyPr/>
+                    <a:lstStyle/>
+                    <a:p>
+                      <a:r>
+                        <a:rPr lang="ru-RU" dirty="0"/>
+                        <a:t>Характеристики</a:t>
+                      </a:r>
+                    </a:p>
+                  </a:txBody>
+                  <a:tcPr/>
+                </a:tc>
+                <a:tc>
+                  <a:txBody>
+                    <a:bodyPr/>
+                    <a:lstStyle/>
+                    <a:p>
+                      <a:r>
+                        <a:rPr lang="ru-RU" dirty="0"/>
+                        <a:t>«Моя школа»</a:t>
+                      </a:r>
+                    </a:p>
+                  </a:txBody>
+                  <a:tcPr/>
+                </a:tc>
+                <a:tc>
+                  <a:txBody>
+                    <a:bodyPr/>
+                    <a:lstStyle/>
+                    <a:p>
+                      <a:r>
+                        <a:rPr lang="ru-RU" dirty="0"/>
+                        <a:t>«</a:t>
+                      </a:r>
+                      <a:r>
+                        <a:rPr lang="ru-RU" dirty="0" err="1"/>
+                        <a:t>Сферум</a:t>
+                      </a:r>
+                      <a:r>
+                        <a:rPr lang="ru-RU" dirty="0"/>
+                        <a:t>»</a:t>
+                      </a:r>
+                    </a:p>
+                  </a:txBody>
+                  <a:tcPr/>
+                </a:tc>
+                <a:tc>
+                  <a:txBody>
+                    <a:bodyPr/>
+                    <a:lstStyle/>
+                    <a:p>
+                      <a:r>
+                        <a:rPr lang="ru-RU" dirty="0"/>
+                        <a:t>«Навигатор</a:t>
+                      </a:r>
+                      <a:r>
+                        <a:rPr lang="ru-RU" baseline="0" dirty="0"/>
+                        <a:t> дополнительного образования</a:t>
+                      </a:r>
+                      <a:r>
+                        <a:rPr lang="ru-RU" dirty="0"/>
+                        <a:t>»</a:t>
+                      </a:r>
+                    </a:p>
+                  </a:txBody>
+                  <a:tcPr/>
+                </a:tc>
+                <a:extLst>
+                  <a:ext uri="{0D108BD9-81ED-4DB2-BD59-A6C34878D82A}">
+                    <a16:rowId xmlns:a16="http://schemas.microsoft.com/office/drawing/2014/main" val="10000"/>
+                  </a:ext>
+                </a:extLst>
+              </a:tr>
+              <a:tr h="370840">
+                <a:tc>
+                  <a:txBody>
+                    <a:bodyPr/>
+                    <a:lstStyle/>
+                    <a:p>
+                      <a:r>
+                        <a:rPr lang="ru-RU" dirty="0"/>
+                        <a:t>Возможность планирования</a:t>
+                      </a:r>
+                      <a:r>
+                        <a:rPr lang="ru-RU" baseline="0" dirty="0"/>
+                        <a:t> занятий</a:t>
+                      </a:r>
+                      <a:endParaRPr lang="ru-RU" dirty="0"/>
+                    </a:p>
+                  </a:txBody>
+                  <a:tcPr/>
+                </a:tc>
+                <a:tc>
+                  <a:txBody>
+                    <a:bodyPr/>
+                    <a:lstStyle/>
+                    <a:p>
+                      <a:r>
+                        <a:rPr lang="ru-RU" dirty="0"/>
+                        <a:t>+</a:t>
+                      </a:r>
+                    </a:p>
+                  </a:txBody>
+                  <a:tcPr/>
+                </a:tc>
+                <a:tc>
+                  <a:txBody>
+                    <a:bodyPr/>
+                    <a:lstStyle/>
+                    <a:p>
+                      <a:r>
+                        <a:rPr lang="ru-RU" dirty="0"/>
+                        <a:t>+</a:t>
+                      </a:r>
+                    </a:p>
+                  </a:txBody>
+                  <a:tcPr/>
+                </a:tc>
+                <a:tc>
+                  <a:txBody>
+                    <a:bodyPr/>
+                    <a:lstStyle/>
+                    <a:p>
+                      <a:r>
+                        <a:rPr lang="ru-RU" dirty="0"/>
+                        <a:t>+</a:t>
+                      </a:r>
+                    </a:p>
+                  </a:txBody>
+                  <a:tcPr/>
+                </a:tc>
+                <a:extLst>
+                  <a:ext uri="{0D108BD9-81ED-4DB2-BD59-A6C34878D82A}">
+                    <a16:rowId xmlns:a16="http://schemas.microsoft.com/office/drawing/2014/main" val="10001"/>
+                  </a:ext>
+                </a:extLst>
+              </a:tr>
+              <a:tr h="370840">
+                <a:tc>
+                  <a:txBody>
+                    <a:bodyPr/>
+                    <a:lstStyle/>
+                    <a:p>
+                      <a:r>
+                        <a:rPr lang="ru-RU" dirty="0"/>
+                        <a:t>Возможность</a:t>
+                      </a:r>
+                      <a:r>
+                        <a:rPr lang="ru-RU" baseline="0" dirty="0"/>
+                        <a:t> учёта учебных и </a:t>
+                      </a:r>
+                      <a:r>
+                        <a:rPr lang="ru-RU" baseline="0" dirty="0" err="1"/>
+                        <a:t>внеучебных</a:t>
+                      </a:r>
+                      <a:r>
+                        <a:rPr lang="ru-RU" baseline="0" dirty="0"/>
+                        <a:t> мероприятий</a:t>
+                      </a:r>
+                      <a:endParaRPr lang="ru-RU" dirty="0"/>
+                    </a:p>
+                  </a:txBody>
+                  <a:tcPr/>
+                </a:tc>
+                <a:tc>
+                  <a:txBody>
+                    <a:bodyPr/>
+                    <a:lstStyle/>
+                    <a:p>
+                      <a:r>
+                        <a:rPr lang="ru-RU" dirty="0"/>
+                        <a:t>-</a:t>
+                      </a:r>
+                    </a:p>
+                  </a:txBody>
+                  <a:tcPr/>
+                </a:tc>
+                <a:tc>
+                  <a:txBody>
+                    <a:bodyPr/>
+                    <a:lstStyle/>
+                    <a:p>
+                      <a:r>
+                        <a:rPr lang="ru-RU" dirty="0"/>
+                        <a:t>-</a:t>
+                      </a:r>
+                    </a:p>
+                  </a:txBody>
+                  <a:tcPr/>
+                </a:tc>
+                <a:tc>
+                  <a:txBody>
+                    <a:bodyPr/>
+                    <a:lstStyle/>
+                    <a:p>
+                      <a:r>
+                        <a:rPr lang="ru-RU" dirty="0"/>
+                        <a:t>-</a:t>
+                      </a:r>
+                    </a:p>
+                  </a:txBody>
+                  <a:tcPr/>
+                </a:tc>
+                <a:extLst>
+                  <a:ext uri="{0D108BD9-81ED-4DB2-BD59-A6C34878D82A}">
+                    <a16:rowId xmlns:a16="http://schemas.microsoft.com/office/drawing/2014/main" val="10002"/>
+                  </a:ext>
+                </a:extLst>
+              </a:tr>
+              <a:tr h="370840">
+                <a:tc>
+                  <a:txBody>
+                    <a:bodyPr/>
+                    <a:lstStyle/>
+                    <a:p>
+                      <a:r>
+                        <a:rPr lang="ru-RU" dirty="0"/>
+                        <a:t>Возможность</a:t>
+                      </a:r>
+                      <a:r>
+                        <a:rPr lang="ru-RU" baseline="0" dirty="0"/>
+                        <a:t> учёта достижений</a:t>
+                      </a:r>
+                      <a:endParaRPr lang="ru-RU" dirty="0"/>
+                    </a:p>
+                  </a:txBody>
+                  <a:tcPr/>
+                </a:tc>
+                <a:tc>
+                  <a:txBody>
+                    <a:bodyPr/>
+                    <a:lstStyle/>
+                    <a:p>
+                      <a:r>
+                        <a:rPr lang="ru-RU" dirty="0"/>
+                        <a:t>+</a:t>
+                      </a:r>
+                    </a:p>
+                  </a:txBody>
+                  <a:tcPr/>
+                </a:tc>
+                <a:tc>
+                  <a:txBody>
+                    <a:bodyPr/>
+                    <a:lstStyle/>
+                    <a:p>
+                      <a:r>
+                        <a:rPr lang="ru-RU" dirty="0"/>
+                        <a:t>-</a:t>
+                      </a:r>
+                    </a:p>
+                  </a:txBody>
+                  <a:tcPr/>
+                </a:tc>
+                <a:tc>
+                  <a:txBody>
+                    <a:bodyPr/>
+                    <a:lstStyle/>
+                    <a:p>
+                      <a:r>
+                        <a:rPr lang="ru-RU" dirty="0"/>
+                        <a:t>+</a:t>
+                      </a:r>
+                    </a:p>
+                  </a:txBody>
+                  <a:tcPr/>
+                </a:tc>
+                <a:extLst>
+                  <a:ext uri="{0D108BD9-81ED-4DB2-BD59-A6C34878D82A}">
+                    <a16:rowId xmlns:a16="http://schemas.microsoft.com/office/drawing/2014/main" val="10003"/>
+                  </a:ext>
+                </a:extLst>
+              </a:tr>
+              <a:tr h="370840">
+                <a:tc>
+                  <a:txBody>
+                    <a:bodyPr/>
+                    <a:lstStyle/>
+                    <a:p>
+                      <a:r>
+                        <a:rPr lang="ru-RU" dirty="0"/>
+                        <a:t>Аналитика</a:t>
+                      </a:r>
+                      <a:r>
+                        <a:rPr lang="ru-RU" baseline="0" dirty="0"/>
+                        <a:t> образовательного процесса</a:t>
+                      </a:r>
+                      <a:endParaRPr lang="ru-RU" dirty="0"/>
+                    </a:p>
+                  </a:txBody>
+                  <a:tcPr/>
+                </a:tc>
+                <a:tc>
+                  <a:txBody>
+                    <a:bodyPr/>
+                    <a:lstStyle/>
+                    <a:p>
+                      <a:r>
+                        <a:rPr lang="ru-RU" dirty="0"/>
+                        <a:t>+</a:t>
+                      </a:r>
+                    </a:p>
+                  </a:txBody>
+                  <a:tcPr/>
+                </a:tc>
+                <a:tc>
+                  <a:txBody>
+                    <a:bodyPr/>
+                    <a:lstStyle/>
+                    <a:p>
+                      <a:r>
+                        <a:rPr lang="ru-RU" dirty="0"/>
+                        <a:t>+</a:t>
+                      </a:r>
+                    </a:p>
+                  </a:txBody>
+                  <a:tcPr/>
+                </a:tc>
+                <a:tc>
+                  <a:txBody>
+                    <a:bodyPr/>
+                    <a:lstStyle/>
+                    <a:p>
+                      <a:r>
+                        <a:rPr lang="ru-RU" dirty="0"/>
+                        <a:t>+</a:t>
+                      </a:r>
+                    </a:p>
+                  </a:txBody>
+                  <a:tcPr/>
+                </a:tc>
+                <a:extLst>
+                  <a:ext uri="{0D108BD9-81ED-4DB2-BD59-A6C34878D82A}">
+                    <a16:rowId xmlns:a16="http://schemas.microsoft.com/office/drawing/2014/main" val="10004"/>
+                  </a:ext>
+                </a:extLst>
+              </a:tr>
+              <a:tr h="370840">
+                <a:tc>
+                  <a:txBody>
+                    <a:bodyPr/>
+                    <a:lstStyle/>
+                    <a:p>
+                      <a:r>
+                        <a:rPr lang="ru-RU" dirty="0"/>
+                        <a:t>Управление</a:t>
+                      </a:r>
+                      <a:r>
+                        <a:rPr lang="ru-RU" baseline="0" dirty="0"/>
+                        <a:t> административным процессом</a:t>
+                      </a:r>
+                      <a:endParaRPr lang="ru-RU" dirty="0"/>
+                    </a:p>
+                  </a:txBody>
+                  <a:tcPr/>
+                </a:tc>
+                <a:tc>
+                  <a:txBody>
+                    <a:bodyPr/>
+                    <a:lstStyle/>
+                    <a:p>
+                      <a:r>
+                        <a:rPr lang="ru-RU" dirty="0"/>
+                        <a:t>-</a:t>
+                      </a:r>
+                    </a:p>
+                  </a:txBody>
+                  <a:tcPr/>
+                </a:tc>
+                <a:tc>
+                  <a:txBody>
+                    <a:bodyPr/>
+                    <a:lstStyle/>
+                    <a:p>
+                      <a:r>
+                        <a:rPr lang="ru-RU" dirty="0"/>
+                        <a:t>-</a:t>
+                      </a:r>
+                    </a:p>
+                  </a:txBody>
+                  <a:tcPr/>
+                </a:tc>
+                <a:tc>
+                  <a:txBody>
+                    <a:bodyPr/>
+                    <a:lstStyle/>
+                    <a:p>
+                      <a:r>
+                        <a:rPr lang="ru-RU" dirty="0"/>
+                        <a:t>-</a:t>
+                      </a:r>
+                    </a:p>
+                  </a:txBody>
+                  <a:tcPr/>
+                </a:tc>
+                <a:extLst>
+                  <a:ext uri="{0D108BD9-81ED-4DB2-BD59-A6C34878D82A}">
+                    <a16:rowId xmlns:a16="http://schemas.microsoft.com/office/drawing/2014/main" val="10005"/>
+                  </a:ext>
+                </a:extLst>
+              </a:tr>
+            </a:tbl>
+          </a:graphicData>
+        </a:graphic>
+      </p:graphicFrame>
     </p:spTree>
   </p:cSld>
-  <mc:AlternateContent>
-    <mc:Choice Requires="p14">
-      <p:transition spd="slow" p14:dur="2000"/>
-    </mc:Choice>
-    <mc:Fallback>
-      <p:transition spd="slow"/>
-    </mc:Fallback>
-  </mc:AlternateContent>
+  <p:clrMapOvr>
+    <a:masterClrMapping/>
+  </p:clrMapOvr>
 </p:sld>
 </file>
 
-<file path=ppt/slides/slide2.xml><?xml version="1.0" encoding="utf-8"?>
-<p:sld xmlns:a="http://schemas.openxmlformats.org/drawingml/2006/main" xmlns:p="http://schemas.openxmlformats.org/presentationml/2006/main" xmlns:r="http://schemas.openxmlformats.org/officeDocument/2006/relationships" xmlns:p14="http://schemas.microsoft.com/office/powerpoint/2010/main" xmlns:p15="http://schemas.microsoft.com/office/powerpoint/2012/main" xmlns:mc="http://schemas.openxmlformats.org/markup-compatibility/2006">
+<file path=ppt/slides/slide11.xml><?xml version="1.0" encoding="utf-8"?>
+<p:sld xmlns:a="http://schemas.openxmlformats.org/drawingml/2006/main" xmlns:r="http://schemas.openxmlformats.org/officeDocument/2006/relationships" xmlns:p="http://schemas.openxmlformats.org/presentationml/2006/main">
   <p:cSld>
     <p:spTree>
       <p:nvGrpSpPr>
@@ -3501,6 +3307,75 @@
       </p:grpSpPr>
       <p:sp>
         <p:nvSpPr>
+          <p:cNvPr id="59" name="PlaceHolder 1"/>
+          <p:cNvSpPr>
+            <a:spLocks noGrp="1"/>
+          </p:cNvSpPr>
+          <p:nvPr>
+            <p:ph type="title"/>
+          </p:nvPr>
+        </p:nvSpPr>
+        <p:spPr>
+          <a:xfrm>
+            <a:off x="504000" y="1990080"/>
+            <a:ext cx="9071280" cy="1249920"/>
+          </a:xfrm>
+          <a:prstGeom prst="rect">
+            <a:avLst/>
+          </a:prstGeom>
+          <a:noFill/>
+          <a:ln w="0">
+            <a:noFill/>
+          </a:ln>
+        </p:spPr>
+        <p:txBody>
+          <a:bodyPr lIns="0" tIns="0" rIns="0" bIns="0" anchor="ctr">
+            <a:noAutofit/>
+          </a:bodyPr>
+          <a:lstStyle/>
+          <a:p>
+            <a:pPr indent="0" algn="ctr">
+              <a:buNone/>
+            </a:pPr>
+            <a:r>
+              <a:rPr lang="ru-RU" sz="4400" b="0" strike="noStrike" spc="-1">
+                <a:solidFill>
+                  <a:schemeClr val="dk1"/>
+                </a:solidFill>
+                <a:latin typeface="Arial"/>
+              </a:rPr>
+              <a:t>Спасибо за внимание!</a:t>
+            </a:r>
+          </a:p>
+        </p:txBody>
+      </p:sp>
+    </p:spTree>
+  </p:cSld>
+  <p:clrMapOvr>
+    <a:masterClrMapping/>
+  </p:clrMapOvr>
+</p:sld>
+</file>
+
+<file path=ppt/slides/slide2.xml><?xml version="1.0" encoding="utf-8"?>
+<p:sld xmlns:a="http://schemas.openxmlformats.org/drawingml/2006/main" xmlns:r="http://schemas.openxmlformats.org/officeDocument/2006/relationships" xmlns:p="http://schemas.openxmlformats.org/presentationml/2006/main">
+  <p:cSld>
+    <p:spTree>
+      <p:nvGrpSpPr>
+        <p:cNvPr id="1" name=""/>
+        <p:cNvGrpSpPr/>
+        <p:nvPr/>
+      </p:nvGrpSpPr>
+      <p:grpSpPr>
+        <a:xfrm>
+          <a:off x="0" y="0"/>
+          <a:ext cx="0" cy="0"/>
+          <a:chOff x="0" y="0"/>
+          <a:chExt cx="0" cy="0"/>
+        </a:xfrm>
+      </p:grpSpPr>
+      <p:sp>
+        <p:nvSpPr>
           <p:cNvPr id="35" name="PlaceHolder 1"/>
           <p:cNvSpPr>
             <a:spLocks noGrp="1"/>
@@ -3523,9 +3398,10 @@
           </a:ln>
         </p:spPr>
         <p:txBody>
-          <a:bodyPr lIns="0" rIns="0" tIns="0" bIns="0" anchor="ctr">
+          <a:bodyPr lIns="0" tIns="0" rIns="0" bIns="0" anchor="ctr">
             <a:noAutofit/>
           </a:bodyPr>
+          <a:lstStyle/>
           <a:p>
             <a:pPr indent="0" algn="ctr" defTabSz="914400">
               <a:lnSpc>
@@ -3533,11 +3409,11 @@
               </a:lnSpc>
               <a:buNone/>
               <a:tabLst>
-                <a:tab algn="l" pos="0"/>
+                <a:tab pos="0" algn="l"/>
               </a:tabLst>
             </a:pPr>
             <a:r>
-              <a:rPr b="0" lang="ru-RU" sz="4400" spc="-1" strike="noStrike">
+              <a:rPr lang="ru-RU" sz="4400" b="0" strike="noStrike" spc="-1">
                 <a:solidFill>
                   <a:srgbClr val="000000"/>
                 </a:solidFill>
@@ -3549,7 +3425,7 @@
             <a:br>
               <a:rPr sz="4400"/>
             </a:br>
-            <a:endParaRPr b="0" lang="ru-RU" sz="4400" spc="-1" strike="noStrike">
+            <a:endParaRPr lang="ru-RU" sz="4400" b="0" strike="noStrike" spc="-1">
               <a:solidFill>
                 <a:schemeClr val="dk1"/>
               </a:solidFill>
@@ -3582,9 +3458,10 @@
           </a:ln>
         </p:spPr>
         <p:txBody>
-          <a:bodyPr lIns="0" rIns="0" tIns="0" bIns="0" anchor="t">
+          <a:bodyPr lIns="0" tIns="0" rIns="0" bIns="0" anchor="t">
             <a:normAutofit/>
           </a:bodyPr>
+          <a:lstStyle/>
           <a:p>
             <a:pPr indent="0" defTabSz="914400">
               <a:lnSpc>
@@ -3596,7 +3473,7 @@
               <a:buNone/>
             </a:pPr>
             <a:r>
-              <a:rPr b="0" lang="ru-RU" sz="1800" spc="-1" strike="noStrike">
+              <a:rPr lang="ru-RU" sz="1800" b="0" strike="noStrike" spc="-1" dirty="0">
                 <a:solidFill>
                   <a:schemeClr val="dk1"/>
                 </a:solidFill>
@@ -3605,7 +3482,7 @@
               </a:rPr>
               <a:t>«Региональный школьный технопарк» – это динамичное место, где активно развивается техническое и инженерное образование для школьников. Благодаря разнообразию образовательных программ и технических возможностей новых технологий, сотрудникам технопарка необходимо обладать эффективными инструментами для управления программами и ресурсами.</a:t>
             </a:r>
-            <a:endParaRPr b="0" lang="ru-RU" sz="1800" spc="-1" strike="noStrike">
+            <a:endParaRPr lang="ru-RU" sz="1800" b="0" strike="noStrike" spc="-1" dirty="0">
               <a:solidFill>
                 <a:schemeClr val="dk1"/>
               </a:solidFill>
@@ -3622,10 +3499,10 @@
               </a:spcBef>
               <a:buNone/>
               <a:tabLst>
-                <a:tab algn="l" pos="0"/>
+                <a:tab pos="0" algn="l"/>
               </a:tabLst>
             </a:pPr>
-            <a:endParaRPr b="0" lang="ru-RU" sz="1800" spc="-1" strike="noStrike">
+            <a:endParaRPr lang="ru-RU" sz="1800" b="0" strike="noStrike" spc="-1" dirty="0">
               <a:solidFill>
                 <a:schemeClr val="dk1"/>
               </a:solidFill>
@@ -3636,12 +3513,12 @@
       </p:sp>
       <p:pic>
         <p:nvPicPr>
-          <p:cNvPr id="37" name="" descr=""/>
+          <p:cNvPr id="37" name="Рисунок 36"/>
           <p:cNvPicPr/>
           <p:nvPr/>
         </p:nvPicPr>
         <p:blipFill>
-          <a:blip r:embed="rId1"/>
+          <a:blip r:embed="rId2"/>
           <a:stretch/>
         </p:blipFill>
         <p:spPr>
@@ -3659,19 +3536,14 @@
       </p:pic>
     </p:spTree>
   </p:cSld>
-  <mc:AlternateContent>
-    <mc:Choice Requires="p14">
-      <p:transition spd="slow" p14:dur="2000"/>
-    </mc:Choice>
-    <mc:Fallback>
-      <p:transition spd="slow"/>
-    </mc:Fallback>
-  </mc:AlternateContent>
+  <p:clrMapOvr>
+    <a:masterClrMapping/>
+  </p:clrMapOvr>
 </p:sld>
 </file>
 
 <file path=ppt/slides/slide3.xml><?xml version="1.0" encoding="utf-8"?>
-<p:sld xmlns:a="http://schemas.openxmlformats.org/drawingml/2006/main" xmlns:p="http://schemas.openxmlformats.org/presentationml/2006/main" xmlns:r="http://schemas.openxmlformats.org/officeDocument/2006/relationships" xmlns:p14="http://schemas.microsoft.com/office/powerpoint/2010/main" xmlns:p15="http://schemas.microsoft.com/office/powerpoint/2012/main" xmlns:mc="http://schemas.openxmlformats.org/markup-compatibility/2006">
+<p:sld xmlns:a="http://schemas.openxmlformats.org/drawingml/2006/main" xmlns:r="http://schemas.openxmlformats.org/officeDocument/2006/relationships" xmlns:p="http://schemas.openxmlformats.org/presentationml/2006/main">
   <p:cSld>
     <p:spTree>
       <p:nvGrpSpPr>
@@ -3711,9 +3583,10 @@
           </a:ln>
         </p:spPr>
         <p:txBody>
-          <a:bodyPr lIns="0" rIns="0" tIns="0" bIns="0" anchor="ctr">
+          <a:bodyPr lIns="0" tIns="0" rIns="0" bIns="0" anchor="ctr">
             <a:noAutofit/>
           </a:bodyPr>
+          <a:lstStyle/>
           <a:p>
             <a:pPr indent="0" algn="ctr" defTabSz="914400">
               <a:lnSpc>
@@ -3721,11 +3594,11 @@
               </a:lnSpc>
               <a:buNone/>
               <a:tabLst>
-                <a:tab algn="l" pos="0"/>
+                <a:tab pos="0" algn="l"/>
               </a:tabLst>
             </a:pPr>
             <a:r>
-              <a:rPr b="0" lang="ru-RU" sz="4400" spc="-1" strike="noStrike">
+              <a:rPr lang="ru-RU" sz="4400" b="0" strike="noStrike" spc="-1">
                 <a:solidFill>
                   <a:srgbClr val="000000"/>
                 </a:solidFill>
@@ -3734,7 +3607,7 @@
               </a:rPr>
               <a:t>Проблема</a:t>
             </a:r>
-            <a:endParaRPr b="0" lang="ru-RU" sz="4400" spc="-1" strike="noStrike">
+            <a:endParaRPr lang="ru-RU" sz="4400" b="0" strike="noStrike" spc="-1">
               <a:solidFill>
                 <a:schemeClr val="dk1"/>
               </a:solidFill>
@@ -3767,9 +3640,10 @@
           </a:ln>
         </p:spPr>
         <p:txBody>
-          <a:bodyPr lIns="0" rIns="0" tIns="0" bIns="0" anchor="ctr">
+          <a:bodyPr lIns="0" tIns="0" rIns="0" bIns="0" anchor="ctr">
             <a:noAutofit/>
           </a:bodyPr>
+          <a:lstStyle/>
           <a:p>
             <a:pPr indent="0" algn="just">
               <a:lnSpc>
@@ -3778,7 +3652,7 @@
               <a:buNone/>
             </a:pPr>
             <a:r>
-              <a:rPr b="0" lang="ru-RU" sz="1600" spc="-1" strike="noStrike">
+              <a:rPr lang="ru-RU" sz="1600" b="0" strike="noStrike" spc="-1">
                 <a:solidFill>
                   <a:srgbClr val="000000"/>
                 </a:solidFill>
@@ -3787,7 +3661,130 @@
               </a:rPr>
               <a:t>«Региональный школьный технопарк» уже имеет информационную систему, но она обладает несколькими недостатками:</a:t>
             </a:r>
-            <a:endParaRPr b="0" lang="ru-RU" sz="1600" spc="-1" strike="noStrike">
+          </a:p>
+          <a:p>
+            <a:pPr marL="216000" indent="-216000" algn="just">
+              <a:lnSpc>
+                <a:spcPct val="150000"/>
+              </a:lnSpc>
+              <a:buClr>
+                <a:srgbClr val="000000"/>
+              </a:buClr>
+              <a:buSzPct val="45000"/>
+              <a:buFont typeface="Wingdings" charset="2"/>
+              <a:buChar char=""/>
+            </a:pPr>
+            <a:r>
+              <a:rPr lang="ru-RU" sz="1600" b="0" strike="noStrike" spc="-1">
+                <a:solidFill>
+                  <a:srgbClr val="000000"/>
+                </a:solidFill>
+                <a:latin typeface="Times New Roman"/>
+                <a:ea typeface="Times New Roman"/>
+              </a:rPr>
+              <a:t>Ненормированная БД;</a:t>
+            </a:r>
+          </a:p>
+          <a:p>
+            <a:pPr marL="216000" indent="-216000" algn="just">
+              <a:lnSpc>
+                <a:spcPct val="150000"/>
+              </a:lnSpc>
+              <a:buClr>
+                <a:srgbClr val="000000"/>
+              </a:buClr>
+              <a:buSzPct val="45000"/>
+              <a:buFont typeface="Wingdings" charset="2"/>
+              <a:buChar char=""/>
+            </a:pPr>
+            <a:r>
+              <a:rPr lang="ru-RU" sz="1600" b="0" strike="noStrike" spc="-1">
+                <a:solidFill>
+                  <a:srgbClr val="000000"/>
+                </a:solidFill>
+                <a:latin typeface="Times New Roman"/>
+                <a:ea typeface="Times New Roman"/>
+              </a:rPr>
+              <a:t>Отсутствие целостности у запросов к БД;</a:t>
+            </a:r>
+          </a:p>
+          <a:p>
+            <a:pPr marL="216000" indent="-216000" algn="just">
+              <a:lnSpc>
+                <a:spcPct val="150000"/>
+              </a:lnSpc>
+              <a:buClr>
+                <a:srgbClr val="000000"/>
+              </a:buClr>
+              <a:buSzPct val="45000"/>
+              <a:buFont typeface="Wingdings" charset="2"/>
+              <a:buChar char=""/>
+            </a:pPr>
+            <a:r>
+              <a:rPr lang="ru-RU" sz="1600" b="0" strike="noStrike" spc="-1">
+                <a:solidFill>
+                  <a:srgbClr val="000000"/>
+                </a:solidFill>
+                <a:latin typeface="Times New Roman"/>
+                <a:ea typeface="Times New Roman"/>
+              </a:rPr>
+              <a:t>Проблемы масштабировании системы;</a:t>
+            </a:r>
+          </a:p>
+          <a:p>
+            <a:pPr marL="216000" indent="-216000" algn="just">
+              <a:lnSpc>
+                <a:spcPct val="150000"/>
+              </a:lnSpc>
+              <a:buClr>
+                <a:srgbClr val="000000"/>
+              </a:buClr>
+              <a:buSzPct val="45000"/>
+              <a:buFont typeface="Wingdings" charset="2"/>
+              <a:buChar char=""/>
+            </a:pPr>
+            <a:r>
+              <a:rPr lang="ru-RU" sz="1600" b="0" strike="noStrike" spc="-1">
+                <a:solidFill>
+                  <a:srgbClr val="000000"/>
+                </a:solidFill>
+                <a:latin typeface="Times New Roman"/>
+                <a:ea typeface="Times New Roman"/>
+              </a:rPr>
+              <a:t>Отсутствие строгой архитектуры;</a:t>
+            </a:r>
+          </a:p>
+          <a:p>
+            <a:pPr marL="216000" indent="-216000" algn="just">
+              <a:lnSpc>
+                <a:spcPct val="150000"/>
+              </a:lnSpc>
+              <a:buClr>
+                <a:srgbClr val="000000"/>
+              </a:buClr>
+              <a:buSzPct val="45000"/>
+              <a:buFont typeface="Wingdings" charset="2"/>
+              <a:buChar char=""/>
+            </a:pPr>
+            <a:r>
+              <a:rPr lang="ru-RU" sz="1600" b="0" strike="noStrike" spc="-1">
+                <a:solidFill>
+                  <a:srgbClr val="000000"/>
+                </a:solidFill>
+                <a:latin typeface="Times New Roman"/>
+                <a:ea typeface="Times New Roman"/>
+              </a:rPr>
+              <a:t>Проблемы с обеспечением доступа к файлам</a:t>
+            </a:r>
+          </a:p>
+          <a:p>
+            <a:pPr indent="0" algn="just">
+              <a:lnSpc>
+                <a:spcPct val="150000"/>
+              </a:lnSpc>
+              <a:buNone/>
+            </a:pPr>
+            <a:endParaRPr lang="ru-RU" sz="1600" b="0" strike="noStrike" spc="-1">
               <a:solidFill>
                 <a:srgbClr val="000000"/>
               </a:solidFill>
@@ -3795,188 +3792,18 @@
               <a:ea typeface="Times New Roman"/>
             </a:endParaRPr>
           </a:p>
-          <a:p>
-            <a:pPr marL="216000" indent="-216000" algn="just">
-              <a:lnSpc>
-                <a:spcPct val="150000"/>
-              </a:lnSpc>
-              <a:buClr>
-                <a:srgbClr val="000000"/>
-              </a:buClr>
-              <a:buSzPct val="45000"/>
-              <a:buFont typeface="Wingdings" charset="2"/>
-              <a:buChar char=""/>
-            </a:pPr>
-            <a:r>
-              <a:rPr b="0" lang="ru-RU" sz="1600" spc="-1" strike="noStrike">
-                <a:solidFill>
-                  <a:srgbClr val="000000"/>
-                </a:solidFill>
-                <a:latin typeface="Times New Roman"/>
-                <a:ea typeface="Times New Roman"/>
-              </a:rPr>
-              <a:t>Ненормированная БД;</a:t>
-            </a:r>
-            <a:endParaRPr b="0" lang="ru-RU" sz="1600" spc="-1" strike="noStrike">
-              <a:solidFill>
-                <a:srgbClr val="000000"/>
-              </a:solidFill>
-              <a:latin typeface="Times New Roman"/>
-              <a:ea typeface="Times New Roman"/>
-            </a:endParaRPr>
-          </a:p>
-          <a:p>
-            <a:pPr marL="216000" indent="-216000" algn="just">
-              <a:lnSpc>
-                <a:spcPct val="150000"/>
-              </a:lnSpc>
-              <a:buClr>
-                <a:srgbClr val="000000"/>
-              </a:buClr>
-              <a:buSzPct val="45000"/>
-              <a:buFont typeface="Wingdings" charset="2"/>
-              <a:buChar char=""/>
-            </a:pPr>
-            <a:r>
-              <a:rPr b="0" lang="ru-RU" sz="1600" spc="-1" strike="noStrike">
-                <a:solidFill>
-                  <a:srgbClr val="000000"/>
-                </a:solidFill>
-                <a:latin typeface="Times New Roman"/>
-                <a:ea typeface="Times New Roman"/>
-              </a:rPr>
-              <a:t>Отсутствие целостности у запросов к БД;</a:t>
-            </a:r>
-            <a:endParaRPr b="0" lang="ru-RU" sz="1600" spc="-1" strike="noStrike">
-              <a:solidFill>
-                <a:srgbClr val="000000"/>
-              </a:solidFill>
-              <a:latin typeface="Times New Roman"/>
-              <a:ea typeface="Times New Roman"/>
-            </a:endParaRPr>
-          </a:p>
-          <a:p>
-            <a:pPr marL="216000" indent="-216000" algn="just">
-              <a:lnSpc>
-                <a:spcPct val="150000"/>
-              </a:lnSpc>
-              <a:buClr>
-                <a:srgbClr val="000000"/>
-              </a:buClr>
-              <a:buSzPct val="45000"/>
-              <a:buFont typeface="Wingdings" charset="2"/>
-              <a:buChar char=""/>
-            </a:pPr>
-            <a:r>
-              <a:rPr b="0" lang="ru-RU" sz="1600" spc="-1" strike="noStrike">
-                <a:solidFill>
-                  <a:srgbClr val="000000"/>
-                </a:solidFill>
-                <a:latin typeface="Times New Roman"/>
-                <a:ea typeface="Times New Roman"/>
-              </a:rPr>
-              <a:t>Проблемы масштабировании системы;</a:t>
-            </a:r>
-            <a:endParaRPr b="0" lang="ru-RU" sz="1600" spc="-1" strike="noStrike">
-              <a:solidFill>
-                <a:srgbClr val="000000"/>
-              </a:solidFill>
-              <a:latin typeface="Times New Roman"/>
-              <a:ea typeface="Times New Roman"/>
-            </a:endParaRPr>
-          </a:p>
-          <a:p>
-            <a:pPr marL="216000" indent="-216000" algn="just">
-              <a:lnSpc>
-                <a:spcPct val="150000"/>
-              </a:lnSpc>
-              <a:buClr>
-                <a:srgbClr val="000000"/>
-              </a:buClr>
-              <a:buSzPct val="45000"/>
-              <a:buFont typeface="Wingdings" charset="2"/>
-              <a:buChar char=""/>
-            </a:pPr>
-            <a:r>
-              <a:rPr b="0" lang="ru-RU" sz="1600" spc="-1" strike="noStrike">
-                <a:solidFill>
-                  <a:srgbClr val="000000"/>
-                </a:solidFill>
-                <a:latin typeface="Times New Roman"/>
-                <a:ea typeface="Times New Roman"/>
-              </a:rPr>
-              <a:t>Отсутствие строгой архитектуры;</a:t>
-            </a:r>
-            <a:endParaRPr b="0" lang="ru-RU" sz="1600" spc="-1" strike="noStrike">
-              <a:solidFill>
-                <a:srgbClr val="000000"/>
-              </a:solidFill>
-              <a:latin typeface="Times New Roman"/>
-              <a:ea typeface="Times New Roman"/>
-            </a:endParaRPr>
-          </a:p>
-          <a:p>
-            <a:pPr marL="216000" indent="-216000" algn="just">
-              <a:lnSpc>
-                <a:spcPct val="150000"/>
-              </a:lnSpc>
-              <a:buClr>
-                <a:srgbClr val="000000"/>
-              </a:buClr>
-              <a:buSzPct val="45000"/>
-              <a:buFont typeface="Wingdings" charset="2"/>
-              <a:buChar char=""/>
-            </a:pPr>
-            <a:r>
-              <a:rPr b="0" lang="ru-RU" sz="1600" spc="-1" strike="noStrike">
-                <a:solidFill>
-                  <a:srgbClr val="000000"/>
-                </a:solidFill>
-                <a:latin typeface="Times New Roman"/>
-                <a:ea typeface="Times New Roman"/>
-              </a:rPr>
-              <a:t>Проблемы с обеспечением доступа к файлам</a:t>
-            </a:r>
-            <a:endParaRPr b="0" lang="ru-RU" sz="1600" spc="-1" strike="noStrike">
-              <a:solidFill>
-                <a:srgbClr val="000000"/>
-              </a:solidFill>
-              <a:latin typeface="Times New Roman"/>
-              <a:ea typeface="Times New Roman"/>
-            </a:endParaRPr>
-          </a:p>
-          <a:p>
-            <a:pPr indent="0" algn="just">
-              <a:lnSpc>
-                <a:spcPct val="150000"/>
-              </a:lnSpc>
-              <a:buNone/>
-            </a:pPr>
-            <a:endParaRPr b="0" lang="ru-RU" sz="1600" spc="-1" strike="noStrike">
-              <a:solidFill>
-                <a:srgbClr val="000000"/>
-              </a:solidFill>
-              <a:latin typeface="Times New Roman"/>
-              <a:ea typeface="Times New Roman"/>
-            </a:endParaRPr>
-          </a:p>
         </p:txBody>
       </p:sp>
     </p:spTree>
   </p:cSld>
-  <mc:AlternateContent>
-    <mc:Choice Requires="p14">
-      <p:transition spd="slow" p14:dur="2000"/>
-    </mc:Choice>
-    <mc:Fallback>
-      <p:transition spd="slow"/>
-    </mc:Fallback>
-  </mc:AlternateContent>
+  <p:clrMapOvr>
+    <a:masterClrMapping/>
+  </p:clrMapOvr>
 </p:sld>
 </file>
 
 <file path=ppt/slides/slide4.xml><?xml version="1.0" encoding="utf-8"?>
-<p:sld xmlns:a="http://schemas.openxmlformats.org/drawingml/2006/main" xmlns:p="http://schemas.openxmlformats.org/presentationml/2006/main" xmlns:r="http://schemas.openxmlformats.org/officeDocument/2006/relationships" xmlns:p14="http://schemas.microsoft.com/office/powerpoint/2010/main" xmlns:p15="http://schemas.microsoft.com/office/powerpoint/2012/main" xmlns:mc="http://schemas.openxmlformats.org/markup-compatibility/2006">
+<p:sld xmlns:a="http://schemas.openxmlformats.org/drawingml/2006/main" xmlns:r="http://schemas.openxmlformats.org/officeDocument/2006/relationships" xmlns:p="http://schemas.openxmlformats.org/presentationml/2006/main">
   <p:cSld>
     <p:spTree>
       <p:nvGrpSpPr>
@@ -4016,15 +3843,16 @@
           </a:ln>
         </p:spPr>
         <p:txBody>
-          <a:bodyPr lIns="0" rIns="0" tIns="0" bIns="0" anchor="ctr">
+          <a:bodyPr lIns="0" tIns="0" rIns="0" bIns="0" anchor="ctr">
             <a:noAutofit/>
           </a:bodyPr>
+          <a:lstStyle/>
           <a:p>
             <a:pPr indent="0" algn="ctr">
               <a:buNone/>
             </a:pPr>
             <a:r>
-              <a:rPr b="0" lang="ru-RU" sz="4400" spc="-1" strike="noStrike">
+              <a:rPr lang="ru-RU" sz="4400" b="0" strike="noStrike" spc="-1">
                 <a:solidFill>
                   <a:schemeClr val="dk1"/>
                 </a:solidFill>
@@ -4032,12 +3860,6 @@
               </a:rPr>
               <a:t>Актуальность</a:t>
             </a:r>
-            <a:endParaRPr b="0" lang="ru-RU" sz="4400" spc="-1" strike="noStrike">
-              <a:solidFill>
-                <a:schemeClr val="dk1"/>
-              </a:solidFill>
-              <a:latin typeface="Arial"/>
-            </a:endParaRPr>
           </a:p>
         </p:txBody>
       </p:sp>
@@ -4065,9 +3887,10 @@
           </a:ln>
         </p:spPr>
         <p:txBody>
-          <a:bodyPr lIns="0" rIns="0" tIns="0" bIns="0" anchor="t">
+          <a:bodyPr lIns="0" tIns="0" rIns="0" bIns="0" anchor="t">
             <a:normAutofit/>
           </a:bodyPr>
+          <a:lstStyle/>
           <a:p>
             <a:pPr marL="432000" indent="-324000" defTabSz="914400">
               <a:lnSpc>
@@ -4084,7 +3907,7 @@
               <a:buChar char=""/>
             </a:pPr>
             <a:r>
-              <a:rPr b="0" lang="ru-RU" sz="1800" spc="-1" strike="noStrike">
+              <a:rPr lang="ru-RU" sz="1800" b="0" strike="noStrike" spc="-1">
                 <a:solidFill>
                   <a:schemeClr val="dk1"/>
                 </a:solidFill>
@@ -4092,30 +3915,19 @@
               </a:rPr>
               <a:t>Таким образом становится актуальным автоматизация управления образовательным процессом, так как существующая система не способна обеспечить эффективное управление и аналитику.</a:t>
             </a:r>
-            <a:endParaRPr b="0" lang="ru-RU" sz="1800" spc="-1" strike="noStrike">
-              <a:solidFill>
-                <a:schemeClr val="dk1"/>
-              </a:solidFill>
-              <a:latin typeface="Times New Roman"/>
-            </a:endParaRPr>
           </a:p>
         </p:txBody>
       </p:sp>
     </p:spTree>
   </p:cSld>
-  <mc:AlternateContent>
-    <mc:Choice Requires="p14">
-      <p:transition spd="slow" p14:dur="2000"/>
-    </mc:Choice>
-    <mc:Fallback>
-      <p:transition spd="slow"/>
-    </mc:Fallback>
-  </mc:AlternateContent>
+  <p:clrMapOvr>
+    <a:masterClrMapping/>
+  </p:clrMapOvr>
 </p:sld>
 </file>
 
 <file path=ppt/slides/slide5.xml><?xml version="1.0" encoding="utf-8"?>
-<p:sld xmlns:a="http://schemas.openxmlformats.org/drawingml/2006/main" xmlns:p="http://schemas.openxmlformats.org/presentationml/2006/main" xmlns:r="http://schemas.openxmlformats.org/officeDocument/2006/relationships" xmlns:p14="http://schemas.microsoft.com/office/powerpoint/2010/main" xmlns:p15="http://schemas.microsoft.com/office/powerpoint/2012/main" xmlns:mc="http://schemas.openxmlformats.org/markup-compatibility/2006">
+<p:sld xmlns:a="http://schemas.openxmlformats.org/drawingml/2006/main" xmlns:r="http://schemas.openxmlformats.org/officeDocument/2006/relationships" xmlns:p="http://schemas.openxmlformats.org/presentationml/2006/main">
   <p:cSld>
     <p:spTree>
       <p:nvGrpSpPr>
@@ -4155,15 +3967,16 @@
           </a:ln>
         </p:spPr>
         <p:txBody>
-          <a:bodyPr lIns="0" rIns="0" tIns="0" bIns="0" anchor="ctr">
+          <a:bodyPr lIns="0" tIns="0" rIns="0" bIns="0" anchor="ctr">
             <a:noAutofit/>
           </a:bodyPr>
+          <a:lstStyle/>
           <a:p>
             <a:pPr indent="0" algn="ctr">
               <a:buNone/>
             </a:pPr>
             <a:r>
-              <a:rPr b="0" lang="ru-RU" sz="4400" spc="-1" strike="noStrike">
+              <a:rPr lang="ru-RU" sz="4400" b="0" strike="noStrike" spc="-1">
                 <a:solidFill>
                   <a:schemeClr val="dk1"/>
                 </a:solidFill>
@@ -4171,12 +3984,6 @@
               </a:rPr>
               <a:t>Предметная область</a:t>
             </a:r>
-            <a:endParaRPr b="0" lang="ru-RU" sz="4400" spc="-1" strike="noStrike">
-              <a:solidFill>
-                <a:schemeClr val="dk1"/>
-              </a:solidFill>
-              <a:latin typeface="Arial"/>
-            </a:endParaRPr>
           </a:p>
         </p:txBody>
       </p:sp>
@@ -4204,9 +4011,10 @@
           </a:ln>
         </p:spPr>
         <p:txBody>
-          <a:bodyPr lIns="0" rIns="0" tIns="0" bIns="0" anchor="t">
+          <a:bodyPr lIns="0" tIns="0" rIns="0" bIns="0" anchor="t">
             <a:normAutofit/>
           </a:bodyPr>
+          <a:lstStyle/>
           <a:p>
             <a:pPr indent="0">
               <a:lnSpc>
@@ -4217,7 +4025,7 @@
               </a:spcBef>
               <a:buNone/>
             </a:pPr>
-            <a:endParaRPr b="0" lang="ru-RU" sz="2800" spc="-1" strike="noStrike">
+            <a:endParaRPr lang="ru-RU" sz="2800" b="0" strike="noStrike" spc="-1">
               <a:solidFill>
                 <a:schemeClr val="dk1"/>
               </a:solidFill>
@@ -4228,18 +4036,18 @@
       </p:sp>
       <p:pic>
         <p:nvPicPr>
-          <p:cNvPr id="44" name="" descr=""/>
+          <p:cNvPr id="44" name="Рисунок 43"/>
           <p:cNvPicPr/>
           <p:nvPr/>
         </p:nvPicPr>
         <p:blipFill>
-          <a:blip r:embed="rId1"/>
+          <a:blip r:embed="rId2"/>
           <a:stretch/>
         </p:blipFill>
         <p:spPr>
           <a:xfrm>
-            <a:off x="3240" y="885600"/>
-            <a:ext cx="10080360" cy="3897000"/>
+            <a:off x="3240" y="1055350"/>
+            <a:ext cx="10080360" cy="3727250"/>
           </a:xfrm>
           <a:prstGeom prst="rect">
             <a:avLst/>
@@ -4251,19 +4059,14 @@
       </p:pic>
     </p:spTree>
   </p:cSld>
-  <mc:AlternateContent>
-    <mc:Choice Requires="p14">
-      <p:transition spd="slow" p14:dur="2000"/>
-    </mc:Choice>
-    <mc:Fallback>
-      <p:transition spd="slow"/>
-    </mc:Fallback>
-  </mc:AlternateContent>
+  <p:clrMapOvr>
+    <a:masterClrMapping/>
+  </p:clrMapOvr>
 </p:sld>
 </file>
 
 <file path=ppt/slides/slide6.xml><?xml version="1.0" encoding="utf-8"?>
-<p:sld xmlns:a="http://schemas.openxmlformats.org/drawingml/2006/main" xmlns:p="http://schemas.openxmlformats.org/presentationml/2006/main" xmlns:r="http://schemas.openxmlformats.org/officeDocument/2006/relationships" xmlns:p14="http://schemas.microsoft.com/office/powerpoint/2010/main" xmlns:p15="http://schemas.microsoft.com/office/powerpoint/2012/main" xmlns:mc="http://schemas.openxmlformats.org/markup-compatibility/2006">
+<p:sld xmlns:a="http://schemas.openxmlformats.org/drawingml/2006/main" xmlns:r="http://schemas.openxmlformats.org/officeDocument/2006/relationships" xmlns:p="http://schemas.openxmlformats.org/presentationml/2006/main">
   <p:cSld>
     <p:spTree>
       <p:nvGrpSpPr>
@@ -4303,9 +4106,10 @@
           </a:ln>
         </p:spPr>
         <p:txBody>
-          <a:bodyPr lIns="0" rIns="0" tIns="0" bIns="0" anchor="ctr">
+          <a:bodyPr lIns="0" tIns="0" rIns="0" bIns="0" anchor="ctr">
             <a:noAutofit/>
           </a:bodyPr>
+          <a:lstStyle/>
           <a:p>
             <a:pPr indent="0" algn="ctr" defTabSz="914400">
               <a:lnSpc>
@@ -4313,11 +4117,11 @@
               </a:lnSpc>
               <a:buNone/>
               <a:tabLst>
-                <a:tab algn="l" pos="0"/>
+                <a:tab pos="0" algn="l"/>
               </a:tabLst>
             </a:pPr>
             <a:r>
-              <a:rPr b="0" lang="ru-RU" sz="4400" spc="-1" strike="noStrike">
+              <a:rPr lang="ru-RU" sz="4400" b="0" strike="noStrike" spc="-1">
                 <a:solidFill>
                   <a:schemeClr val="dk1"/>
                 </a:solidFill>
@@ -4326,7 +4130,7 @@
               </a:rPr>
               <a:t>Существующая система</a:t>
             </a:r>
-            <a:endParaRPr b="0" lang="ru-RU" sz="4400" spc="-1" strike="noStrike">
+            <a:endParaRPr lang="ru-RU" sz="4400" b="0" strike="noStrike" spc="-1">
               <a:solidFill>
                 <a:schemeClr val="dk1"/>
               </a:solidFill>
@@ -4359,9 +4163,10 @@
           </a:ln>
         </p:spPr>
         <p:txBody>
-          <a:bodyPr lIns="0" rIns="0" tIns="0" bIns="0" anchor="t">
+          <a:bodyPr lIns="0" tIns="0" rIns="0" bIns="0" anchor="t">
             <a:normAutofit/>
           </a:bodyPr>
+          <a:lstStyle/>
           <a:p>
             <a:pPr indent="0">
               <a:lnSpc>
@@ -4372,7 +4177,7 @@
               </a:spcBef>
               <a:buNone/>
             </a:pPr>
-            <a:endParaRPr b="0" lang="ru-RU" sz="2800" spc="-1" strike="noStrike">
+            <a:endParaRPr lang="ru-RU" sz="2800" b="0" strike="noStrike" spc="-1">
               <a:solidFill>
                 <a:schemeClr val="dk1"/>
               </a:solidFill>
@@ -4383,12 +4188,12 @@
       </p:sp>
       <p:pic>
         <p:nvPicPr>
-          <p:cNvPr id="47" name="" descr=""/>
+          <p:cNvPr id="47" name="Рисунок 46"/>
           <p:cNvPicPr/>
           <p:nvPr/>
         </p:nvPicPr>
         <p:blipFill>
-          <a:blip r:embed="rId1"/>
+          <a:blip r:embed="rId2"/>
           <a:stretch/>
         </p:blipFill>
         <p:spPr>
@@ -4406,12 +4211,12 @@
       </p:pic>
       <p:pic>
         <p:nvPicPr>
-          <p:cNvPr id="48" name="" descr=""/>
+          <p:cNvPr id="48" name="Рисунок 47"/>
           <p:cNvPicPr/>
           <p:nvPr/>
         </p:nvPicPr>
         <p:blipFill>
-          <a:blip r:embed="rId2"/>
+          <a:blip r:embed="rId3"/>
           <a:stretch/>
         </p:blipFill>
         <p:spPr>
@@ -4429,7 +4234,7 @@
       </p:pic>
       <p:sp>
         <p:nvSpPr>
-          <p:cNvPr id="49" name=""/>
+          <p:cNvPr id="49" name="Крест 48"/>
           <p:cNvSpPr/>
           <p:nvPr/>
         </p:nvSpPr>
@@ -4444,30 +4249,37 @@
             </a:avLst>
           </a:prstGeom>
           <a:solidFill>
-            <a:srgbClr val="ff0000">
+            <a:srgbClr val="FF0000">
               <a:alpha val="57000"/>
             </a:srgbClr>
           </a:solidFill>
           <a:ln w="0">
             <a:solidFill>
-              <a:srgbClr val="ff0000"/>
+              <a:srgbClr val="FF0000"/>
             </a:solidFill>
           </a:ln>
         </p:spPr>
         <p:style>
-          <a:lnRef idx="0"/>
-          <a:fillRef idx="0"/>
-          <a:effectRef idx="0"/>
+          <a:lnRef idx="0">
+            <a:scrgbClr r="0" g="0" b="0"/>
+          </a:lnRef>
+          <a:fillRef idx="0">
+            <a:scrgbClr r="0" g="0" b="0"/>
+          </a:fillRef>
+          <a:effectRef idx="0">
+            <a:scrgbClr r="0" g="0" b="0"/>
+          </a:effectRef>
           <a:fontRef idx="minor"/>
         </p:style>
         <p:txBody>
-          <a:bodyPr lIns="90000" rIns="90000" tIns="45000" bIns="45000" anchor="ctr">
+          <a:bodyPr lIns="90000" tIns="45000" rIns="90000" bIns="45000" anchor="ctr">
             <a:noAutofit/>
           </a:bodyPr>
-          <a:p>
-            <a:endParaRPr b="0" lang="ru-RU" sz="1800" spc="-1" strike="noStrike">
+          <a:lstStyle/>
+          <a:p>
+            <a:endParaRPr lang="ru-RU" sz="1800" b="0" strike="noStrike" spc="-1">
               <a:solidFill>
-                <a:srgbClr val="ffffff"/>
+                <a:srgbClr val="FFFFFF"/>
               </a:solidFill>
               <a:latin typeface="Arial"/>
             </a:endParaRPr>
@@ -4476,7 +4288,7 @@
       </p:sp>
       <p:sp>
         <p:nvSpPr>
-          <p:cNvPr id="50" name=""/>
+          <p:cNvPr id="50" name="Прямоугольник 49"/>
           <p:cNvSpPr/>
           <p:nvPr/>
         </p:nvSpPr>
@@ -4491,23 +4303,30 @@
           <a:noFill/>
           <a:ln w="29160">
             <a:solidFill>
-              <a:srgbClr val="ff0000"/>
+              <a:srgbClr val="FF0000"/>
             </a:solidFill>
             <a:round/>
           </a:ln>
         </p:spPr>
         <p:style>
-          <a:lnRef idx="0"/>
-          <a:fillRef idx="0"/>
-          <a:effectRef idx="0"/>
+          <a:lnRef idx="0">
+            <a:scrgbClr r="0" g="0" b="0"/>
+          </a:lnRef>
+          <a:fillRef idx="0">
+            <a:scrgbClr r="0" g="0" b="0"/>
+          </a:fillRef>
+          <a:effectRef idx="0">
+            <a:scrgbClr r="0" g="0" b="0"/>
+          </a:effectRef>
           <a:fontRef idx="minor"/>
         </p:style>
         <p:txBody>
-          <a:bodyPr lIns="104400" rIns="104400" tIns="59400" bIns="59400" anchor="ctr">
+          <a:bodyPr lIns="104400" tIns="59400" rIns="104400" bIns="59400" anchor="ctr">
             <a:noAutofit/>
           </a:bodyPr>
-          <a:p>
-            <a:endParaRPr b="0" lang="ru-RU" sz="1800" spc="-1" strike="noStrike">
+          <a:lstStyle/>
+          <a:p>
+            <a:endParaRPr lang="ru-RU" sz="1800" b="0" strike="noStrike" spc="-1">
               <a:solidFill>
                 <a:srgbClr val="000000"/>
               </a:solidFill>
@@ -4518,14 +4337,9 @@
       </p:sp>
     </p:spTree>
   </p:cSld>
-  <mc:AlternateContent>
-    <mc:Choice Requires="p14">
-      <p:transition spd="slow" p14:dur="2000"/>
-    </mc:Choice>
-    <mc:Fallback>
-      <p:transition spd="slow"/>
-    </mc:Fallback>
-  </mc:AlternateContent>
+  <p:clrMapOvr>
+    <a:masterClrMapping/>
+  </p:clrMapOvr>
   <p:timing>
     <p:tnLst>
       <p:par>
@@ -4547,7 +4361,7 @@
                             </p:stCondLst>
                             <p:childTnLst>
                               <p:par>
-                                <p:cTn id="5" nodeType="clickEffect" fill="hold" presetClass="entr" presetID="19" presetSubtype="10">
+                                <p:cTn id="5" presetID="19" presetClass="entr" presetSubtype="10" fill="hold" nodeType="clickEffect">
                                   <p:stCondLst>
                                     <p:cond delay="0"/>
                                   </p:stCondLst>
@@ -4581,12 +4395,12 @@
                                         </p:attrNameLst>
                                       </p:cBhvr>
                                       <p:tavLst>
-                                        <p:tav fmla="width*sin(2.5*pi*$)" tm="0">
+                                        <p:tav tm="0" fmla="width*sin(2.5*pi*$)">
                                           <p:val>
                                             <p:strVal val="0"/>
                                           </p:val>
                                         </p:tav>
-                                        <p:tav fmla="width*sin(2.5*pi*$)" tm="100000">
+                                        <p:tav tm="100000" fmla="width*sin(2.5*pi*$)">
                                           <p:val>
                                             <p:strVal val="1"/>
                                           </p:val>
@@ -4638,7 +4452,7 @@
                             </p:stCondLst>
                             <p:childTnLst>
                               <p:par>
-                                <p:cTn id="11" nodeType="clickEffect" fill="hold" presetClass="entr" presetID="13" presetSubtype="16">
+                                <p:cTn id="11" presetID="13" presetClass="entr" presetSubtype="16" fill="hold" nodeType="clickEffect">
                                   <p:stCondLst>
                                     <p:cond delay="0"/>
                                   </p:stCondLst>
@@ -4661,7 +4475,7 @@
                                         <p:strVal val="visible"/>
                                       </p:to>
                                     </p:set>
-                                    <p:animEffect filter="plus(in)" transition="in">
+                                    <p:animEffect transition="in" filter="plus(in)">
                                       <p:cBhvr additive="repl">
                                         <p:cTn id="13" dur="2000"/>
                                         <p:tgtEl>
@@ -4681,14 +4495,14 @@
                 </p:childTnLst>
               </p:cTn>
               <p:prevCondLst>
-                <p:cond evt="onPrev">
+                <p:cond evt="onPrev" delay="0">
                   <p:tgtEl>
                     <p:sldTgt/>
                   </p:tgtEl>
                 </p:cond>
               </p:prevCondLst>
               <p:nextCondLst>
-                <p:cond evt="onNext">
+                <p:cond evt="onNext" delay="0">
                   <p:tgtEl>
                     <p:sldTgt/>
                   </p:tgtEl>
@@ -4704,7 +4518,7 @@
 </file>
 
 <file path=ppt/slides/slide7.xml><?xml version="1.0" encoding="utf-8"?>
-<p:sld xmlns:a="http://schemas.openxmlformats.org/drawingml/2006/main" xmlns:p="http://schemas.openxmlformats.org/presentationml/2006/main" xmlns:r="http://schemas.openxmlformats.org/officeDocument/2006/relationships" xmlns:p14="http://schemas.microsoft.com/office/powerpoint/2010/main" xmlns:p15="http://schemas.microsoft.com/office/powerpoint/2012/main" xmlns:mc="http://schemas.openxmlformats.org/markup-compatibility/2006">
+<p:sld xmlns:a="http://schemas.openxmlformats.org/drawingml/2006/main" xmlns:r="http://schemas.openxmlformats.org/officeDocument/2006/relationships" xmlns:p="http://schemas.openxmlformats.org/presentationml/2006/main">
   <p:cSld>
     <p:spTree>
       <p:nvGrpSpPr>
@@ -4744,9 +4558,10 @@
           </a:ln>
         </p:spPr>
         <p:txBody>
-          <a:bodyPr lIns="0" rIns="0" tIns="0" bIns="0" anchor="ctr">
+          <a:bodyPr lIns="0" tIns="0" rIns="0" bIns="0" anchor="ctr">
             <a:noAutofit/>
           </a:bodyPr>
+          <a:lstStyle/>
           <a:p>
             <a:pPr indent="0" algn="ctr" defTabSz="914400">
               <a:lnSpc>
@@ -4754,11 +4569,11 @@
               </a:lnSpc>
               <a:buNone/>
               <a:tabLst>
-                <a:tab algn="l" pos="0"/>
+                <a:tab pos="0" algn="l"/>
               </a:tabLst>
             </a:pPr>
             <a:r>
-              <a:rPr b="0" lang="ru-RU" sz="4400" spc="-1" strike="noStrike">
+              <a:rPr lang="ru-RU" sz="4400" b="0" strike="noStrike" spc="-1">
                 <a:solidFill>
                   <a:schemeClr val="dk1"/>
                 </a:solidFill>
@@ -4767,7 +4582,7 @@
               </a:rPr>
               <a:t>Желаемый принцип работы</a:t>
             </a:r>
-            <a:endParaRPr b="0" lang="ru-RU" sz="4400" spc="-1" strike="noStrike">
+            <a:endParaRPr lang="ru-RU" sz="4400" b="0" strike="noStrike" spc="-1">
               <a:solidFill>
                 <a:schemeClr val="dk1"/>
               </a:solidFill>
@@ -4800,9 +4615,10 @@
           </a:ln>
         </p:spPr>
         <p:txBody>
-          <a:bodyPr lIns="0" rIns="0" tIns="0" bIns="0" anchor="t">
+          <a:bodyPr lIns="0" tIns="0" rIns="0" bIns="0" anchor="t">
             <a:normAutofit/>
           </a:bodyPr>
+          <a:lstStyle/>
           <a:p>
             <a:pPr indent="0">
               <a:lnSpc>
@@ -4813,7 +4629,7 @@
               </a:spcBef>
               <a:buNone/>
             </a:pPr>
-            <a:endParaRPr b="0" lang="ru-RU" sz="2800" spc="-1" strike="noStrike">
+            <a:endParaRPr lang="ru-RU" sz="2800" b="0" strike="noStrike" spc="-1">
               <a:solidFill>
                 <a:schemeClr val="dk1"/>
               </a:solidFill>
@@ -4824,12 +4640,12 @@
       </p:sp>
       <p:pic>
         <p:nvPicPr>
-          <p:cNvPr id="53" name="" descr=""/>
+          <p:cNvPr id="53" name="Рисунок 52"/>
           <p:cNvPicPr/>
           <p:nvPr/>
         </p:nvPicPr>
         <p:blipFill>
-          <a:blip r:embed="rId1"/>
+          <a:blip r:embed="rId2"/>
           <a:stretch/>
         </p:blipFill>
         <p:spPr>
@@ -4847,7 +4663,7 @@
       </p:pic>
       <p:sp>
         <p:nvSpPr>
-          <p:cNvPr id="54" name=""/>
+          <p:cNvPr id="54" name="Прямоугольник 53"/>
           <p:cNvSpPr/>
           <p:nvPr/>
         </p:nvSpPr>
@@ -4868,17 +4684,24 @@
           </a:ln>
         </p:spPr>
         <p:style>
-          <a:lnRef idx="0"/>
-          <a:fillRef idx="0"/>
-          <a:effectRef idx="0"/>
+          <a:lnRef idx="0">
+            <a:scrgbClr r="0" g="0" b="0"/>
+          </a:lnRef>
+          <a:fillRef idx="0">
+            <a:scrgbClr r="0" g="0" b="0"/>
+          </a:fillRef>
+          <a:effectRef idx="0">
+            <a:scrgbClr r="0" g="0" b="0"/>
+          </a:effectRef>
           <a:fontRef idx="minor"/>
         </p:style>
         <p:txBody>
-          <a:bodyPr lIns="109080" rIns="109080" tIns="64080" bIns="64080" anchor="ctr">
+          <a:bodyPr lIns="109080" tIns="64080" rIns="109080" bIns="64080" anchor="ctr">
             <a:noAutofit/>
           </a:bodyPr>
-          <a:p>
-            <a:endParaRPr b="0" lang="ru-RU" sz="1800" spc="-1" strike="noStrike">
+          <a:lstStyle/>
+          <a:p>
+            <a:endParaRPr lang="ru-RU" sz="1800" b="0" strike="noStrike" spc="-1">
               <a:solidFill>
                 <a:srgbClr val="000000"/>
               </a:solidFill>
@@ -4889,43 +4712,38 @@
       </p:sp>
     </p:spTree>
   </p:cSld>
-  <mc:AlternateContent>
-    <mc:Choice Requires="p14">
-      <p:transition spd="slow" p14:dur="2000"/>
-    </mc:Choice>
-    <mc:Fallback>
-      <p:transition spd="slow"/>
-    </mc:Fallback>
-  </mc:AlternateContent>
+  <p:clrMapOvr>
+    <a:masterClrMapping/>
+  </p:clrMapOvr>
   <p:timing>
     <p:tnLst>
       <p:par>
-        <p:cTn id="14" dur="indefinite" restart="never" nodeType="tmRoot">
+        <p:cTn id="1" dur="indefinite" restart="never" nodeType="tmRoot">
           <p:childTnLst>
             <p:seq>
-              <p:cTn id="15" dur="indefinite" nodeType="mainSeq">
+              <p:cTn id="2" dur="indefinite" nodeType="mainSeq">
                 <p:childTnLst>
                   <p:par>
-                    <p:cTn id="16" fill="hold">
+                    <p:cTn id="3" fill="hold">
                       <p:stCondLst>
                         <p:cond delay="indefinite"/>
                       </p:stCondLst>
                       <p:childTnLst>
                         <p:par>
-                          <p:cTn id="17" fill="hold">
+                          <p:cTn id="4" fill="hold">
                             <p:stCondLst>
                               <p:cond delay="0"/>
                             </p:stCondLst>
                             <p:childTnLst>
                               <p:par>
-                                <p:cTn id="18" nodeType="clickEffect" fill="hold" presetClass="entr" presetID="1">
+                                <p:cTn id="5" presetID="1" presetClass="entr" fill="hold" nodeType="clickEffect">
                                   <p:stCondLst>
                                     <p:cond delay="0"/>
                                   </p:stCondLst>
                                   <p:childTnLst>
                                     <p:set>
                                       <p:cBhvr>
-                                        <p:cTn id="19" dur="1" fill="hold">
+                                        <p:cTn id="6" dur="1" fill="hold">
                                           <p:stCondLst>
                                             <p:cond delay="0"/>
                                           </p:stCondLst>
@@ -4953,14 +4771,14 @@
                 </p:childTnLst>
               </p:cTn>
               <p:prevCondLst>
-                <p:cond evt="onPrev">
+                <p:cond evt="onPrev" delay="0">
                   <p:tgtEl>
                     <p:sldTgt/>
                   </p:tgtEl>
                 </p:cond>
               </p:prevCondLst>
               <p:nextCondLst>
-                <p:cond evt="onNext">
+                <p:cond evt="onNext" delay="0">
                   <p:tgtEl>
                     <p:sldTgt/>
                   </p:tgtEl>
@@ -4976,7 +4794,7 @@
 </file>
 
 <file path=ppt/slides/slide8.xml><?xml version="1.0" encoding="utf-8"?>
-<p:sld xmlns:a="http://schemas.openxmlformats.org/drawingml/2006/main" xmlns:p="http://schemas.openxmlformats.org/presentationml/2006/main" xmlns:r="http://schemas.openxmlformats.org/officeDocument/2006/relationships" xmlns:p14="http://schemas.microsoft.com/office/powerpoint/2010/main" xmlns:p15="http://schemas.microsoft.com/office/powerpoint/2012/main" xmlns:mc="http://schemas.openxmlformats.org/markup-compatibility/2006">
+<p:sld xmlns:a="http://schemas.openxmlformats.org/drawingml/2006/main" xmlns:r="http://schemas.openxmlformats.org/officeDocument/2006/relationships" xmlns:p="http://schemas.openxmlformats.org/presentationml/2006/main">
   <p:cSld>
     <p:spTree>
       <p:nvGrpSpPr>
@@ -5016,9 +4834,10 @@
           </a:ln>
         </p:spPr>
         <p:txBody>
-          <a:bodyPr lIns="0" rIns="0" tIns="0" bIns="0" anchor="ctr">
+          <a:bodyPr lIns="0" tIns="0" rIns="0" bIns="0" anchor="ctr">
             <a:noAutofit/>
           </a:bodyPr>
+          <a:lstStyle/>
           <a:p>
             <a:pPr indent="0" algn="ctr" defTabSz="914400">
               <a:lnSpc>
@@ -5026,11 +4845,11 @@
               </a:lnSpc>
               <a:buNone/>
               <a:tabLst>
-                <a:tab algn="l" pos="0"/>
+                <a:tab pos="0" algn="l"/>
               </a:tabLst>
             </a:pPr>
             <a:r>
-              <a:rPr b="0" lang="ru-RU" sz="4400" spc="-1" strike="noStrike">
+              <a:rPr lang="ru-RU" sz="4400" b="0" strike="noStrike" spc="-1">
                 <a:solidFill>
                   <a:srgbClr val="000000"/>
                 </a:solidFill>
@@ -5039,7 +4858,7 @@
               </a:rPr>
               <a:t>Цели и задачи</a:t>
             </a:r>
-            <a:endParaRPr b="0" lang="ru-RU" sz="4400" spc="-1" strike="noStrike">
+            <a:endParaRPr lang="ru-RU" sz="4400" b="0" strike="noStrike" spc="-1">
               <a:solidFill>
                 <a:schemeClr val="dk1"/>
               </a:solidFill>
@@ -5072,9 +4891,10 @@
           </a:ln>
         </p:spPr>
         <p:txBody>
-          <a:bodyPr lIns="0" rIns="0" tIns="0" bIns="0" anchor="t">
-            <a:normAutofit fontScale="87222" lnSpcReduction="10000"/>
+          <a:bodyPr lIns="0" tIns="0" rIns="0" bIns="0" anchor="t">
+            <a:normAutofit fontScale="87222"/>
           </a:bodyPr>
+          <a:lstStyle/>
           <a:p>
             <a:pPr indent="0" algn="just">
               <a:lnSpc>
@@ -5086,7 +4906,7 @@
               <a:buNone/>
             </a:pPr>
             <a:r>
-              <a:rPr b="1" lang="ru-RU" sz="1800" spc="-1" strike="noStrike">
+              <a:rPr lang="ru-RU" sz="1800" b="1" strike="noStrike" spc="-1">
                 <a:solidFill>
                   <a:srgbClr val="000000"/>
                 </a:solidFill>
@@ -5095,7 +4915,7 @@
               <a:t>Цель:</a:t>
             </a:r>
             <a:r>
-              <a:rPr b="0" lang="ru-RU" sz="1800" spc="-1" strike="noStrike">
+              <a:rPr lang="ru-RU" sz="1800" b="0" strike="noStrike" spc="-1">
                 <a:solidFill>
                   <a:srgbClr val="000000"/>
                 </a:solidFill>
@@ -5104,7 +4924,7 @@
               <a:t> </a:t>
             </a:r>
             <a:r>
-              <a:rPr b="0" lang="ru-RU" sz="1800" spc="-1" strike="noStrike">
+              <a:rPr lang="ru-RU" sz="1800" b="0" strike="noStrike" spc="-1">
                 <a:solidFill>
                   <a:srgbClr val="000000"/>
                 </a:solidFill>
@@ -5113,7 +4933,7 @@
               </a:rPr>
               <a:t> автоматизировать управление образовательным процессом и документооборотом в организации «Региональный школьный технопарк» путём создания эффективной информационной системы</a:t>
             </a:r>
-            <a:endParaRPr b="0" lang="ru-RU" sz="1800" spc="-1" strike="noStrike">
+            <a:endParaRPr lang="ru-RU" sz="1800" b="0" strike="noStrike" spc="-1">
               <a:solidFill>
                 <a:srgbClr val="000000"/>
               </a:solidFill>
@@ -5131,7 +4951,7 @@
               <a:buNone/>
             </a:pPr>
             <a:r>
-              <a:rPr b="1" lang="ru-RU" sz="1800" spc="-1" strike="noStrike">
+              <a:rPr lang="ru-RU" sz="1800" b="1" strike="noStrike" spc="-1">
                 <a:solidFill>
                   <a:srgbClr val="000000"/>
                 </a:solidFill>
@@ -5140,7 +4960,7 @@
               </a:rPr>
               <a:t>Задачи:</a:t>
             </a:r>
-            <a:endParaRPr b="0" lang="ru-RU" sz="1800" spc="-1" strike="noStrike">
+            <a:endParaRPr lang="ru-RU" sz="1800" b="0" strike="noStrike" spc="-1">
               <a:solidFill>
                 <a:srgbClr val="000000"/>
               </a:solidFill>
@@ -5160,7 +4980,7 @@
               <a:buChar char=""/>
             </a:pPr>
             <a:r>
-              <a:rPr b="0" lang="ru-RU" sz="1800" spc="-1" strike="noStrike">
+              <a:rPr lang="ru-RU" sz="1800" b="0" strike="noStrike" spc="-1">
                 <a:solidFill>
                   <a:srgbClr val="000000"/>
                 </a:solidFill>
@@ -5169,7 +4989,7 @@
               </a:rPr>
               <a:t>изучение необходимого теоретического материала;</a:t>
             </a:r>
-            <a:endParaRPr b="0" lang="ru-RU" sz="1800" spc="-1" strike="noStrike">
+            <a:endParaRPr lang="ru-RU" sz="1800" b="0" strike="noStrike" spc="-1">
               <a:solidFill>
                 <a:srgbClr val="000000"/>
               </a:solidFill>
@@ -5189,7 +5009,7 @@
               <a:buChar char=""/>
             </a:pPr>
             <a:r>
-              <a:rPr b="0" lang="ru-RU" sz="1800" spc="-1" strike="noStrike">
+              <a:rPr lang="ru-RU" sz="1800" b="0" strike="noStrike" spc="-1">
                 <a:solidFill>
                   <a:srgbClr val="000000"/>
                 </a:solidFill>
@@ -5198,7 +5018,7 @@
               </a:rPr>
               <a:t>проведение анализа предметной области, требований заказчика; </a:t>
             </a:r>
-            <a:endParaRPr b="0" lang="ru-RU" sz="1800" spc="-1" strike="noStrike">
+            <a:endParaRPr lang="ru-RU" sz="1800" b="0" strike="noStrike" spc="-1">
               <a:solidFill>
                 <a:schemeClr val="dk1"/>
               </a:solidFill>
@@ -5219,7 +5039,7 @@
               <a:buChar char=""/>
             </a:pPr>
             <a:r>
-              <a:rPr b="0" lang="ru-RU" sz="1800" spc="-1" strike="noStrike">
+              <a:rPr lang="ru-RU" sz="1800" b="0" strike="noStrike" spc="-1">
                 <a:solidFill>
                   <a:srgbClr val="000000"/>
                 </a:solidFill>
@@ -5228,7 +5048,7 @@
               </a:rPr>
               <a:t>составление примерного плана разработки;</a:t>
             </a:r>
-            <a:endParaRPr b="0" lang="ru-RU" sz="1800" spc="-1" strike="noStrike">
+            <a:endParaRPr lang="ru-RU" sz="1800" b="0" strike="noStrike" spc="-1">
               <a:solidFill>
                 <a:schemeClr val="dk1"/>
               </a:solidFill>
@@ -5249,7 +5069,7 @@
               <a:buChar char=""/>
             </a:pPr>
             <a:r>
-              <a:rPr b="0" lang="ru-RU" sz="1800" spc="-1" strike="noStrike">
+              <a:rPr lang="ru-RU" sz="1800" b="0" strike="noStrike" spc="-1">
                 <a:solidFill>
                   <a:srgbClr val="000000"/>
                 </a:solidFill>
@@ -5258,13 +5078,6 @@
               </a:rPr>
               <a:t>проектирование базы данных;</a:t>
             </a:r>
-            <a:endParaRPr b="0" lang="ru-RU" sz="1800" spc="-1" strike="noStrike">
-              <a:solidFill>
-                <a:srgbClr val="000000"/>
-              </a:solidFill>
-              <a:latin typeface="Times New Roman"/>
-              <a:ea typeface="Times New Roman"/>
-            </a:endParaRPr>
           </a:p>
           <a:p>
             <a:pPr marL="678240" indent="-228600" algn="just">
@@ -5279,7 +5092,7 @@
               <a:buChar char=""/>
             </a:pPr>
             <a:r>
-              <a:rPr b="0" lang="ru-RU" sz="1800" spc="-1" strike="noStrike">
+              <a:rPr lang="ru-RU" sz="1800" b="0" strike="noStrike" spc="-1">
                 <a:solidFill>
                   <a:srgbClr val="000000"/>
                 </a:solidFill>
@@ -5288,7 +5101,7 @@
               </a:rPr>
               <a:t>разработка и тестирование программного продукта;</a:t>
             </a:r>
-            <a:endParaRPr b="0" lang="ru-RU" sz="1800" spc="-1" strike="noStrike">
+            <a:endParaRPr lang="ru-RU" sz="1800" b="0" strike="noStrike" spc="-1">
               <a:solidFill>
                 <a:schemeClr val="dk1"/>
               </a:solidFill>
@@ -5309,7 +5122,7 @@
               <a:buChar char=""/>
             </a:pPr>
             <a:r>
-              <a:rPr b="0" lang="ru-RU" sz="1800" spc="-1" strike="noStrike">
+              <a:rPr lang="ru-RU" sz="1800" b="0" strike="noStrike" spc="-1">
                 <a:solidFill>
                   <a:srgbClr val="000000"/>
                 </a:solidFill>
@@ -5318,7 +5131,7 @@
               </a:rPr>
               <a:t>написание технической документации;</a:t>
             </a:r>
-            <a:endParaRPr b="0" lang="ru-RU" sz="1800" spc="-1" strike="noStrike">
+            <a:endParaRPr lang="ru-RU" sz="1800" b="0" strike="noStrike" spc="-1">
               <a:solidFill>
                 <a:schemeClr val="dk1"/>
               </a:solidFill>
@@ -5339,7 +5152,7 @@
               <a:buChar char=""/>
             </a:pPr>
             <a:r>
-              <a:rPr b="0" lang="ru-RU" sz="1800" spc="-1" strike="noStrike">
+              <a:rPr lang="ru-RU" sz="1800" b="0" strike="noStrike" spc="-1">
                 <a:solidFill>
                   <a:srgbClr val="000000"/>
                 </a:solidFill>
@@ -5348,7 +5161,7 @@
               </a:rPr>
               <a:t>внедрение информационной системы в организации.</a:t>
             </a:r>
-            <a:endParaRPr b="0" lang="ru-RU" sz="1800" spc="-1" strike="noStrike">
+            <a:endParaRPr lang="ru-RU" sz="1800" b="0" strike="noStrike" spc="-1">
               <a:solidFill>
                 <a:schemeClr val="dk1"/>
               </a:solidFill>
@@ -5360,19 +5173,14 @@
       </p:sp>
     </p:spTree>
   </p:cSld>
-  <mc:AlternateContent>
-    <mc:Choice Requires="p14">
-      <p:transition spd="slow" p14:dur="2000"/>
-    </mc:Choice>
-    <mc:Fallback>
-      <p:transition spd="slow"/>
-    </mc:Fallback>
-  </mc:AlternateContent>
+  <p:clrMapOvr>
+    <a:masterClrMapping/>
+  </p:clrMapOvr>
 </p:sld>
 </file>
 
 <file path=ppt/slides/slide9.xml><?xml version="1.0" encoding="utf-8"?>
-<p:sld xmlns:a="http://schemas.openxmlformats.org/drawingml/2006/main" xmlns:p="http://schemas.openxmlformats.org/presentationml/2006/main" xmlns:r="http://schemas.openxmlformats.org/officeDocument/2006/relationships" xmlns:p14="http://schemas.microsoft.com/office/powerpoint/2010/main" xmlns:p15="http://schemas.microsoft.com/office/powerpoint/2012/main" xmlns:mc="http://schemas.openxmlformats.org/markup-compatibility/2006">
+<p:sld xmlns:a="http://schemas.openxmlformats.org/drawingml/2006/main" xmlns:r="http://schemas.openxmlformats.org/officeDocument/2006/relationships" xmlns:p="http://schemas.openxmlformats.org/presentationml/2006/main">
   <p:cSld>
     <p:spTree>
       <p:nvGrpSpPr>
@@ -5412,9 +5220,10 @@
           </a:ln>
         </p:spPr>
         <p:txBody>
-          <a:bodyPr lIns="0" rIns="0" tIns="0" bIns="0" anchor="ctr">
+          <a:bodyPr lIns="0" tIns="0" rIns="0" bIns="0" anchor="ctr">
             <a:noAutofit/>
           </a:bodyPr>
+          <a:lstStyle/>
           <a:p>
             <a:pPr indent="0" algn="ctr" defTabSz="914400">
               <a:lnSpc>
@@ -5422,11 +5231,11 @@
               </a:lnSpc>
               <a:buNone/>
               <a:tabLst>
-                <a:tab algn="l" pos="0"/>
+                <a:tab pos="0" algn="l"/>
               </a:tabLst>
             </a:pPr>
             <a:r>
-              <a:rPr b="0" lang="ru-RU" sz="4400" spc="-1" strike="noStrike">
+              <a:rPr lang="ru-RU" sz="4400" b="0" strike="noStrike" spc="-1">
                 <a:solidFill>
                   <a:srgbClr val="000000"/>
                 </a:solidFill>
@@ -5435,7 +5244,7 @@
               </a:rPr>
               <a:t>Назначение</a:t>
             </a:r>
-            <a:endParaRPr b="0" lang="ru-RU" sz="4400" spc="-1" strike="noStrike">
+            <a:endParaRPr lang="ru-RU" sz="4400" b="0" strike="noStrike" spc="-1">
               <a:solidFill>
                 <a:schemeClr val="dk1"/>
               </a:solidFill>
@@ -5468,9 +5277,10 @@
           </a:ln>
         </p:spPr>
         <p:txBody>
-          <a:bodyPr lIns="0" rIns="0" tIns="0" bIns="0" anchor="t">
+          <a:bodyPr lIns="0" tIns="0" rIns="0" bIns="0" anchor="t">
             <a:normAutofit/>
           </a:bodyPr>
+          <a:lstStyle/>
           <a:p>
             <a:pPr indent="0" algn="just">
               <a:lnSpc>
@@ -5482,7 +5292,7 @@
               <a:buNone/>
             </a:pPr>
             <a:r>
-              <a:rPr b="0" lang="ru-RU" sz="1800" spc="-1" strike="noStrike">
+              <a:rPr lang="ru-RU" sz="1800" b="0" strike="noStrike" spc="-1">
                 <a:solidFill>
                   <a:srgbClr val="000000"/>
                 </a:solidFill>
@@ -5491,7 +5301,7 @@
               </a:rPr>
               <a:t>Назначение автоматизированной (информационной) системы «Регионального школьного технопарка» заключается в обеспечении бесперебойной и эффективной работы системы автоматизации образовательного процесса. Программный продукт позволяет автоматизировать образовательный и административный процесс в организации.</a:t>
             </a:r>
-            <a:endParaRPr b="0" lang="ru-RU" sz="1800" spc="-1" strike="noStrike">
+            <a:endParaRPr lang="ru-RU" sz="1800" b="0" strike="noStrike" spc="-1">
               <a:solidFill>
                 <a:srgbClr val="000000"/>
               </a:solidFill>
@@ -5502,68 +5312,63 @@
       </p:sp>
     </p:spTree>
   </p:cSld>
-  <mc:AlternateContent>
-    <mc:Choice Requires="p14">
-      <p:transition spd="slow" p14:dur="2000"/>
-    </mc:Choice>
-    <mc:Fallback>
-      <p:transition spd="slow"/>
-    </mc:Fallback>
-  </mc:AlternateContent>
+  <p:clrMapOvr>
+    <a:masterClrMapping/>
+  </p:clrMapOvr>
 </p:sld>
 </file>
 
 <file path=ppt/theme/theme1.xml><?xml version="1.0" encoding="utf-8"?>
-<a:theme xmlns:a="http://schemas.openxmlformats.org/drawingml/2006/main" xmlns:r="http://schemas.openxmlformats.org/officeDocument/2006/relationships" name="Office">
+<a:theme xmlns:a="http://schemas.openxmlformats.org/drawingml/2006/main" name="Office">
   <a:themeElements>
     <a:clrScheme name="LibreOffice">
       <a:dk1>
         <a:srgbClr val="000000"/>
       </a:dk1>
       <a:lt1>
-        <a:srgbClr val="ffffff"/>
+        <a:srgbClr val="FFFFFF"/>
       </a:lt1>
       <a:dk2>
         <a:srgbClr val="000000"/>
       </a:dk2>
       <a:lt2>
-        <a:srgbClr val="ffffff"/>
+        <a:srgbClr val="FFFFFF"/>
       </a:lt2>
       <a:accent1>
-        <a:srgbClr val="18a303"/>
+        <a:srgbClr val="18A303"/>
       </a:accent1>
       <a:accent2>
-        <a:srgbClr val="0369a3"/>
+        <a:srgbClr val="0369A3"/>
       </a:accent2>
       <a:accent3>
-        <a:srgbClr val="a33e03"/>
+        <a:srgbClr val="A33E03"/>
       </a:accent3>
       <a:accent4>
-        <a:srgbClr val="8e03a3"/>
+        <a:srgbClr val="8E03A3"/>
       </a:accent4>
       <a:accent5>
-        <a:srgbClr val="c99c00"/>
+        <a:srgbClr val="C99C00"/>
       </a:accent5>
       <a:accent6>
-        <a:srgbClr val="c9211e"/>
+        <a:srgbClr val="C9211E"/>
       </a:accent6>
       <a:hlink>
-        <a:srgbClr val="0000ee"/>
+        <a:srgbClr val="0000EE"/>
       </a:hlink>
       <a:folHlink>
-        <a:srgbClr val="551a8b"/>
+        <a:srgbClr val="551A8B"/>
       </a:folHlink>
     </a:clrScheme>
     <a:fontScheme name="Office">
       <a:majorFont>
-        <a:latin typeface="Arial" pitchFamily="0" charset="1"/>
-        <a:ea typeface="DejaVu Sans" pitchFamily="0" charset="1"/>
-        <a:cs typeface="DejaVu Sans" pitchFamily="0" charset="1"/>
+        <a:latin typeface="Arial"/>
+        <a:ea typeface="DejaVu Sans"/>
+        <a:cs typeface="DejaVu Sans"/>
       </a:majorFont>
       <a:minorFont>
-        <a:latin typeface="Arial" pitchFamily="0" charset="1"/>
-        <a:ea typeface="DejaVu Sans" pitchFamily="0" charset="1"/>
-        <a:cs typeface="DejaVu Sans" pitchFamily="0" charset="1"/>
+        <a:latin typeface="Arial"/>
+        <a:ea typeface="DejaVu Sans"/>
+        <a:cs typeface="DejaVu Sans"/>
       </a:minorFont>
     </a:fontScheme>
     <a:fmtScheme>
@@ -5616,60 +5421,62 @@
       </a:bgFillStyleLst>
     </a:fmtScheme>
   </a:themeElements>
+  <a:objectDefaults/>
+  <a:extraClrSchemeLst/>
 </a:theme>
 </file>
 
 <file path=ppt/theme/theme2.xml><?xml version="1.0" encoding="utf-8"?>
-<a:theme xmlns:a="http://schemas.openxmlformats.org/drawingml/2006/main" xmlns:r="http://schemas.openxmlformats.org/officeDocument/2006/relationships" name="Office">
+<a:theme xmlns:a="http://schemas.openxmlformats.org/drawingml/2006/main" name="Office">
   <a:themeElements>
     <a:clrScheme name="LibreOffice">
       <a:dk1>
         <a:srgbClr val="000000"/>
       </a:dk1>
       <a:lt1>
-        <a:srgbClr val="ffffff"/>
+        <a:srgbClr val="FFFFFF"/>
       </a:lt1>
       <a:dk2>
         <a:srgbClr val="000000"/>
       </a:dk2>
       <a:lt2>
-        <a:srgbClr val="ffffff"/>
+        <a:srgbClr val="FFFFFF"/>
       </a:lt2>
       <a:accent1>
-        <a:srgbClr val="18a303"/>
+        <a:srgbClr val="18A303"/>
       </a:accent1>
       <a:accent2>
-        <a:srgbClr val="0369a3"/>
+        <a:srgbClr val="0369A3"/>
       </a:accent2>
       <a:accent3>
-        <a:srgbClr val="a33e03"/>
+        <a:srgbClr val="A33E03"/>
       </a:accent3>
       <a:accent4>
-        <a:srgbClr val="8e03a3"/>
+        <a:srgbClr val="8E03A3"/>
       </a:accent4>
       <a:accent5>
-        <a:srgbClr val="c99c00"/>
+        <a:srgbClr val="C99C00"/>
       </a:accent5>
       <a:accent6>
-        <a:srgbClr val="c9211e"/>
+        <a:srgbClr val="C9211E"/>
       </a:accent6>
       <a:hlink>
-        <a:srgbClr val="0000ee"/>
+        <a:srgbClr val="0000EE"/>
       </a:hlink>
       <a:folHlink>
-        <a:srgbClr val="551a8b"/>
+        <a:srgbClr val="551A8B"/>
       </a:folHlink>
     </a:clrScheme>
     <a:fontScheme name="Office">
       <a:majorFont>
-        <a:latin typeface="Arial" pitchFamily="0" charset="1"/>
-        <a:ea typeface="DejaVu Sans" pitchFamily="0" charset="1"/>
-        <a:cs typeface="DejaVu Sans" pitchFamily="0" charset="1"/>
+        <a:latin typeface="Arial"/>
+        <a:ea typeface="DejaVu Sans"/>
+        <a:cs typeface="DejaVu Sans"/>
       </a:majorFont>
       <a:minorFont>
-        <a:latin typeface="Arial" pitchFamily="0" charset="1"/>
-        <a:ea typeface="DejaVu Sans" pitchFamily="0" charset="1"/>
-        <a:cs typeface="DejaVu Sans" pitchFamily="0" charset="1"/>
+        <a:latin typeface="Arial"/>
+        <a:ea typeface="DejaVu Sans"/>
+        <a:cs typeface="DejaVu Sans"/>
       </a:minorFont>
     </a:fontScheme>
     <a:fmtScheme>
@@ -5722,60 +5529,62 @@
       </a:bgFillStyleLst>
     </a:fmtScheme>
   </a:themeElements>
+  <a:objectDefaults/>
+  <a:extraClrSchemeLst/>
 </a:theme>
 </file>
 
 <file path=ppt/theme/theme3.xml><?xml version="1.0" encoding="utf-8"?>
-<a:theme xmlns:a="http://schemas.openxmlformats.org/drawingml/2006/main" xmlns:r="http://schemas.openxmlformats.org/officeDocument/2006/relationships" name="Office">
+<a:theme xmlns:a="http://schemas.openxmlformats.org/drawingml/2006/main" name="Office Theme">
   <a:themeElements>
     <a:clrScheme name="LibreOffice">
       <a:dk1>
         <a:srgbClr val="000000"/>
       </a:dk1>
       <a:lt1>
-        <a:srgbClr val="ffffff"/>
+        <a:srgbClr val="FFFFFF"/>
       </a:lt1>
       <a:dk2>
         <a:srgbClr val="000000"/>
       </a:dk2>
       <a:lt2>
-        <a:srgbClr val="ffffff"/>
+        <a:srgbClr val="FFFFFF"/>
       </a:lt2>
       <a:accent1>
-        <a:srgbClr val="18a303"/>
+        <a:srgbClr val="18A303"/>
       </a:accent1>
       <a:accent2>
-        <a:srgbClr val="0369a3"/>
+        <a:srgbClr val="0369A3"/>
       </a:accent2>
       <a:accent3>
-        <a:srgbClr val="a33e03"/>
+        <a:srgbClr val="A33E03"/>
       </a:accent3>
       <a:accent4>
-        <a:srgbClr val="8e03a3"/>
+        <a:srgbClr val="8E03A3"/>
       </a:accent4>
       <a:accent5>
-        <a:srgbClr val="c99c00"/>
+        <a:srgbClr val="C99C00"/>
       </a:accent5>
       <a:accent6>
-        <a:srgbClr val="c9211e"/>
+        <a:srgbClr val="C9211E"/>
       </a:accent6>
       <a:hlink>
-        <a:srgbClr val="0000ee"/>
+        <a:srgbClr val="0000EE"/>
       </a:hlink>
       <a:folHlink>
-        <a:srgbClr val="551a8b"/>
+        <a:srgbClr val="551A8B"/>
       </a:folHlink>
     </a:clrScheme>
     <a:fontScheme name="Office">
       <a:majorFont>
-        <a:latin typeface="Arial" pitchFamily="0" charset="1"/>
-        <a:ea typeface="DejaVu Sans" pitchFamily="0" charset="1"/>
-        <a:cs typeface="DejaVu Sans" pitchFamily="0" charset="1"/>
+        <a:latin typeface="Arial"/>
+        <a:ea typeface="DejaVu Sans"/>
+        <a:cs typeface="DejaVu Sans"/>
       </a:majorFont>
       <a:minorFont>
-        <a:latin typeface="Arial" pitchFamily="0" charset="1"/>
-        <a:ea typeface="DejaVu Sans" pitchFamily="0" charset="1"/>
-        <a:cs typeface="DejaVu Sans" pitchFamily="0" charset="1"/>
+        <a:latin typeface="Arial"/>
+        <a:ea typeface="DejaVu Sans"/>
+        <a:cs typeface="DejaVu Sans"/>
       </a:minorFont>
     </a:fontScheme>
     <a:fmtScheme>
@@ -5828,111 +5637,7 @@
       </a:bgFillStyleLst>
     </a:fmtScheme>
   </a:themeElements>
-</a:theme>
-</file>
-
-<file path=ppt/theme/theme4.xml><?xml version="1.0" encoding="utf-8"?>
-<a:theme xmlns:a="http://schemas.openxmlformats.org/drawingml/2006/main" xmlns:r="http://schemas.openxmlformats.org/officeDocument/2006/relationships" name="Office Theme">
-  <a:themeElements>
-    <a:clrScheme name="LibreOffice">
-      <a:dk1>
-        <a:srgbClr val="000000"/>
-      </a:dk1>
-      <a:lt1>
-        <a:srgbClr val="ffffff"/>
-      </a:lt1>
-      <a:dk2>
-        <a:srgbClr val="000000"/>
-      </a:dk2>
-      <a:lt2>
-        <a:srgbClr val="ffffff"/>
-      </a:lt2>
-      <a:accent1>
-        <a:srgbClr val="18a303"/>
-      </a:accent1>
-      <a:accent2>
-        <a:srgbClr val="0369a3"/>
-      </a:accent2>
-      <a:accent3>
-        <a:srgbClr val="a33e03"/>
-      </a:accent3>
-      <a:accent4>
-        <a:srgbClr val="8e03a3"/>
-      </a:accent4>
-      <a:accent5>
-        <a:srgbClr val="c99c00"/>
-      </a:accent5>
-      <a:accent6>
-        <a:srgbClr val="c9211e"/>
-      </a:accent6>
-      <a:hlink>
-        <a:srgbClr val="0000ee"/>
-      </a:hlink>
-      <a:folHlink>
-        <a:srgbClr val="551a8b"/>
-      </a:folHlink>
-    </a:clrScheme>
-    <a:fontScheme name="Office">
-      <a:majorFont>
-        <a:latin typeface="Arial" pitchFamily="0" charset="1"/>
-        <a:ea typeface="DejaVu Sans" pitchFamily="0" charset="1"/>
-        <a:cs typeface="DejaVu Sans" pitchFamily="0" charset="1"/>
-      </a:majorFont>
-      <a:minorFont>
-        <a:latin typeface="Arial" pitchFamily="0" charset="1"/>
-        <a:ea typeface="DejaVu Sans" pitchFamily="0" charset="1"/>
-        <a:cs typeface="DejaVu Sans" pitchFamily="0" charset="1"/>
-      </a:minorFont>
-    </a:fontScheme>
-    <a:fmtScheme>
-      <a:fillStyleLst>
-        <a:solidFill>
-          <a:schemeClr val="phClr"/>
-        </a:solidFill>
-        <a:solidFill>
-          <a:schemeClr val="phClr"/>
-        </a:solidFill>
-        <a:solidFill>
-          <a:schemeClr val="phClr"/>
-        </a:solidFill>
-      </a:fillStyleLst>
-      <a:lnStyleLst>
-        <a:ln w="6350" cap="flat" cmpd="sng" algn="ctr">
-          <a:prstDash val="solid"/>
-          <a:miter/>
-        </a:ln>
-        <a:ln w="6350" cap="flat" cmpd="sng" algn="ctr">
-          <a:prstDash val="solid"/>
-          <a:miter/>
-        </a:ln>
-        <a:ln w="6350" cap="flat" cmpd="sng" algn="ctr">
-          <a:prstDash val="solid"/>
-          <a:miter/>
-        </a:ln>
-      </a:lnStyleLst>
-      <a:effectStyleLst>
-        <a:effectStyle>
-          <a:effectLst/>
-        </a:effectStyle>
-        <a:effectStyle>
-          <a:effectLst/>
-        </a:effectStyle>
-        <a:effectStyle>
-          <a:effectLst/>
-        </a:effectStyle>
-      </a:effectStyleLst>
-      <a:bgFillStyleLst>
-        <a:solidFill>
-          <a:schemeClr val="phClr"/>
-        </a:solidFill>
-        <a:solidFill>
-          <a:schemeClr val="phClr"/>
-        </a:solidFill>
-        <a:solidFill>
-          <a:schemeClr val="phClr"/>
-        </a:solidFill>
-      </a:bgFillStyleLst>
-    </a:fmtScheme>
-  </a:themeElements>
+  <a:objectDefaults/>
+  <a:extraClrSchemeLst/>
 </a:theme>
 </file>